--- a/Documentation/FrameworkOverviewLecture.pptx
+++ b/Documentation/FrameworkOverviewLecture.pptx
@@ -2,8 +2,17 @@
 <file path=ppt/presentation.xml><?xml version="1.0" encoding="utf-8"?>
 <p:presentation xmlns:a="http://schemas.openxmlformats.org/drawingml/2006/main" xmlns:r="http://schemas.openxmlformats.org/officeDocument/2006/relationships" xmlns:p="http://schemas.openxmlformats.org/presentationml/2006/main" saveSubsetFonts="1">
   <p:sldMasterIdLst>
-    <p:sldMasterId id="2147483648" r:id="rId1"/>
+    <p:sldMasterId id="2147483660" r:id="rId1"/>
+    <p:sldMasterId id="2147483672" r:id="rId2"/>
   </p:sldMasterIdLst>
+  <p:sldIdLst>
+    <p:sldId id="256" r:id="rId3"/>
+    <p:sldId id="257" r:id="rId4"/>
+    <p:sldId id="259" r:id="rId5"/>
+    <p:sldId id="260" r:id="rId6"/>
+    <p:sldId id="261" r:id="rId7"/>
+    <p:sldId id="258" r:id="rId8"/>
+  </p:sldIdLst>
   <p:sldSz cx="9144000" cy="6858000" type="screen4x3"/>
   <p:notesSz cx="6858000" cy="9144000"/>
   <p:defaultTextStyle>
@@ -107,6 +116,18 @@
 <file path=ppt/slideLayouts/slideLayout1.xml><?xml version="1.0" encoding="utf-8"?>
 <p:sldLayout xmlns:a="http://schemas.openxmlformats.org/drawingml/2006/main" xmlns:r="http://schemas.openxmlformats.org/officeDocument/2006/relationships" xmlns:p="http://schemas.openxmlformats.org/presentationml/2006/main" type="title" preserve="1">
   <p:cSld name="Title Slide">
+    <p:bg>
+      <p:bgPr>
+        <a:blipFill dpi="0" rotWithShape="0">
+          <a:blip r:embed="rId2"/>
+          <a:srcRect/>
+          <a:stretch>
+            <a:fillRect/>
+          </a:stretch>
+        </a:blipFill>
+        <a:effectLst/>
+      </p:bgPr>
+    </p:bg>
     <p:spTree>
       <p:nvGrpSpPr>
         <p:cNvPr id="1" name=""/>
@@ -123,9 +144,9 @@
       </p:grpSpPr>
       <p:sp>
         <p:nvSpPr>
-          <p:cNvPr id="2" name="Title 1"/>
+          <p:cNvPr id="5122" name="Rectangle 2"/>
           <p:cNvSpPr>
-            <a:spLocks noGrp="1"/>
+            <a:spLocks noGrp="1" noChangeArrowheads="1"/>
           </p:cNvSpPr>
           <p:nvPr>
             <p:ph type="ctrTitle"/>
@@ -133,27 +154,37 @@
         </p:nvSpPr>
         <p:spPr>
           <a:xfrm>
-            <a:off x="685800" y="2130425"/>
-            <a:ext cx="7772400" cy="1470025"/>
+            <a:off x="2771775" y="2492375"/>
+            <a:ext cx="5616575" cy="1439863"/>
           </a:xfrm>
+          <a:effectLst>
+            <a:outerShdw dist="17961" dir="2700000" algn="ctr" rotWithShape="0">
+              <a:schemeClr val="bg2"/>
+            </a:outerShdw>
+          </a:effectLst>
         </p:spPr>
         <p:txBody>
           <a:bodyPr/>
-          <a:lstStyle/>
-          <a:p>
-            <a:r>
-              <a:rPr lang="en-US" smtClean="0"/>
+          <a:lstStyle>
+            <a:lvl1pPr>
+              <a:defRPr/>
+            </a:lvl1pPr>
+          </a:lstStyle>
+          <a:p>
+            <a:pPr lvl="0"/>
+            <a:r>
+              <a:rPr lang="en-US" noProof="0" smtClean="0"/>
               <a:t>Click to edit Master title style</a:t>
             </a:r>
-            <a:endParaRPr lang="en-US"/>
-          </a:p>
-        </p:txBody>
-      </p:sp>
-      <p:sp>
-        <p:nvSpPr>
-          <p:cNvPr id="3" name="Subtitle 2"/>
+            <a:endParaRPr lang="ru-RU" noProof="0" smtClean="0"/>
+          </a:p>
+        </p:txBody>
+      </p:sp>
+      <p:sp>
+        <p:nvSpPr>
+          <p:cNvPr id="5123" name="Rectangle 3"/>
           <p:cNvSpPr>
-            <a:spLocks noGrp="1"/>
+            <a:spLocks noGrp="1" noChangeArrowheads="1"/>
           </p:cNvSpPr>
           <p:nvPr>
             <p:ph type="subTitle" idx="1"/>
@@ -161,177 +192,33 @@
         </p:nvSpPr>
         <p:spPr>
           <a:xfrm>
-            <a:off x="1371600" y="3886200"/>
-            <a:ext cx="6400800" cy="1752600"/>
+            <a:off x="2771775" y="4219575"/>
+            <a:ext cx="5616575" cy="649288"/>
           </a:xfrm>
+          <a:effectLst>
+            <a:outerShdw dist="17961" dir="2700000" algn="ctr" rotWithShape="0">
+              <a:schemeClr val="bg2"/>
+            </a:outerShdw>
+          </a:effectLst>
         </p:spPr>
         <p:txBody>
           <a:bodyPr/>
           <a:lstStyle>
-            <a:lvl1pPr marL="0" indent="0" algn="ctr">
+            <a:lvl1pPr marL="0" indent="0">
+              <a:buFontTx/>
               <a:buNone/>
               <a:defRPr>
-                <a:solidFill>
-                  <a:schemeClr val="tx1">
-                    <a:tint val="75000"/>
-                  </a:schemeClr>
-                </a:solidFill>
+                <a:latin typeface="Futura LT Book" pitchFamily="2" charset="0"/>
               </a:defRPr>
             </a:lvl1pPr>
-            <a:lvl2pPr marL="457200" indent="0" algn="ctr">
-              <a:buNone/>
-              <a:defRPr>
-                <a:solidFill>
-                  <a:schemeClr val="tx1">
-                    <a:tint val="75000"/>
-                  </a:schemeClr>
-                </a:solidFill>
-              </a:defRPr>
-            </a:lvl2pPr>
-            <a:lvl3pPr marL="914400" indent="0" algn="ctr">
-              <a:buNone/>
-              <a:defRPr>
-                <a:solidFill>
-                  <a:schemeClr val="tx1">
-                    <a:tint val="75000"/>
-                  </a:schemeClr>
-                </a:solidFill>
-              </a:defRPr>
-            </a:lvl3pPr>
-            <a:lvl4pPr marL="1371600" indent="0" algn="ctr">
-              <a:buNone/>
-              <a:defRPr>
-                <a:solidFill>
-                  <a:schemeClr val="tx1">
-                    <a:tint val="75000"/>
-                  </a:schemeClr>
-                </a:solidFill>
-              </a:defRPr>
-            </a:lvl4pPr>
-            <a:lvl5pPr marL="1828800" indent="0" algn="ctr">
-              <a:buNone/>
-              <a:defRPr>
-                <a:solidFill>
-                  <a:schemeClr val="tx1">
-                    <a:tint val="75000"/>
-                  </a:schemeClr>
-                </a:solidFill>
-              </a:defRPr>
-            </a:lvl5pPr>
-            <a:lvl6pPr marL="2286000" indent="0" algn="ctr">
-              <a:buNone/>
-              <a:defRPr>
-                <a:solidFill>
-                  <a:schemeClr val="tx1">
-                    <a:tint val="75000"/>
-                  </a:schemeClr>
-                </a:solidFill>
-              </a:defRPr>
-            </a:lvl6pPr>
-            <a:lvl7pPr marL="2743200" indent="0" algn="ctr">
-              <a:buNone/>
-              <a:defRPr>
-                <a:solidFill>
-                  <a:schemeClr val="tx1">
-                    <a:tint val="75000"/>
-                  </a:schemeClr>
-                </a:solidFill>
-              </a:defRPr>
-            </a:lvl7pPr>
-            <a:lvl8pPr marL="3200400" indent="0" algn="ctr">
-              <a:buNone/>
-              <a:defRPr>
-                <a:solidFill>
-                  <a:schemeClr val="tx1">
-                    <a:tint val="75000"/>
-                  </a:schemeClr>
-                </a:solidFill>
-              </a:defRPr>
-            </a:lvl8pPr>
-            <a:lvl9pPr marL="3657600" indent="0" algn="ctr">
-              <a:buNone/>
-              <a:defRPr>
-                <a:solidFill>
-                  <a:schemeClr val="tx1">
-                    <a:tint val="75000"/>
-                  </a:schemeClr>
-                </a:solidFill>
-              </a:defRPr>
-            </a:lvl9pPr>
           </a:lstStyle>
           <a:p>
-            <a:r>
-              <a:rPr lang="en-US" smtClean="0"/>
+            <a:pPr lvl="0"/>
+            <a:r>
+              <a:rPr lang="en-US" noProof="0" smtClean="0"/>
               <a:t>Click to edit Master subtitle style</a:t>
             </a:r>
-            <a:endParaRPr lang="en-US"/>
-          </a:p>
-        </p:txBody>
-      </p:sp>
-      <p:sp>
-        <p:nvSpPr>
-          <p:cNvPr id="4" name="Date Placeholder 3"/>
-          <p:cNvSpPr>
-            <a:spLocks noGrp="1"/>
-          </p:cNvSpPr>
-          <p:nvPr>
-            <p:ph type="dt" sz="half" idx="10"/>
-          </p:nvPr>
-        </p:nvSpPr>
-        <p:spPr/>
-        <p:txBody>
-          <a:bodyPr/>
-          <a:lstStyle/>
-          <a:p>
-            <a:fld id="{1D8BD707-D9CF-40AE-B4C6-C98DA3205C09}" type="datetimeFigureOut">
-              <a:rPr lang="en-US" smtClean="0"/>
-              <a:pPr/>
-              <a:t>9/18/2006</a:t>
-            </a:fld>
-            <a:endParaRPr lang="en-US"/>
-          </a:p>
-        </p:txBody>
-      </p:sp>
-      <p:sp>
-        <p:nvSpPr>
-          <p:cNvPr id="5" name="Footer Placeholder 4"/>
-          <p:cNvSpPr>
-            <a:spLocks noGrp="1"/>
-          </p:cNvSpPr>
-          <p:nvPr>
-            <p:ph type="ftr" sz="quarter" idx="11"/>
-          </p:nvPr>
-        </p:nvSpPr>
-        <p:spPr/>
-        <p:txBody>
-          <a:bodyPr/>
-          <a:lstStyle/>
-          <a:p>
-            <a:endParaRPr lang="en-US"/>
-          </a:p>
-        </p:txBody>
-      </p:sp>
-      <p:sp>
-        <p:nvSpPr>
-          <p:cNvPr id="6" name="Slide Number Placeholder 5"/>
-          <p:cNvSpPr>
-            <a:spLocks noGrp="1"/>
-          </p:cNvSpPr>
-          <p:nvPr>
-            <p:ph type="sldNum" sz="quarter" idx="12"/>
-          </p:nvPr>
-        </p:nvSpPr>
-        <p:spPr/>
-        <p:txBody>
-          <a:bodyPr/>
-          <a:lstStyle/>
-          <a:p>
-            <a:fld id="{B6F15528-21DE-4FAA-801E-634DDDAF4B2B}" type="slidenum">
-              <a:rPr lang="en-US" smtClean="0"/>
-              <a:pPr/>
-              <a:t>‹#›</a:t>
-            </a:fld>
-            <a:endParaRPr lang="en-US"/>
+            <a:endParaRPr lang="ru-RU" noProof="0" smtClean="0"/>
           </a:p>
         </p:txBody>
       </p:sp>
@@ -435,74 +322,12 @@
           </a:p>
         </p:txBody>
       </p:sp>
-      <p:sp>
-        <p:nvSpPr>
-          <p:cNvPr id="4" name="Date Placeholder 3"/>
-          <p:cNvSpPr>
-            <a:spLocks noGrp="1"/>
-          </p:cNvSpPr>
-          <p:nvPr>
-            <p:ph type="dt" sz="half" idx="10"/>
-          </p:nvPr>
-        </p:nvSpPr>
-        <p:spPr/>
-        <p:txBody>
-          <a:bodyPr/>
-          <a:lstStyle/>
-          <a:p>
-            <a:fld id="{1D8BD707-D9CF-40AE-B4C6-C98DA3205C09}" type="datetimeFigureOut">
-              <a:rPr lang="en-US" smtClean="0"/>
-              <a:pPr/>
-              <a:t>9/18/2006</a:t>
-            </a:fld>
-            <a:endParaRPr lang="en-US"/>
-          </a:p>
-        </p:txBody>
-      </p:sp>
-      <p:sp>
-        <p:nvSpPr>
-          <p:cNvPr id="5" name="Footer Placeholder 4"/>
-          <p:cNvSpPr>
-            <a:spLocks noGrp="1"/>
-          </p:cNvSpPr>
-          <p:nvPr>
-            <p:ph type="ftr" sz="quarter" idx="11"/>
-          </p:nvPr>
-        </p:nvSpPr>
-        <p:spPr/>
-        <p:txBody>
-          <a:bodyPr/>
-          <a:lstStyle/>
-          <a:p>
-            <a:endParaRPr lang="en-US"/>
-          </a:p>
-        </p:txBody>
-      </p:sp>
-      <p:sp>
-        <p:nvSpPr>
-          <p:cNvPr id="6" name="Slide Number Placeholder 5"/>
-          <p:cNvSpPr>
-            <a:spLocks noGrp="1"/>
-          </p:cNvSpPr>
-          <p:nvPr>
-            <p:ph type="sldNum" sz="quarter" idx="12"/>
-          </p:nvPr>
-        </p:nvSpPr>
-        <p:spPr/>
-        <p:txBody>
-          <a:bodyPr/>
-          <a:lstStyle/>
-          <a:p>
-            <a:fld id="{B6F15528-21DE-4FAA-801E-634DDDAF4B2B}" type="slidenum">
-              <a:rPr lang="en-US" smtClean="0"/>
-              <a:pPr/>
-              <a:t>‹#›</a:t>
-            </a:fld>
-            <a:endParaRPr lang="en-US"/>
-          </a:p>
-        </p:txBody>
-      </p:sp>
     </p:spTree>
+    <p:extLst>
+      <p:ext uri="{BB962C8B-B14F-4D97-AF65-F5344CB8AC3E}">
+        <p14:creationId xmlns:p14="http://schemas.microsoft.com/office/powerpoint/2010/main" val="2694811347"/>
+      </p:ext>
+    </p:extLst>
   </p:cSld>
   <p:clrMapOvr>
     <a:masterClrMapping/>
@@ -539,8 +364,8 @@
         </p:nvSpPr>
         <p:spPr>
           <a:xfrm>
-            <a:off x="6629400" y="274638"/>
-            <a:ext cx="2057400" cy="5851525"/>
+            <a:off x="6773863" y="404813"/>
+            <a:ext cx="1981200" cy="6048375"/>
           </a:xfrm>
         </p:spPr>
         <p:txBody>
@@ -567,8 +392,8 @@
         </p:nvSpPr>
         <p:spPr>
           <a:xfrm>
-            <a:off x="457200" y="274638"/>
-            <a:ext cx="6019800" cy="5851525"/>
+            <a:off x="827088" y="404813"/>
+            <a:ext cx="5794375" cy="6048375"/>
           </a:xfrm>
         </p:spPr>
         <p:txBody>
@@ -607,6 +432,129 @@
             <a:r>
               <a:rPr lang="en-US" smtClean="0"/>
               <a:t>Fifth level</a:t>
+            </a:r>
+            <a:endParaRPr lang="en-US"/>
+          </a:p>
+        </p:txBody>
+      </p:sp>
+    </p:spTree>
+    <p:extLst>
+      <p:ext uri="{BB962C8B-B14F-4D97-AF65-F5344CB8AC3E}">
+        <p14:creationId xmlns:p14="http://schemas.microsoft.com/office/powerpoint/2010/main" val="3799906560"/>
+      </p:ext>
+    </p:extLst>
+  </p:cSld>
+  <p:clrMapOvr>
+    <a:masterClrMapping/>
+  </p:clrMapOvr>
+</p:sldLayout>
+</file>
+
+<file path=ppt/slideLayouts/slideLayout12.xml><?xml version="1.0" encoding="utf-8"?>
+<p:sldLayout xmlns:a="http://schemas.openxmlformats.org/drawingml/2006/main" xmlns:r="http://schemas.openxmlformats.org/officeDocument/2006/relationships" xmlns:p="http://schemas.openxmlformats.org/presentationml/2006/main" type="title" preserve="1">
+  <p:cSld name="Title Slide">
+    <p:spTree>
+      <p:nvGrpSpPr>
+        <p:cNvPr id="1" name=""/>
+        <p:cNvGrpSpPr/>
+        <p:nvPr/>
+      </p:nvGrpSpPr>
+      <p:grpSpPr>
+        <a:xfrm>
+          <a:off x="0" y="0"/>
+          <a:ext cx="0" cy="0"/>
+          <a:chOff x="0" y="0"/>
+          <a:chExt cx="0" cy="0"/>
+        </a:xfrm>
+      </p:grpSpPr>
+      <p:sp>
+        <p:nvSpPr>
+          <p:cNvPr id="2" name="Title 1"/>
+          <p:cNvSpPr>
+            <a:spLocks noGrp="1"/>
+          </p:cNvSpPr>
+          <p:nvPr>
+            <p:ph type="ctrTitle"/>
+          </p:nvPr>
+        </p:nvSpPr>
+        <p:spPr>
+          <a:xfrm>
+            <a:off x="685800" y="2130425"/>
+            <a:ext cx="7772400" cy="1470025"/>
+          </a:xfrm>
+        </p:spPr>
+        <p:txBody>
+          <a:bodyPr/>
+          <a:lstStyle/>
+          <a:p>
+            <a:r>
+              <a:rPr lang="en-US" smtClean="0"/>
+              <a:t>Click to edit Master title style</a:t>
+            </a:r>
+            <a:endParaRPr lang="en-US"/>
+          </a:p>
+        </p:txBody>
+      </p:sp>
+      <p:sp>
+        <p:nvSpPr>
+          <p:cNvPr id="3" name="Subtitle 2"/>
+          <p:cNvSpPr>
+            <a:spLocks noGrp="1"/>
+          </p:cNvSpPr>
+          <p:nvPr>
+            <p:ph type="subTitle" idx="1"/>
+          </p:nvPr>
+        </p:nvSpPr>
+        <p:spPr>
+          <a:xfrm>
+            <a:off x="1371600" y="3886200"/>
+            <a:ext cx="6400800" cy="1752600"/>
+          </a:xfrm>
+        </p:spPr>
+        <p:txBody>
+          <a:bodyPr/>
+          <a:lstStyle>
+            <a:lvl1pPr marL="0" indent="0" algn="ctr">
+              <a:buNone/>
+              <a:defRPr/>
+            </a:lvl1pPr>
+            <a:lvl2pPr marL="457200" indent="0" algn="ctr">
+              <a:buNone/>
+              <a:defRPr/>
+            </a:lvl2pPr>
+            <a:lvl3pPr marL="914400" indent="0" algn="ctr">
+              <a:buNone/>
+              <a:defRPr/>
+            </a:lvl3pPr>
+            <a:lvl4pPr marL="1371600" indent="0" algn="ctr">
+              <a:buNone/>
+              <a:defRPr/>
+            </a:lvl4pPr>
+            <a:lvl5pPr marL="1828800" indent="0" algn="ctr">
+              <a:buNone/>
+              <a:defRPr/>
+            </a:lvl5pPr>
+            <a:lvl6pPr marL="2286000" indent="0" algn="ctr">
+              <a:buNone/>
+              <a:defRPr/>
+            </a:lvl6pPr>
+            <a:lvl7pPr marL="2743200" indent="0" algn="ctr">
+              <a:buNone/>
+              <a:defRPr/>
+            </a:lvl7pPr>
+            <a:lvl8pPr marL="3200400" indent="0" algn="ctr">
+              <a:buNone/>
+              <a:defRPr/>
+            </a:lvl8pPr>
+            <a:lvl9pPr marL="3657600" indent="0" algn="ctr">
+              <a:buNone/>
+              <a:defRPr/>
+            </a:lvl9pPr>
+          </a:lstStyle>
+          <a:p>
+            <a:r>
+              <a:rPr lang="en-US" smtClean="0"/>
+              <a:t>Click to edit Master subtitle style</a:t>
             </a:r>
             <a:endParaRPr lang="en-US"/>
           </a:p>
@@ -625,14 +573,13 @@
         <p:spPr/>
         <p:txBody>
           <a:bodyPr/>
-          <a:lstStyle/>
-          <a:p>
-            <a:fld id="{1D8BD707-D9CF-40AE-B4C6-C98DA3205C09}" type="datetimeFigureOut">
-              <a:rPr lang="en-US" smtClean="0"/>
-              <a:pPr/>
-              <a:t>9/18/2006</a:t>
-            </a:fld>
-            <a:endParaRPr lang="en-US"/>
+          <a:lstStyle>
+            <a:lvl1pPr>
+              <a:defRPr/>
+            </a:lvl1pPr>
+          </a:lstStyle>
+          <a:p>
+            <a:endParaRPr lang="ru-RU"/>
           </a:p>
         </p:txBody>
       </p:sp>
@@ -649,9 +596,13 @@
         <p:spPr/>
         <p:txBody>
           <a:bodyPr/>
-          <a:lstStyle/>
-          <a:p>
-            <a:endParaRPr lang="en-US"/>
+          <a:lstStyle>
+            <a:lvl1pPr>
+              <a:defRPr/>
+            </a:lvl1pPr>
+          </a:lstStyle>
+          <a:p>
+            <a:endParaRPr lang="ru-RU"/>
           </a:p>
         </p:txBody>
       </p:sp>
@@ -668,18 +619,27 @@
         <p:spPr/>
         <p:txBody>
           <a:bodyPr/>
-          <a:lstStyle/>
-          <a:p>
-            <a:fld id="{B6F15528-21DE-4FAA-801E-634DDDAF4B2B}" type="slidenum">
-              <a:rPr lang="en-US" smtClean="0"/>
+          <a:lstStyle>
+            <a:lvl1pPr>
+              <a:defRPr/>
+            </a:lvl1pPr>
+          </a:lstStyle>
+          <a:p>
+            <a:fld id="{C2638DAE-3740-48D9-9A1D-5F560F46878B}" type="slidenum">
+              <a:rPr lang="ru-RU"/>
               <a:pPr/>
               <a:t>‹#›</a:t>
             </a:fld>
-            <a:endParaRPr lang="en-US"/>
+            <a:endParaRPr lang="ru-RU"/>
           </a:p>
         </p:txBody>
       </p:sp>
     </p:spTree>
+    <p:extLst>
+      <p:ext uri="{BB962C8B-B14F-4D97-AF65-F5344CB8AC3E}">
+        <p14:creationId xmlns:p14="http://schemas.microsoft.com/office/powerpoint/2010/main" val="3260089449"/>
+      </p:ext>
+    </p:extLst>
   </p:cSld>
   <p:clrMapOvr>
     <a:masterClrMapping/>
@@ -687,7 +647,7 @@
 </p:sldLayout>
 </file>
 
-<file path=ppt/slideLayouts/slideLayout2.xml><?xml version="1.0" encoding="utf-8"?>
+<file path=ppt/slideLayouts/slideLayout13.xml><?xml version="1.0" encoding="utf-8"?>
 <p:sldLayout xmlns:a="http://schemas.openxmlformats.org/drawingml/2006/main" xmlns:r="http://schemas.openxmlformats.org/officeDocument/2006/relationships" xmlns:p="http://schemas.openxmlformats.org/presentationml/2006/main" type="obj" preserve="1">
   <p:cSld name="Title and Content">
     <p:spTree>
@@ -792,14 +752,13 @@
         <p:spPr/>
         <p:txBody>
           <a:bodyPr/>
-          <a:lstStyle/>
-          <a:p>
-            <a:fld id="{1D8BD707-D9CF-40AE-B4C6-C98DA3205C09}" type="datetimeFigureOut">
-              <a:rPr lang="en-US" smtClean="0"/>
-              <a:pPr/>
-              <a:t>9/18/2006</a:t>
-            </a:fld>
-            <a:endParaRPr lang="en-US"/>
+          <a:lstStyle>
+            <a:lvl1pPr>
+              <a:defRPr/>
+            </a:lvl1pPr>
+          </a:lstStyle>
+          <a:p>
+            <a:endParaRPr lang="ru-RU"/>
           </a:p>
         </p:txBody>
       </p:sp>
@@ -816,9 +775,13 @@
         <p:spPr/>
         <p:txBody>
           <a:bodyPr/>
-          <a:lstStyle/>
-          <a:p>
-            <a:endParaRPr lang="en-US"/>
+          <a:lstStyle>
+            <a:lvl1pPr>
+              <a:defRPr/>
+            </a:lvl1pPr>
+          </a:lstStyle>
+          <a:p>
+            <a:endParaRPr lang="ru-RU"/>
           </a:p>
         </p:txBody>
       </p:sp>
@@ -835,18 +798,27 @@
         <p:spPr/>
         <p:txBody>
           <a:bodyPr/>
-          <a:lstStyle/>
-          <a:p>
-            <a:fld id="{B6F15528-21DE-4FAA-801E-634DDDAF4B2B}" type="slidenum">
-              <a:rPr lang="en-US" smtClean="0"/>
+          <a:lstStyle>
+            <a:lvl1pPr>
+              <a:defRPr/>
+            </a:lvl1pPr>
+          </a:lstStyle>
+          <a:p>
+            <a:fld id="{B2B69608-D3F1-439C-8030-A65F2B28F0CB}" type="slidenum">
+              <a:rPr lang="ru-RU"/>
               <a:pPr/>
               <a:t>‹#›</a:t>
             </a:fld>
-            <a:endParaRPr lang="en-US"/>
+            <a:endParaRPr lang="ru-RU"/>
           </a:p>
         </p:txBody>
       </p:sp>
     </p:spTree>
+    <p:extLst>
+      <p:ext uri="{BB962C8B-B14F-4D97-AF65-F5344CB8AC3E}">
+        <p14:creationId xmlns:p14="http://schemas.microsoft.com/office/powerpoint/2010/main" val="3761713299"/>
+      </p:ext>
+    </p:extLst>
   </p:cSld>
   <p:clrMapOvr>
     <a:masterClrMapping/>
@@ -854,7 +826,7 @@
 </p:sldLayout>
 </file>
 
-<file path=ppt/slideLayouts/slideLayout3.xml><?xml version="1.0" encoding="utf-8"?>
+<file path=ppt/slideLayouts/slideLayout14.xml><?xml version="1.0" encoding="utf-8"?>
 <p:sldLayout xmlns:a="http://schemas.openxmlformats.org/drawingml/2006/main" xmlns:r="http://schemas.openxmlformats.org/officeDocument/2006/relationships" xmlns:p="http://schemas.openxmlformats.org/presentationml/2006/main" type="secHead" preserve="1">
   <p:cSld name="Section Header">
     <p:spTree>
@@ -924,93 +896,39 @@
           <a:lstStyle>
             <a:lvl1pPr marL="0" indent="0">
               <a:buNone/>
-              <a:defRPr sz="2000">
-                <a:solidFill>
-                  <a:schemeClr val="tx1">
-                    <a:tint val="75000"/>
-                  </a:schemeClr>
-                </a:solidFill>
-              </a:defRPr>
+              <a:defRPr sz="2000"/>
             </a:lvl1pPr>
             <a:lvl2pPr marL="457200" indent="0">
               <a:buNone/>
-              <a:defRPr sz="1800">
-                <a:solidFill>
-                  <a:schemeClr val="tx1">
-                    <a:tint val="75000"/>
-                  </a:schemeClr>
-                </a:solidFill>
-              </a:defRPr>
+              <a:defRPr sz="1800"/>
             </a:lvl2pPr>
             <a:lvl3pPr marL="914400" indent="0">
               <a:buNone/>
-              <a:defRPr sz="1600">
-                <a:solidFill>
-                  <a:schemeClr val="tx1">
-                    <a:tint val="75000"/>
-                  </a:schemeClr>
-                </a:solidFill>
-              </a:defRPr>
+              <a:defRPr sz="1600"/>
             </a:lvl3pPr>
             <a:lvl4pPr marL="1371600" indent="0">
               <a:buNone/>
-              <a:defRPr sz="1400">
-                <a:solidFill>
-                  <a:schemeClr val="tx1">
-                    <a:tint val="75000"/>
-                  </a:schemeClr>
-                </a:solidFill>
-              </a:defRPr>
+              <a:defRPr sz="1400"/>
             </a:lvl4pPr>
             <a:lvl5pPr marL="1828800" indent="0">
               <a:buNone/>
-              <a:defRPr sz="1400">
-                <a:solidFill>
-                  <a:schemeClr val="tx1">
-                    <a:tint val="75000"/>
-                  </a:schemeClr>
-                </a:solidFill>
-              </a:defRPr>
+              <a:defRPr sz="1400"/>
             </a:lvl5pPr>
             <a:lvl6pPr marL="2286000" indent="0">
               <a:buNone/>
-              <a:defRPr sz="1400">
-                <a:solidFill>
-                  <a:schemeClr val="tx1">
-                    <a:tint val="75000"/>
-                  </a:schemeClr>
-                </a:solidFill>
-              </a:defRPr>
+              <a:defRPr sz="1400"/>
             </a:lvl6pPr>
             <a:lvl7pPr marL="2743200" indent="0">
               <a:buNone/>
-              <a:defRPr sz="1400">
-                <a:solidFill>
-                  <a:schemeClr val="tx1">
-                    <a:tint val="75000"/>
-                  </a:schemeClr>
-                </a:solidFill>
-              </a:defRPr>
+              <a:defRPr sz="1400"/>
             </a:lvl7pPr>
             <a:lvl8pPr marL="3200400" indent="0">
               <a:buNone/>
-              <a:defRPr sz="1400">
-                <a:solidFill>
-                  <a:schemeClr val="tx1">
-                    <a:tint val="75000"/>
-                  </a:schemeClr>
-                </a:solidFill>
-              </a:defRPr>
+              <a:defRPr sz="1400"/>
             </a:lvl8pPr>
             <a:lvl9pPr marL="3657600" indent="0">
               <a:buNone/>
-              <a:defRPr sz="1400">
-                <a:solidFill>
-                  <a:schemeClr val="tx1">
-                    <a:tint val="75000"/>
-                  </a:schemeClr>
-                </a:solidFill>
-              </a:defRPr>
+              <a:defRPr sz="1400"/>
             </a:lvl9pPr>
           </a:lstStyle>
           <a:p>
@@ -1035,14 +953,13 @@
         <p:spPr/>
         <p:txBody>
           <a:bodyPr/>
-          <a:lstStyle/>
-          <a:p>
-            <a:fld id="{1D8BD707-D9CF-40AE-B4C6-C98DA3205C09}" type="datetimeFigureOut">
-              <a:rPr lang="en-US" smtClean="0"/>
-              <a:pPr/>
-              <a:t>9/18/2006</a:t>
-            </a:fld>
-            <a:endParaRPr lang="en-US"/>
+          <a:lstStyle>
+            <a:lvl1pPr>
+              <a:defRPr/>
+            </a:lvl1pPr>
+          </a:lstStyle>
+          <a:p>
+            <a:endParaRPr lang="ru-RU"/>
           </a:p>
         </p:txBody>
       </p:sp>
@@ -1059,9 +976,13 @@
         <p:spPr/>
         <p:txBody>
           <a:bodyPr/>
-          <a:lstStyle/>
-          <a:p>
-            <a:endParaRPr lang="en-US"/>
+          <a:lstStyle>
+            <a:lvl1pPr>
+              <a:defRPr/>
+            </a:lvl1pPr>
+          </a:lstStyle>
+          <a:p>
+            <a:endParaRPr lang="ru-RU"/>
           </a:p>
         </p:txBody>
       </p:sp>
@@ -1078,18 +999,27 @@
         <p:spPr/>
         <p:txBody>
           <a:bodyPr/>
-          <a:lstStyle/>
-          <a:p>
-            <a:fld id="{B6F15528-21DE-4FAA-801E-634DDDAF4B2B}" type="slidenum">
-              <a:rPr lang="en-US" smtClean="0"/>
+          <a:lstStyle>
+            <a:lvl1pPr>
+              <a:defRPr/>
+            </a:lvl1pPr>
+          </a:lstStyle>
+          <a:p>
+            <a:fld id="{FEE67DDF-A155-451E-B517-30A26C204235}" type="slidenum">
+              <a:rPr lang="ru-RU"/>
               <a:pPr/>
               <a:t>‹#›</a:t>
             </a:fld>
-            <a:endParaRPr lang="en-US"/>
+            <a:endParaRPr lang="ru-RU"/>
           </a:p>
         </p:txBody>
       </p:sp>
     </p:spTree>
+    <p:extLst>
+      <p:ext uri="{BB962C8B-B14F-4D97-AF65-F5344CB8AC3E}">
+        <p14:creationId xmlns:p14="http://schemas.microsoft.com/office/powerpoint/2010/main" val="2360760844"/>
+      </p:ext>
+    </p:extLst>
   </p:cSld>
   <p:clrMapOvr>
     <a:masterClrMapping/>
@@ -1097,7 +1027,7 @@
 </p:sldLayout>
 </file>
 
-<file path=ppt/slideLayouts/slideLayout4.xml><?xml version="1.0" encoding="utf-8"?>
+<file path=ppt/slideLayouts/slideLayout15.xml><?xml version="1.0" encoding="utf-8"?>
 <p:sldLayout xmlns:a="http://schemas.openxmlformats.org/drawingml/2006/main" xmlns:r="http://schemas.openxmlformats.org/officeDocument/2006/relationships" xmlns:p="http://schemas.openxmlformats.org/presentationml/2006/main" type="twoObj" preserve="1">
   <p:cSld name="Two Content">
     <p:spTree>
@@ -1149,8 +1079,8 @@
         </p:nvSpPr>
         <p:spPr>
           <a:xfrm>
-            <a:off x="457200" y="1600200"/>
-            <a:ext cx="4038600" cy="4525963"/>
+            <a:off x="1908175" y="1600200"/>
+            <a:ext cx="3313113" cy="4525963"/>
           </a:xfrm>
         </p:spPr>
         <p:txBody>
@@ -1234,8 +1164,8 @@
         </p:nvSpPr>
         <p:spPr>
           <a:xfrm>
-            <a:off x="4648200" y="1600200"/>
-            <a:ext cx="4038600" cy="4525963"/>
+            <a:off x="5373688" y="1600200"/>
+            <a:ext cx="3313112" cy="4525963"/>
           </a:xfrm>
         </p:spPr>
         <p:txBody>
@@ -1320,14 +1250,13 @@
         <p:spPr/>
         <p:txBody>
           <a:bodyPr/>
-          <a:lstStyle/>
-          <a:p>
-            <a:fld id="{1D8BD707-D9CF-40AE-B4C6-C98DA3205C09}" type="datetimeFigureOut">
-              <a:rPr lang="en-US" smtClean="0"/>
-              <a:pPr/>
-              <a:t>9/18/2006</a:t>
-            </a:fld>
-            <a:endParaRPr lang="en-US"/>
+          <a:lstStyle>
+            <a:lvl1pPr>
+              <a:defRPr/>
+            </a:lvl1pPr>
+          </a:lstStyle>
+          <a:p>
+            <a:endParaRPr lang="ru-RU"/>
           </a:p>
         </p:txBody>
       </p:sp>
@@ -1344,9 +1273,13 @@
         <p:spPr/>
         <p:txBody>
           <a:bodyPr/>
-          <a:lstStyle/>
-          <a:p>
-            <a:endParaRPr lang="en-US"/>
+          <a:lstStyle>
+            <a:lvl1pPr>
+              <a:defRPr/>
+            </a:lvl1pPr>
+          </a:lstStyle>
+          <a:p>
+            <a:endParaRPr lang="ru-RU"/>
           </a:p>
         </p:txBody>
       </p:sp>
@@ -1363,18 +1296,27 @@
         <p:spPr/>
         <p:txBody>
           <a:bodyPr/>
-          <a:lstStyle/>
-          <a:p>
-            <a:fld id="{B6F15528-21DE-4FAA-801E-634DDDAF4B2B}" type="slidenum">
-              <a:rPr lang="en-US" smtClean="0"/>
+          <a:lstStyle>
+            <a:lvl1pPr>
+              <a:defRPr/>
+            </a:lvl1pPr>
+          </a:lstStyle>
+          <a:p>
+            <a:fld id="{3B2184AD-E22A-4A1A-8059-3337C5B1860F}" type="slidenum">
+              <a:rPr lang="ru-RU"/>
               <a:pPr/>
               <a:t>‹#›</a:t>
             </a:fld>
-            <a:endParaRPr lang="en-US"/>
+            <a:endParaRPr lang="ru-RU"/>
           </a:p>
         </p:txBody>
       </p:sp>
     </p:spTree>
+    <p:extLst>
+      <p:ext uri="{BB962C8B-B14F-4D97-AF65-F5344CB8AC3E}">
+        <p14:creationId xmlns:p14="http://schemas.microsoft.com/office/powerpoint/2010/main" val="806100287"/>
+      </p:ext>
+    </p:extLst>
   </p:cSld>
   <p:clrMapOvr>
     <a:masterClrMapping/>
@@ -1382,7 +1324,7 @@
 </p:sldLayout>
 </file>
 
-<file path=ppt/slideLayouts/slideLayout5.xml><?xml version="1.0" encoding="utf-8"?>
+<file path=ppt/slideLayouts/slideLayout16.xml><?xml version="1.0" encoding="utf-8"?>
 <p:sldLayout xmlns:a="http://schemas.openxmlformats.org/drawingml/2006/main" xmlns:r="http://schemas.openxmlformats.org/officeDocument/2006/relationships" xmlns:p="http://schemas.openxmlformats.org/presentationml/2006/main" type="twoTxTwoObj" preserve="1">
   <p:cSld name="Comparison">
     <p:spTree>
@@ -1409,7 +1351,12 @@
             <p:ph type="title"/>
           </p:nvPr>
         </p:nvSpPr>
-        <p:spPr/>
+        <p:spPr>
+          <a:xfrm>
+            <a:off x="457200" y="274638"/>
+            <a:ext cx="8229600" cy="1143000"/>
+          </a:xfrm>
+        </p:spPr>
         <p:txBody>
           <a:bodyPr/>
           <a:lstStyle>
@@ -1739,14 +1686,13 @@
         <p:spPr/>
         <p:txBody>
           <a:bodyPr/>
-          <a:lstStyle/>
-          <a:p>
-            <a:fld id="{1D8BD707-D9CF-40AE-B4C6-C98DA3205C09}" type="datetimeFigureOut">
-              <a:rPr lang="en-US" smtClean="0"/>
-              <a:pPr/>
-              <a:t>9/18/2006</a:t>
-            </a:fld>
-            <a:endParaRPr lang="en-US"/>
+          <a:lstStyle>
+            <a:lvl1pPr>
+              <a:defRPr/>
+            </a:lvl1pPr>
+          </a:lstStyle>
+          <a:p>
+            <a:endParaRPr lang="ru-RU"/>
           </a:p>
         </p:txBody>
       </p:sp>
@@ -1763,9 +1709,13 @@
         <p:spPr/>
         <p:txBody>
           <a:bodyPr/>
-          <a:lstStyle/>
-          <a:p>
-            <a:endParaRPr lang="en-US"/>
+          <a:lstStyle>
+            <a:lvl1pPr>
+              <a:defRPr/>
+            </a:lvl1pPr>
+          </a:lstStyle>
+          <a:p>
+            <a:endParaRPr lang="ru-RU"/>
           </a:p>
         </p:txBody>
       </p:sp>
@@ -1782,18 +1732,27 @@
         <p:spPr/>
         <p:txBody>
           <a:bodyPr/>
-          <a:lstStyle/>
-          <a:p>
-            <a:fld id="{B6F15528-21DE-4FAA-801E-634DDDAF4B2B}" type="slidenum">
-              <a:rPr lang="en-US" smtClean="0"/>
+          <a:lstStyle>
+            <a:lvl1pPr>
+              <a:defRPr/>
+            </a:lvl1pPr>
+          </a:lstStyle>
+          <a:p>
+            <a:fld id="{5FCAA00A-6C21-4184-A5AC-C4F8AC885018}" type="slidenum">
+              <a:rPr lang="ru-RU"/>
               <a:pPr/>
               <a:t>‹#›</a:t>
             </a:fld>
-            <a:endParaRPr lang="en-US"/>
+            <a:endParaRPr lang="ru-RU"/>
           </a:p>
         </p:txBody>
       </p:sp>
     </p:spTree>
+    <p:extLst>
+      <p:ext uri="{BB962C8B-B14F-4D97-AF65-F5344CB8AC3E}">
+        <p14:creationId xmlns:p14="http://schemas.microsoft.com/office/powerpoint/2010/main" val="3417769526"/>
+      </p:ext>
+    </p:extLst>
   </p:cSld>
   <p:clrMapOvr>
     <a:masterClrMapping/>
@@ -1801,7 +1760,7 @@
 </p:sldLayout>
 </file>
 
-<file path=ppt/slideLayouts/slideLayout6.xml><?xml version="1.0" encoding="utf-8"?>
+<file path=ppt/slideLayouts/slideLayout17.xml><?xml version="1.0" encoding="utf-8"?>
 <p:sldLayout xmlns:a="http://schemas.openxmlformats.org/drawingml/2006/main" xmlns:r="http://schemas.openxmlformats.org/officeDocument/2006/relationships" xmlns:p="http://schemas.openxmlformats.org/presentationml/2006/main" type="titleOnly" preserve="1">
   <p:cSld name="Title Only">
     <p:spTree>
@@ -1854,14 +1813,13 @@
         <p:spPr/>
         <p:txBody>
           <a:bodyPr/>
-          <a:lstStyle/>
-          <a:p>
-            <a:fld id="{1D8BD707-D9CF-40AE-B4C6-C98DA3205C09}" type="datetimeFigureOut">
-              <a:rPr lang="en-US" smtClean="0"/>
-              <a:pPr/>
-              <a:t>9/18/2006</a:t>
-            </a:fld>
-            <a:endParaRPr lang="en-US"/>
+          <a:lstStyle>
+            <a:lvl1pPr>
+              <a:defRPr/>
+            </a:lvl1pPr>
+          </a:lstStyle>
+          <a:p>
+            <a:endParaRPr lang="ru-RU"/>
           </a:p>
         </p:txBody>
       </p:sp>
@@ -1878,9 +1836,13 @@
         <p:spPr/>
         <p:txBody>
           <a:bodyPr/>
-          <a:lstStyle/>
-          <a:p>
-            <a:endParaRPr lang="en-US"/>
+          <a:lstStyle>
+            <a:lvl1pPr>
+              <a:defRPr/>
+            </a:lvl1pPr>
+          </a:lstStyle>
+          <a:p>
+            <a:endParaRPr lang="ru-RU"/>
           </a:p>
         </p:txBody>
       </p:sp>
@@ -1897,18 +1859,27 @@
         <p:spPr/>
         <p:txBody>
           <a:bodyPr/>
-          <a:lstStyle/>
-          <a:p>
-            <a:fld id="{B6F15528-21DE-4FAA-801E-634DDDAF4B2B}" type="slidenum">
-              <a:rPr lang="en-US" smtClean="0"/>
+          <a:lstStyle>
+            <a:lvl1pPr>
+              <a:defRPr/>
+            </a:lvl1pPr>
+          </a:lstStyle>
+          <a:p>
+            <a:fld id="{80E7CA52-808D-4FEB-AEFD-D0ECFE620E1A}" type="slidenum">
+              <a:rPr lang="ru-RU"/>
               <a:pPr/>
               <a:t>‹#›</a:t>
             </a:fld>
-            <a:endParaRPr lang="en-US"/>
+            <a:endParaRPr lang="ru-RU"/>
           </a:p>
         </p:txBody>
       </p:sp>
     </p:spTree>
+    <p:extLst>
+      <p:ext uri="{BB962C8B-B14F-4D97-AF65-F5344CB8AC3E}">
+        <p14:creationId xmlns:p14="http://schemas.microsoft.com/office/powerpoint/2010/main" val="2665115807"/>
+      </p:ext>
+    </p:extLst>
   </p:cSld>
   <p:clrMapOvr>
     <a:masterClrMapping/>
@@ -1916,7 +1887,7 @@
 </p:sldLayout>
 </file>
 
-<file path=ppt/slideLayouts/slideLayout7.xml><?xml version="1.0" encoding="utf-8"?>
+<file path=ppt/slideLayouts/slideLayout18.xml><?xml version="1.0" encoding="utf-8"?>
 <p:sldLayout xmlns:a="http://schemas.openxmlformats.org/drawingml/2006/main" xmlns:r="http://schemas.openxmlformats.org/officeDocument/2006/relationships" xmlns:p="http://schemas.openxmlformats.org/presentationml/2006/main" type="blank" preserve="1">
   <p:cSld name="Blank">
     <p:spTree>
@@ -1946,14 +1917,13 @@
         <p:spPr/>
         <p:txBody>
           <a:bodyPr/>
-          <a:lstStyle/>
-          <a:p>
-            <a:fld id="{1D8BD707-D9CF-40AE-B4C6-C98DA3205C09}" type="datetimeFigureOut">
-              <a:rPr lang="en-US" smtClean="0"/>
-              <a:pPr/>
-              <a:t>9/18/2006</a:t>
-            </a:fld>
-            <a:endParaRPr lang="en-US"/>
+          <a:lstStyle>
+            <a:lvl1pPr>
+              <a:defRPr/>
+            </a:lvl1pPr>
+          </a:lstStyle>
+          <a:p>
+            <a:endParaRPr lang="ru-RU"/>
           </a:p>
         </p:txBody>
       </p:sp>
@@ -1970,9 +1940,13 @@
         <p:spPr/>
         <p:txBody>
           <a:bodyPr/>
-          <a:lstStyle/>
-          <a:p>
-            <a:endParaRPr lang="en-US"/>
+          <a:lstStyle>
+            <a:lvl1pPr>
+              <a:defRPr/>
+            </a:lvl1pPr>
+          </a:lstStyle>
+          <a:p>
+            <a:endParaRPr lang="ru-RU"/>
           </a:p>
         </p:txBody>
       </p:sp>
@@ -1989,18 +1963,27 @@
         <p:spPr/>
         <p:txBody>
           <a:bodyPr/>
-          <a:lstStyle/>
-          <a:p>
-            <a:fld id="{B6F15528-21DE-4FAA-801E-634DDDAF4B2B}" type="slidenum">
-              <a:rPr lang="en-US" smtClean="0"/>
+          <a:lstStyle>
+            <a:lvl1pPr>
+              <a:defRPr/>
+            </a:lvl1pPr>
+          </a:lstStyle>
+          <a:p>
+            <a:fld id="{88EC523D-9FEA-4004-9D32-7E991E63D86F}" type="slidenum">
+              <a:rPr lang="ru-RU"/>
               <a:pPr/>
               <a:t>‹#›</a:t>
             </a:fld>
-            <a:endParaRPr lang="en-US"/>
+            <a:endParaRPr lang="ru-RU"/>
           </a:p>
         </p:txBody>
       </p:sp>
     </p:spTree>
+    <p:extLst>
+      <p:ext uri="{BB962C8B-B14F-4D97-AF65-F5344CB8AC3E}">
+        <p14:creationId xmlns:p14="http://schemas.microsoft.com/office/powerpoint/2010/main" val="135686999"/>
+      </p:ext>
+    </p:extLst>
   </p:cSld>
   <p:clrMapOvr>
     <a:masterClrMapping/>
@@ -2008,7 +1991,7 @@
 </p:sldLayout>
 </file>
 
-<file path=ppt/slideLayouts/slideLayout8.xml><?xml version="1.0" encoding="utf-8"?>
+<file path=ppt/slideLayouts/slideLayout19.xml><?xml version="1.0" encoding="utf-8"?>
 <p:sldLayout xmlns:a="http://schemas.openxmlformats.org/drawingml/2006/main" xmlns:r="http://schemas.openxmlformats.org/officeDocument/2006/relationships" xmlns:p="http://schemas.openxmlformats.org/presentationml/2006/main" type="objTx" preserve="1">
   <p:cSld name="Content with Caption">
     <p:spTree>
@@ -2220,14 +2203,13 @@
         <p:spPr/>
         <p:txBody>
           <a:bodyPr/>
-          <a:lstStyle/>
-          <a:p>
-            <a:fld id="{1D8BD707-D9CF-40AE-B4C6-C98DA3205C09}" type="datetimeFigureOut">
-              <a:rPr lang="en-US" smtClean="0"/>
-              <a:pPr/>
-              <a:t>9/18/2006</a:t>
-            </a:fld>
-            <a:endParaRPr lang="en-US"/>
+          <a:lstStyle>
+            <a:lvl1pPr>
+              <a:defRPr/>
+            </a:lvl1pPr>
+          </a:lstStyle>
+          <a:p>
+            <a:endParaRPr lang="ru-RU"/>
           </a:p>
         </p:txBody>
       </p:sp>
@@ -2244,9 +2226,13 @@
         <p:spPr/>
         <p:txBody>
           <a:bodyPr/>
-          <a:lstStyle/>
-          <a:p>
-            <a:endParaRPr lang="en-US"/>
+          <a:lstStyle>
+            <a:lvl1pPr>
+              <a:defRPr/>
+            </a:lvl1pPr>
+          </a:lstStyle>
+          <a:p>
+            <a:endParaRPr lang="ru-RU"/>
           </a:p>
         </p:txBody>
       </p:sp>
@@ -2263,18 +2249,1773 @@
         <p:spPr/>
         <p:txBody>
           <a:bodyPr/>
-          <a:lstStyle/>
-          <a:p>
-            <a:fld id="{B6F15528-21DE-4FAA-801E-634DDDAF4B2B}" type="slidenum">
-              <a:rPr lang="en-US" smtClean="0"/>
+          <a:lstStyle>
+            <a:lvl1pPr>
+              <a:defRPr/>
+            </a:lvl1pPr>
+          </a:lstStyle>
+          <a:p>
+            <a:fld id="{0BD97A6C-0802-4F30-96EB-658D37833A14}" type="slidenum">
+              <a:rPr lang="ru-RU"/>
               <a:pPr/>
               <a:t>‹#›</a:t>
             </a:fld>
+            <a:endParaRPr lang="ru-RU"/>
+          </a:p>
+        </p:txBody>
+      </p:sp>
+    </p:spTree>
+    <p:extLst>
+      <p:ext uri="{BB962C8B-B14F-4D97-AF65-F5344CB8AC3E}">
+        <p14:creationId xmlns:p14="http://schemas.microsoft.com/office/powerpoint/2010/main" val="489904254"/>
+      </p:ext>
+    </p:extLst>
+  </p:cSld>
+  <p:clrMapOvr>
+    <a:masterClrMapping/>
+  </p:clrMapOvr>
+</p:sldLayout>
+</file>
+
+<file path=ppt/slideLayouts/slideLayout2.xml><?xml version="1.0" encoding="utf-8"?>
+<p:sldLayout xmlns:a="http://schemas.openxmlformats.org/drawingml/2006/main" xmlns:r="http://schemas.openxmlformats.org/officeDocument/2006/relationships" xmlns:p="http://schemas.openxmlformats.org/presentationml/2006/main" type="obj" preserve="1">
+  <p:cSld name="Title and Content">
+    <p:spTree>
+      <p:nvGrpSpPr>
+        <p:cNvPr id="1" name=""/>
+        <p:cNvGrpSpPr/>
+        <p:nvPr/>
+      </p:nvGrpSpPr>
+      <p:grpSpPr>
+        <a:xfrm>
+          <a:off x="0" y="0"/>
+          <a:ext cx="0" cy="0"/>
+          <a:chOff x="0" y="0"/>
+          <a:chExt cx="0" cy="0"/>
+        </a:xfrm>
+      </p:grpSpPr>
+      <p:sp>
+        <p:nvSpPr>
+          <p:cNvPr id="2" name="Title 1"/>
+          <p:cNvSpPr>
+            <a:spLocks noGrp="1"/>
+          </p:cNvSpPr>
+          <p:nvPr>
+            <p:ph type="title"/>
+          </p:nvPr>
+        </p:nvSpPr>
+        <p:spPr/>
+        <p:txBody>
+          <a:bodyPr/>
+          <a:lstStyle/>
+          <a:p>
+            <a:r>
+              <a:rPr lang="en-US" smtClean="0"/>
+              <a:t>Click to edit Master title style</a:t>
+            </a:r>
             <a:endParaRPr lang="en-US"/>
           </a:p>
         </p:txBody>
       </p:sp>
+      <p:sp>
+        <p:nvSpPr>
+          <p:cNvPr id="3" name="Content Placeholder 2"/>
+          <p:cNvSpPr>
+            <a:spLocks noGrp="1"/>
+          </p:cNvSpPr>
+          <p:nvPr>
+            <p:ph idx="1"/>
+          </p:nvPr>
+        </p:nvSpPr>
+        <p:spPr/>
+        <p:txBody>
+          <a:bodyPr/>
+          <a:lstStyle/>
+          <a:p>
+            <a:pPr lvl="0"/>
+            <a:r>
+              <a:rPr lang="en-US" smtClean="0"/>
+              <a:t>Click to edit Master text styles</a:t>
+            </a:r>
+          </a:p>
+          <a:p>
+            <a:pPr lvl="1"/>
+            <a:r>
+              <a:rPr lang="en-US" smtClean="0"/>
+              <a:t>Second level</a:t>
+            </a:r>
+          </a:p>
+          <a:p>
+            <a:pPr lvl="2"/>
+            <a:r>
+              <a:rPr lang="en-US" smtClean="0"/>
+              <a:t>Third level</a:t>
+            </a:r>
+          </a:p>
+          <a:p>
+            <a:pPr lvl="3"/>
+            <a:r>
+              <a:rPr lang="en-US" smtClean="0"/>
+              <a:t>Fourth level</a:t>
+            </a:r>
+          </a:p>
+          <a:p>
+            <a:pPr lvl="4"/>
+            <a:r>
+              <a:rPr lang="en-US" smtClean="0"/>
+              <a:t>Fifth level</a:t>
+            </a:r>
+            <a:endParaRPr lang="en-US"/>
+          </a:p>
+        </p:txBody>
+      </p:sp>
     </p:spTree>
+    <p:extLst>
+      <p:ext uri="{BB962C8B-B14F-4D97-AF65-F5344CB8AC3E}">
+        <p14:creationId xmlns:p14="http://schemas.microsoft.com/office/powerpoint/2010/main" val="2160107039"/>
+      </p:ext>
+    </p:extLst>
+  </p:cSld>
+  <p:clrMapOvr>
+    <a:masterClrMapping/>
+  </p:clrMapOvr>
+</p:sldLayout>
+</file>
+
+<file path=ppt/slideLayouts/slideLayout20.xml><?xml version="1.0" encoding="utf-8"?>
+<p:sldLayout xmlns:a="http://schemas.openxmlformats.org/drawingml/2006/main" xmlns:r="http://schemas.openxmlformats.org/officeDocument/2006/relationships" xmlns:p="http://schemas.openxmlformats.org/presentationml/2006/main" type="picTx" preserve="1">
+  <p:cSld name="Picture with Caption">
+    <p:spTree>
+      <p:nvGrpSpPr>
+        <p:cNvPr id="1" name=""/>
+        <p:cNvGrpSpPr/>
+        <p:nvPr/>
+      </p:nvGrpSpPr>
+      <p:grpSpPr>
+        <a:xfrm>
+          <a:off x="0" y="0"/>
+          <a:ext cx="0" cy="0"/>
+          <a:chOff x="0" y="0"/>
+          <a:chExt cx="0" cy="0"/>
+        </a:xfrm>
+      </p:grpSpPr>
+      <p:sp>
+        <p:nvSpPr>
+          <p:cNvPr id="2" name="Title 1"/>
+          <p:cNvSpPr>
+            <a:spLocks noGrp="1"/>
+          </p:cNvSpPr>
+          <p:nvPr>
+            <p:ph type="title"/>
+          </p:nvPr>
+        </p:nvSpPr>
+        <p:spPr>
+          <a:xfrm>
+            <a:off x="1792288" y="4800600"/>
+            <a:ext cx="5486400" cy="566738"/>
+          </a:xfrm>
+        </p:spPr>
+        <p:txBody>
+          <a:bodyPr anchor="b"/>
+          <a:lstStyle>
+            <a:lvl1pPr algn="l">
+              <a:defRPr sz="2000" b="1"/>
+            </a:lvl1pPr>
+          </a:lstStyle>
+          <a:p>
+            <a:r>
+              <a:rPr lang="en-US" smtClean="0"/>
+              <a:t>Click to edit Master title style</a:t>
+            </a:r>
+            <a:endParaRPr lang="en-US"/>
+          </a:p>
+        </p:txBody>
+      </p:sp>
+      <p:sp>
+        <p:nvSpPr>
+          <p:cNvPr id="3" name="Picture Placeholder 2"/>
+          <p:cNvSpPr>
+            <a:spLocks noGrp="1"/>
+          </p:cNvSpPr>
+          <p:nvPr>
+            <p:ph type="pic" idx="1"/>
+          </p:nvPr>
+        </p:nvSpPr>
+        <p:spPr>
+          <a:xfrm>
+            <a:off x="1792288" y="612775"/>
+            <a:ext cx="5486400" cy="4114800"/>
+          </a:xfrm>
+        </p:spPr>
+        <p:txBody>
+          <a:bodyPr/>
+          <a:lstStyle>
+            <a:lvl1pPr marL="0" indent="0">
+              <a:buNone/>
+              <a:defRPr sz="3200"/>
+            </a:lvl1pPr>
+            <a:lvl2pPr marL="457200" indent="0">
+              <a:buNone/>
+              <a:defRPr sz="2800"/>
+            </a:lvl2pPr>
+            <a:lvl3pPr marL="914400" indent="0">
+              <a:buNone/>
+              <a:defRPr sz="2400"/>
+            </a:lvl3pPr>
+            <a:lvl4pPr marL="1371600" indent="0">
+              <a:buNone/>
+              <a:defRPr sz="2000"/>
+            </a:lvl4pPr>
+            <a:lvl5pPr marL="1828800" indent="0">
+              <a:buNone/>
+              <a:defRPr sz="2000"/>
+            </a:lvl5pPr>
+            <a:lvl6pPr marL="2286000" indent="0">
+              <a:buNone/>
+              <a:defRPr sz="2000"/>
+            </a:lvl6pPr>
+            <a:lvl7pPr marL="2743200" indent="0">
+              <a:buNone/>
+              <a:defRPr sz="2000"/>
+            </a:lvl7pPr>
+            <a:lvl8pPr marL="3200400" indent="0">
+              <a:buNone/>
+              <a:defRPr sz="2000"/>
+            </a:lvl8pPr>
+            <a:lvl9pPr marL="3657600" indent="0">
+              <a:buNone/>
+              <a:defRPr sz="2000"/>
+            </a:lvl9pPr>
+          </a:lstStyle>
+          <a:p>
+            <a:r>
+              <a:rPr lang="en-US" dirty="0" smtClean="0"/>
+              <a:t>Click icon to add picture</a:t>
+            </a:r>
+            <a:endParaRPr lang="en-US" dirty="0"/>
+          </a:p>
+        </p:txBody>
+      </p:sp>
+      <p:sp>
+        <p:nvSpPr>
+          <p:cNvPr id="4" name="Text Placeholder 3"/>
+          <p:cNvSpPr>
+            <a:spLocks noGrp="1"/>
+          </p:cNvSpPr>
+          <p:nvPr>
+            <p:ph type="body" sz="half" idx="2"/>
+          </p:nvPr>
+        </p:nvSpPr>
+        <p:spPr>
+          <a:xfrm>
+            <a:off x="1792288" y="5367338"/>
+            <a:ext cx="5486400" cy="804862"/>
+          </a:xfrm>
+        </p:spPr>
+        <p:txBody>
+          <a:bodyPr/>
+          <a:lstStyle>
+            <a:lvl1pPr marL="0" indent="0">
+              <a:buNone/>
+              <a:defRPr sz="1400"/>
+            </a:lvl1pPr>
+            <a:lvl2pPr marL="457200" indent="0">
+              <a:buNone/>
+              <a:defRPr sz="1200"/>
+            </a:lvl2pPr>
+            <a:lvl3pPr marL="914400" indent="0">
+              <a:buNone/>
+              <a:defRPr sz="1000"/>
+            </a:lvl3pPr>
+            <a:lvl4pPr marL="1371600" indent="0">
+              <a:buNone/>
+              <a:defRPr sz="900"/>
+            </a:lvl4pPr>
+            <a:lvl5pPr marL="1828800" indent="0">
+              <a:buNone/>
+              <a:defRPr sz="900"/>
+            </a:lvl5pPr>
+            <a:lvl6pPr marL="2286000" indent="0">
+              <a:buNone/>
+              <a:defRPr sz="900"/>
+            </a:lvl6pPr>
+            <a:lvl7pPr marL="2743200" indent="0">
+              <a:buNone/>
+              <a:defRPr sz="900"/>
+            </a:lvl7pPr>
+            <a:lvl8pPr marL="3200400" indent="0">
+              <a:buNone/>
+              <a:defRPr sz="900"/>
+            </a:lvl8pPr>
+            <a:lvl9pPr marL="3657600" indent="0">
+              <a:buNone/>
+              <a:defRPr sz="900"/>
+            </a:lvl9pPr>
+          </a:lstStyle>
+          <a:p>
+            <a:pPr lvl="0"/>
+            <a:r>
+              <a:rPr lang="en-US" smtClean="0"/>
+              <a:t>Click to edit Master text styles</a:t>
+            </a:r>
+          </a:p>
+        </p:txBody>
+      </p:sp>
+      <p:sp>
+        <p:nvSpPr>
+          <p:cNvPr id="5" name="Date Placeholder 4"/>
+          <p:cNvSpPr>
+            <a:spLocks noGrp="1"/>
+          </p:cNvSpPr>
+          <p:nvPr>
+            <p:ph type="dt" sz="half" idx="10"/>
+          </p:nvPr>
+        </p:nvSpPr>
+        <p:spPr/>
+        <p:txBody>
+          <a:bodyPr/>
+          <a:lstStyle>
+            <a:lvl1pPr>
+              <a:defRPr/>
+            </a:lvl1pPr>
+          </a:lstStyle>
+          <a:p>
+            <a:endParaRPr lang="ru-RU"/>
+          </a:p>
+        </p:txBody>
+      </p:sp>
+      <p:sp>
+        <p:nvSpPr>
+          <p:cNvPr id="6" name="Footer Placeholder 5"/>
+          <p:cNvSpPr>
+            <a:spLocks noGrp="1"/>
+          </p:cNvSpPr>
+          <p:nvPr>
+            <p:ph type="ftr" sz="quarter" idx="11"/>
+          </p:nvPr>
+        </p:nvSpPr>
+        <p:spPr/>
+        <p:txBody>
+          <a:bodyPr/>
+          <a:lstStyle>
+            <a:lvl1pPr>
+              <a:defRPr/>
+            </a:lvl1pPr>
+          </a:lstStyle>
+          <a:p>
+            <a:endParaRPr lang="ru-RU"/>
+          </a:p>
+        </p:txBody>
+      </p:sp>
+      <p:sp>
+        <p:nvSpPr>
+          <p:cNvPr id="7" name="Slide Number Placeholder 6"/>
+          <p:cNvSpPr>
+            <a:spLocks noGrp="1"/>
+          </p:cNvSpPr>
+          <p:nvPr>
+            <p:ph type="sldNum" sz="quarter" idx="12"/>
+          </p:nvPr>
+        </p:nvSpPr>
+        <p:spPr/>
+        <p:txBody>
+          <a:bodyPr/>
+          <a:lstStyle>
+            <a:lvl1pPr>
+              <a:defRPr/>
+            </a:lvl1pPr>
+          </a:lstStyle>
+          <a:p>
+            <a:fld id="{936045FC-47E8-4BE6-AD85-20309D23C203}" type="slidenum">
+              <a:rPr lang="ru-RU"/>
+              <a:pPr/>
+              <a:t>‹#›</a:t>
+            </a:fld>
+            <a:endParaRPr lang="ru-RU"/>
+          </a:p>
+        </p:txBody>
+      </p:sp>
+    </p:spTree>
+    <p:extLst>
+      <p:ext uri="{BB962C8B-B14F-4D97-AF65-F5344CB8AC3E}">
+        <p14:creationId xmlns:p14="http://schemas.microsoft.com/office/powerpoint/2010/main" val="2716648230"/>
+      </p:ext>
+    </p:extLst>
+  </p:cSld>
+  <p:clrMapOvr>
+    <a:masterClrMapping/>
+  </p:clrMapOvr>
+</p:sldLayout>
+</file>
+
+<file path=ppt/slideLayouts/slideLayout21.xml><?xml version="1.0" encoding="utf-8"?>
+<p:sldLayout xmlns:a="http://schemas.openxmlformats.org/drawingml/2006/main" xmlns:r="http://schemas.openxmlformats.org/officeDocument/2006/relationships" xmlns:p="http://schemas.openxmlformats.org/presentationml/2006/main" type="vertTx" preserve="1">
+  <p:cSld name="Title and Vertical Text">
+    <p:spTree>
+      <p:nvGrpSpPr>
+        <p:cNvPr id="1" name=""/>
+        <p:cNvGrpSpPr/>
+        <p:nvPr/>
+      </p:nvGrpSpPr>
+      <p:grpSpPr>
+        <a:xfrm>
+          <a:off x="0" y="0"/>
+          <a:ext cx="0" cy="0"/>
+          <a:chOff x="0" y="0"/>
+          <a:chExt cx="0" cy="0"/>
+        </a:xfrm>
+      </p:grpSpPr>
+      <p:sp>
+        <p:nvSpPr>
+          <p:cNvPr id="2" name="Title 1"/>
+          <p:cNvSpPr>
+            <a:spLocks noGrp="1"/>
+          </p:cNvSpPr>
+          <p:nvPr>
+            <p:ph type="title"/>
+          </p:nvPr>
+        </p:nvSpPr>
+        <p:spPr/>
+        <p:txBody>
+          <a:bodyPr/>
+          <a:lstStyle/>
+          <a:p>
+            <a:r>
+              <a:rPr lang="en-US" smtClean="0"/>
+              <a:t>Click to edit Master title style</a:t>
+            </a:r>
+            <a:endParaRPr lang="en-US"/>
+          </a:p>
+        </p:txBody>
+      </p:sp>
+      <p:sp>
+        <p:nvSpPr>
+          <p:cNvPr id="3" name="Vertical Text Placeholder 2"/>
+          <p:cNvSpPr>
+            <a:spLocks noGrp="1"/>
+          </p:cNvSpPr>
+          <p:nvPr>
+            <p:ph type="body" orient="vert" idx="1"/>
+          </p:nvPr>
+        </p:nvSpPr>
+        <p:spPr/>
+        <p:txBody>
+          <a:bodyPr vert="eaVert"/>
+          <a:lstStyle/>
+          <a:p>
+            <a:pPr lvl="0"/>
+            <a:r>
+              <a:rPr lang="en-US" smtClean="0"/>
+              <a:t>Click to edit Master text styles</a:t>
+            </a:r>
+          </a:p>
+          <a:p>
+            <a:pPr lvl="1"/>
+            <a:r>
+              <a:rPr lang="en-US" smtClean="0"/>
+              <a:t>Second level</a:t>
+            </a:r>
+          </a:p>
+          <a:p>
+            <a:pPr lvl="2"/>
+            <a:r>
+              <a:rPr lang="en-US" smtClean="0"/>
+              <a:t>Third level</a:t>
+            </a:r>
+          </a:p>
+          <a:p>
+            <a:pPr lvl="3"/>
+            <a:r>
+              <a:rPr lang="en-US" smtClean="0"/>
+              <a:t>Fourth level</a:t>
+            </a:r>
+          </a:p>
+          <a:p>
+            <a:pPr lvl="4"/>
+            <a:r>
+              <a:rPr lang="en-US" smtClean="0"/>
+              <a:t>Fifth level</a:t>
+            </a:r>
+            <a:endParaRPr lang="en-US"/>
+          </a:p>
+        </p:txBody>
+      </p:sp>
+      <p:sp>
+        <p:nvSpPr>
+          <p:cNvPr id="4" name="Date Placeholder 3"/>
+          <p:cNvSpPr>
+            <a:spLocks noGrp="1"/>
+          </p:cNvSpPr>
+          <p:nvPr>
+            <p:ph type="dt" sz="half" idx="10"/>
+          </p:nvPr>
+        </p:nvSpPr>
+        <p:spPr/>
+        <p:txBody>
+          <a:bodyPr/>
+          <a:lstStyle>
+            <a:lvl1pPr>
+              <a:defRPr/>
+            </a:lvl1pPr>
+          </a:lstStyle>
+          <a:p>
+            <a:endParaRPr lang="ru-RU"/>
+          </a:p>
+        </p:txBody>
+      </p:sp>
+      <p:sp>
+        <p:nvSpPr>
+          <p:cNvPr id="5" name="Footer Placeholder 4"/>
+          <p:cNvSpPr>
+            <a:spLocks noGrp="1"/>
+          </p:cNvSpPr>
+          <p:nvPr>
+            <p:ph type="ftr" sz="quarter" idx="11"/>
+          </p:nvPr>
+        </p:nvSpPr>
+        <p:spPr/>
+        <p:txBody>
+          <a:bodyPr/>
+          <a:lstStyle>
+            <a:lvl1pPr>
+              <a:defRPr/>
+            </a:lvl1pPr>
+          </a:lstStyle>
+          <a:p>
+            <a:endParaRPr lang="ru-RU"/>
+          </a:p>
+        </p:txBody>
+      </p:sp>
+      <p:sp>
+        <p:nvSpPr>
+          <p:cNvPr id="6" name="Slide Number Placeholder 5"/>
+          <p:cNvSpPr>
+            <a:spLocks noGrp="1"/>
+          </p:cNvSpPr>
+          <p:nvPr>
+            <p:ph type="sldNum" sz="quarter" idx="12"/>
+          </p:nvPr>
+        </p:nvSpPr>
+        <p:spPr/>
+        <p:txBody>
+          <a:bodyPr/>
+          <a:lstStyle>
+            <a:lvl1pPr>
+              <a:defRPr/>
+            </a:lvl1pPr>
+          </a:lstStyle>
+          <a:p>
+            <a:fld id="{E7EEEE76-2B40-4B5C-A96E-312A90BADB17}" type="slidenum">
+              <a:rPr lang="ru-RU"/>
+              <a:pPr/>
+              <a:t>‹#›</a:t>
+            </a:fld>
+            <a:endParaRPr lang="ru-RU"/>
+          </a:p>
+        </p:txBody>
+      </p:sp>
+    </p:spTree>
+    <p:extLst>
+      <p:ext uri="{BB962C8B-B14F-4D97-AF65-F5344CB8AC3E}">
+        <p14:creationId xmlns:p14="http://schemas.microsoft.com/office/powerpoint/2010/main" val="1319492668"/>
+      </p:ext>
+    </p:extLst>
+  </p:cSld>
+  <p:clrMapOvr>
+    <a:masterClrMapping/>
+  </p:clrMapOvr>
+</p:sldLayout>
+</file>
+
+<file path=ppt/slideLayouts/slideLayout22.xml><?xml version="1.0" encoding="utf-8"?>
+<p:sldLayout xmlns:a="http://schemas.openxmlformats.org/drawingml/2006/main" xmlns:r="http://schemas.openxmlformats.org/officeDocument/2006/relationships" xmlns:p="http://schemas.openxmlformats.org/presentationml/2006/main" type="vertTitleAndTx" preserve="1">
+  <p:cSld name="Vertical Title and Text">
+    <p:spTree>
+      <p:nvGrpSpPr>
+        <p:cNvPr id="1" name=""/>
+        <p:cNvGrpSpPr/>
+        <p:nvPr/>
+      </p:nvGrpSpPr>
+      <p:grpSpPr>
+        <a:xfrm>
+          <a:off x="0" y="0"/>
+          <a:ext cx="0" cy="0"/>
+          <a:chOff x="0" y="0"/>
+          <a:chExt cx="0" cy="0"/>
+        </a:xfrm>
+      </p:grpSpPr>
+      <p:sp>
+        <p:nvSpPr>
+          <p:cNvPr id="2" name="Vertical Title 1"/>
+          <p:cNvSpPr>
+            <a:spLocks noGrp="1"/>
+          </p:cNvSpPr>
+          <p:nvPr>
+            <p:ph type="title" orient="vert"/>
+          </p:nvPr>
+        </p:nvSpPr>
+        <p:spPr>
+          <a:xfrm>
+            <a:off x="6992938" y="274638"/>
+            <a:ext cx="1693862" cy="5851525"/>
+          </a:xfrm>
+        </p:spPr>
+        <p:txBody>
+          <a:bodyPr vert="eaVert"/>
+          <a:lstStyle/>
+          <a:p>
+            <a:r>
+              <a:rPr lang="en-US" smtClean="0"/>
+              <a:t>Click to edit Master title style</a:t>
+            </a:r>
+            <a:endParaRPr lang="en-US"/>
+          </a:p>
+        </p:txBody>
+      </p:sp>
+      <p:sp>
+        <p:nvSpPr>
+          <p:cNvPr id="3" name="Vertical Text Placeholder 2"/>
+          <p:cNvSpPr>
+            <a:spLocks noGrp="1"/>
+          </p:cNvSpPr>
+          <p:nvPr>
+            <p:ph type="body" orient="vert" idx="1"/>
+          </p:nvPr>
+        </p:nvSpPr>
+        <p:spPr>
+          <a:xfrm>
+            <a:off x="1908175" y="274638"/>
+            <a:ext cx="4932363" cy="5851525"/>
+          </a:xfrm>
+        </p:spPr>
+        <p:txBody>
+          <a:bodyPr vert="eaVert"/>
+          <a:lstStyle/>
+          <a:p>
+            <a:pPr lvl="0"/>
+            <a:r>
+              <a:rPr lang="en-US" smtClean="0"/>
+              <a:t>Click to edit Master text styles</a:t>
+            </a:r>
+          </a:p>
+          <a:p>
+            <a:pPr lvl="1"/>
+            <a:r>
+              <a:rPr lang="en-US" smtClean="0"/>
+              <a:t>Second level</a:t>
+            </a:r>
+          </a:p>
+          <a:p>
+            <a:pPr lvl="2"/>
+            <a:r>
+              <a:rPr lang="en-US" smtClean="0"/>
+              <a:t>Third level</a:t>
+            </a:r>
+          </a:p>
+          <a:p>
+            <a:pPr lvl="3"/>
+            <a:r>
+              <a:rPr lang="en-US" smtClean="0"/>
+              <a:t>Fourth level</a:t>
+            </a:r>
+          </a:p>
+          <a:p>
+            <a:pPr lvl="4"/>
+            <a:r>
+              <a:rPr lang="en-US" smtClean="0"/>
+              <a:t>Fifth level</a:t>
+            </a:r>
+            <a:endParaRPr lang="en-US"/>
+          </a:p>
+        </p:txBody>
+      </p:sp>
+      <p:sp>
+        <p:nvSpPr>
+          <p:cNvPr id="4" name="Date Placeholder 3"/>
+          <p:cNvSpPr>
+            <a:spLocks noGrp="1"/>
+          </p:cNvSpPr>
+          <p:nvPr>
+            <p:ph type="dt" sz="half" idx="10"/>
+          </p:nvPr>
+        </p:nvSpPr>
+        <p:spPr/>
+        <p:txBody>
+          <a:bodyPr/>
+          <a:lstStyle>
+            <a:lvl1pPr>
+              <a:defRPr/>
+            </a:lvl1pPr>
+          </a:lstStyle>
+          <a:p>
+            <a:endParaRPr lang="ru-RU"/>
+          </a:p>
+        </p:txBody>
+      </p:sp>
+      <p:sp>
+        <p:nvSpPr>
+          <p:cNvPr id="5" name="Footer Placeholder 4"/>
+          <p:cNvSpPr>
+            <a:spLocks noGrp="1"/>
+          </p:cNvSpPr>
+          <p:nvPr>
+            <p:ph type="ftr" sz="quarter" idx="11"/>
+          </p:nvPr>
+        </p:nvSpPr>
+        <p:spPr/>
+        <p:txBody>
+          <a:bodyPr/>
+          <a:lstStyle>
+            <a:lvl1pPr>
+              <a:defRPr/>
+            </a:lvl1pPr>
+          </a:lstStyle>
+          <a:p>
+            <a:endParaRPr lang="ru-RU"/>
+          </a:p>
+        </p:txBody>
+      </p:sp>
+      <p:sp>
+        <p:nvSpPr>
+          <p:cNvPr id="6" name="Slide Number Placeholder 5"/>
+          <p:cNvSpPr>
+            <a:spLocks noGrp="1"/>
+          </p:cNvSpPr>
+          <p:nvPr>
+            <p:ph type="sldNum" sz="quarter" idx="12"/>
+          </p:nvPr>
+        </p:nvSpPr>
+        <p:spPr/>
+        <p:txBody>
+          <a:bodyPr/>
+          <a:lstStyle>
+            <a:lvl1pPr>
+              <a:defRPr/>
+            </a:lvl1pPr>
+          </a:lstStyle>
+          <a:p>
+            <a:fld id="{659847F1-3489-4AE6-8268-D4A4B1EDD471}" type="slidenum">
+              <a:rPr lang="ru-RU"/>
+              <a:pPr/>
+              <a:t>‹#›</a:t>
+            </a:fld>
+            <a:endParaRPr lang="ru-RU"/>
+          </a:p>
+        </p:txBody>
+      </p:sp>
+    </p:spTree>
+    <p:extLst>
+      <p:ext uri="{BB962C8B-B14F-4D97-AF65-F5344CB8AC3E}">
+        <p14:creationId xmlns:p14="http://schemas.microsoft.com/office/powerpoint/2010/main" val="1728861586"/>
+      </p:ext>
+    </p:extLst>
+  </p:cSld>
+  <p:clrMapOvr>
+    <a:masterClrMapping/>
+  </p:clrMapOvr>
+</p:sldLayout>
+</file>
+
+<file path=ppt/slideLayouts/slideLayout3.xml><?xml version="1.0" encoding="utf-8"?>
+<p:sldLayout xmlns:a="http://schemas.openxmlformats.org/drawingml/2006/main" xmlns:r="http://schemas.openxmlformats.org/officeDocument/2006/relationships" xmlns:p="http://schemas.openxmlformats.org/presentationml/2006/main" type="secHead" preserve="1">
+  <p:cSld name="Section Header">
+    <p:spTree>
+      <p:nvGrpSpPr>
+        <p:cNvPr id="1" name=""/>
+        <p:cNvGrpSpPr/>
+        <p:nvPr/>
+      </p:nvGrpSpPr>
+      <p:grpSpPr>
+        <a:xfrm>
+          <a:off x="0" y="0"/>
+          <a:ext cx="0" cy="0"/>
+          <a:chOff x="0" y="0"/>
+          <a:chExt cx="0" cy="0"/>
+        </a:xfrm>
+      </p:grpSpPr>
+      <p:sp>
+        <p:nvSpPr>
+          <p:cNvPr id="2" name="Title 1"/>
+          <p:cNvSpPr>
+            <a:spLocks noGrp="1"/>
+          </p:cNvSpPr>
+          <p:nvPr>
+            <p:ph type="title"/>
+          </p:nvPr>
+        </p:nvSpPr>
+        <p:spPr>
+          <a:xfrm>
+            <a:off x="722313" y="4406900"/>
+            <a:ext cx="7772400" cy="1362075"/>
+          </a:xfrm>
+        </p:spPr>
+        <p:txBody>
+          <a:bodyPr anchor="t"/>
+          <a:lstStyle>
+            <a:lvl1pPr algn="l">
+              <a:defRPr sz="4000" b="1" cap="all"/>
+            </a:lvl1pPr>
+          </a:lstStyle>
+          <a:p>
+            <a:r>
+              <a:rPr lang="en-US" smtClean="0"/>
+              <a:t>Click to edit Master title style</a:t>
+            </a:r>
+            <a:endParaRPr lang="en-US"/>
+          </a:p>
+        </p:txBody>
+      </p:sp>
+      <p:sp>
+        <p:nvSpPr>
+          <p:cNvPr id="3" name="Text Placeholder 2"/>
+          <p:cNvSpPr>
+            <a:spLocks noGrp="1"/>
+          </p:cNvSpPr>
+          <p:nvPr>
+            <p:ph type="body" idx="1"/>
+          </p:nvPr>
+        </p:nvSpPr>
+        <p:spPr>
+          <a:xfrm>
+            <a:off x="722313" y="2906713"/>
+            <a:ext cx="7772400" cy="1500187"/>
+          </a:xfrm>
+        </p:spPr>
+        <p:txBody>
+          <a:bodyPr anchor="b"/>
+          <a:lstStyle>
+            <a:lvl1pPr marL="0" indent="0">
+              <a:buNone/>
+              <a:defRPr sz="2000"/>
+            </a:lvl1pPr>
+            <a:lvl2pPr marL="457200" indent="0">
+              <a:buNone/>
+              <a:defRPr sz="1800"/>
+            </a:lvl2pPr>
+            <a:lvl3pPr marL="914400" indent="0">
+              <a:buNone/>
+              <a:defRPr sz="1600"/>
+            </a:lvl3pPr>
+            <a:lvl4pPr marL="1371600" indent="0">
+              <a:buNone/>
+              <a:defRPr sz="1400"/>
+            </a:lvl4pPr>
+            <a:lvl5pPr marL="1828800" indent="0">
+              <a:buNone/>
+              <a:defRPr sz="1400"/>
+            </a:lvl5pPr>
+            <a:lvl6pPr marL="2286000" indent="0">
+              <a:buNone/>
+              <a:defRPr sz="1400"/>
+            </a:lvl6pPr>
+            <a:lvl7pPr marL="2743200" indent="0">
+              <a:buNone/>
+              <a:defRPr sz="1400"/>
+            </a:lvl7pPr>
+            <a:lvl8pPr marL="3200400" indent="0">
+              <a:buNone/>
+              <a:defRPr sz="1400"/>
+            </a:lvl8pPr>
+            <a:lvl9pPr marL="3657600" indent="0">
+              <a:buNone/>
+              <a:defRPr sz="1400"/>
+            </a:lvl9pPr>
+          </a:lstStyle>
+          <a:p>
+            <a:pPr lvl="0"/>
+            <a:r>
+              <a:rPr lang="en-US" smtClean="0"/>
+              <a:t>Click to edit Master text styles</a:t>
+            </a:r>
+          </a:p>
+        </p:txBody>
+      </p:sp>
+    </p:spTree>
+    <p:extLst>
+      <p:ext uri="{BB962C8B-B14F-4D97-AF65-F5344CB8AC3E}">
+        <p14:creationId xmlns:p14="http://schemas.microsoft.com/office/powerpoint/2010/main" val="3401973198"/>
+      </p:ext>
+    </p:extLst>
+  </p:cSld>
+  <p:clrMapOvr>
+    <a:masterClrMapping/>
+  </p:clrMapOvr>
+</p:sldLayout>
+</file>
+
+<file path=ppt/slideLayouts/slideLayout4.xml><?xml version="1.0" encoding="utf-8"?>
+<p:sldLayout xmlns:a="http://schemas.openxmlformats.org/drawingml/2006/main" xmlns:r="http://schemas.openxmlformats.org/officeDocument/2006/relationships" xmlns:p="http://schemas.openxmlformats.org/presentationml/2006/main" type="twoObj" preserve="1">
+  <p:cSld name="Two Content">
+    <p:spTree>
+      <p:nvGrpSpPr>
+        <p:cNvPr id="1" name=""/>
+        <p:cNvGrpSpPr/>
+        <p:nvPr/>
+      </p:nvGrpSpPr>
+      <p:grpSpPr>
+        <a:xfrm>
+          <a:off x="0" y="0"/>
+          <a:ext cx="0" cy="0"/>
+          <a:chOff x="0" y="0"/>
+          <a:chExt cx="0" cy="0"/>
+        </a:xfrm>
+      </p:grpSpPr>
+      <p:sp>
+        <p:nvSpPr>
+          <p:cNvPr id="2" name="Title 1"/>
+          <p:cNvSpPr>
+            <a:spLocks noGrp="1"/>
+          </p:cNvSpPr>
+          <p:nvPr>
+            <p:ph type="title"/>
+          </p:nvPr>
+        </p:nvSpPr>
+        <p:spPr/>
+        <p:txBody>
+          <a:bodyPr/>
+          <a:lstStyle/>
+          <a:p>
+            <a:r>
+              <a:rPr lang="en-US" smtClean="0"/>
+              <a:t>Click to edit Master title style</a:t>
+            </a:r>
+            <a:endParaRPr lang="en-US"/>
+          </a:p>
+        </p:txBody>
+      </p:sp>
+      <p:sp>
+        <p:nvSpPr>
+          <p:cNvPr id="3" name="Content Placeholder 2"/>
+          <p:cNvSpPr>
+            <a:spLocks noGrp="1"/>
+          </p:cNvSpPr>
+          <p:nvPr>
+            <p:ph sz="half" idx="1"/>
+          </p:nvPr>
+        </p:nvSpPr>
+        <p:spPr>
+          <a:xfrm>
+            <a:off x="827088" y="1557338"/>
+            <a:ext cx="3884612" cy="4895850"/>
+          </a:xfrm>
+        </p:spPr>
+        <p:txBody>
+          <a:bodyPr/>
+          <a:lstStyle>
+            <a:lvl1pPr>
+              <a:defRPr sz="2800"/>
+            </a:lvl1pPr>
+            <a:lvl2pPr>
+              <a:defRPr sz="2400"/>
+            </a:lvl2pPr>
+            <a:lvl3pPr>
+              <a:defRPr sz="2000"/>
+            </a:lvl3pPr>
+            <a:lvl4pPr>
+              <a:defRPr sz="1800"/>
+            </a:lvl4pPr>
+            <a:lvl5pPr>
+              <a:defRPr sz="1800"/>
+            </a:lvl5pPr>
+            <a:lvl6pPr>
+              <a:defRPr sz="1800"/>
+            </a:lvl6pPr>
+            <a:lvl7pPr>
+              <a:defRPr sz="1800"/>
+            </a:lvl7pPr>
+            <a:lvl8pPr>
+              <a:defRPr sz="1800"/>
+            </a:lvl8pPr>
+            <a:lvl9pPr>
+              <a:defRPr sz="1800"/>
+            </a:lvl9pPr>
+          </a:lstStyle>
+          <a:p>
+            <a:pPr lvl="0"/>
+            <a:r>
+              <a:rPr lang="en-US" smtClean="0"/>
+              <a:t>Click to edit Master text styles</a:t>
+            </a:r>
+          </a:p>
+          <a:p>
+            <a:pPr lvl="1"/>
+            <a:r>
+              <a:rPr lang="en-US" smtClean="0"/>
+              <a:t>Second level</a:t>
+            </a:r>
+          </a:p>
+          <a:p>
+            <a:pPr lvl="2"/>
+            <a:r>
+              <a:rPr lang="en-US" smtClean="0"/>
+              <a:t>Third level</a:t>
+            </a:r>
+          </a:p>
+          <a:p>
+            <a:pPr lvl="3"/>
+            <a:r>
+              <a:rPr lang="en-US" smtClean="0"/>
+              <a:t>Fourth level</a:t>
+            </a:r>
+          </a:p>
+          <a:p>
+            <a:pPr lvl="4"/>
+            <a:r>
+              <a:rPr lang="en-US" smtClean="0"/>
+              <a:t>Fifth level</a:t>
+            </a:r>
+            <a:endParaRPr lang="en-US"/>
+          </a:p>
+        </p:txBody>
+      </p:sp>
+      <p:sp>
+        <p:nvSpPr>
+          <p:cNvPr id="4" name="Content Placeholder 3"/>
+          <p:cNvSpPr>
+            <a:spLocks noGrp="1"/>
+          </p:cNvSpPr>
+          <p:nvPr>
+            <p:ph sz="half" idx="2"/>
+          </p:nvPr>
+        </p:nvSpPr>
+        <p:spPr>
+          <a:xfrm>
+            <a:off x="4864100" y="1557338"/>
+            <a:ext cx="3884613" cy="4895850"/>
+          </a:xfrm>
+        </p:spPr>
+        <p:txBody>
+          <a:bodyPr/>
+          <a:lstStyle>
+            <a:lvl1pPr>
+              <a:defRPr sz="2800"/>
+            </a:lvl1pPr>
+            <a:lvl2pPr>
+              <a:defRPr sz="2400"/>
+            </a:lvl2pPr>
+            <a:lvl3pPr>
+              <a:defRPr sz="2000"/>
+            </a:lvl3pPr>
+            <a:lvl4pPr>
+              <a:defRPr sz="1800"/>
+            </a:lvl4pPr>
+            <a:lvl5pPr>
+              <a:defRPr sz="1800"/>
+            </a:lvl5pPr>
+            <a:lvl6pPr>
+              <a:defRPr sz="1800"/>
+            </a:lvl6pPr>
+            <a:lvl7pPr>
+              <a:defRPr sz="1800"/>
+            </a:lvl7pPr>
+            <a:lvl8pPr>
+              <a:defRPr sz="1800"/>
+            </a:lvl8pPr>
+            <a:lvl9pPr>
+              <a:defRPr sz="1800"/>
+            </a:lvl9pPr>
+          </a:lstStyle>
+          <a:p>
+            <a:pPr lvl="0"/>
+            <a:r>
+              <a:rPr lang="en-US" smtClean="0"/>
+              <a:t>Click to edit Master text styles</a:t>
+            </a:r>
+          </a:p>
+          <a:p>
+            <a:pPr lvl="1"/>
+            <a:r>
+              <a:rPr lang="en-US" smtClean="0"/>
+              <a:t>Second level</a:t>
+            </a:r>
+          </a:p>
+          <a:p>
+            <a:pPr lvl="2"/>
+            <a:r>
+              <a:rPr lang="en-US" smtClean="0"/>
+              <a:t>Third level</a:t>
+            </a:r>
+          </a:p>
+          <a:p>
+            <a:pPr lvl="3"/>
+            <a:r>
+              <a:rPr lang="en-US" smtClean="0"/>
+              <a:t>Fourth level</a:t>
+            </a:r>
+          </a:p>
+          <a:p>
+            <a:pPr lvl="4"/>
+            <a:r>
+              <a:rPr lang="en-US" smtClean="0"/>
+              <a:t>Fifth level</a:t>
+            </a:r>
+            <a:endParaRPr lang="en-US"/>
+          </a:p>
+        </p:txBody>
+      </p:sp>
+    </p:spTree>
+    <p:extLst>
+      <p:ext uri="{BB962C8B-B14F-4D97-AF65-F5344CB8AC3E}">
+        <p14:creationId xmlns:p14="http://schemas.microsoft.com/office/powerpoint/2010/main" val="2703922296"/>
+      </p:ext>
+    </p:extLst>
+  </p:cSld>
+  <p:clrMapOvr>
+    <a:masterClrMapping/>
+  </p:clrMapOvr>
+</p:sldLayout>
+</file>
+
+<file path=ppt/slideLayouts/slideLayout5.xml><?xml version="1.0" encoding="utf-8"?>
+<p:sldLayout xmlns:a="http://schemas.openxmlformats.org/drawingml/2006/main" xmlns:r="http://schemas.openxmlformats.org/officeDocument/2006/relationships" xmlns:p="http://schemas.openxmlformats.org/presentationml/2006/main" type="twoTxTwoObj" preserve="1">
+  <p:cSld name="Comparison">
+    <p:spTree>
+      <p:nvGrpSpPr>
+        <p:cNvPr id="1" name=""/>
+        <p:cNvGrpSpPr/>
+        <p:nvPr/>
+      </p:nvGrpSpPr>
+      <p:grpSpPr>
+        <a:xfrm>
+          <a:off x="0" y="0"/>
+          <a:ext cx="0" cy="0"/>
+          <a:chOff x="0" y="0"/>
+          <a:chExt cx="0" cy="0"/>
+        </a:xfrm>
+      </p:grpSpPr>
+      <p:sp>
+        <p:nvSpPr>
+          <p:cNvPr id="2" name="Title 1"/>
+          <p:cNvSpPr>
+            <a:spLocks noGrp="1"/>
+          </p:cNvSpPr>
+          <p:nvPr>
+            <p:ph type="title"/>
+          </p:nvPr>
+        </p:nvSpPr>
+        <p:spPr>
+          <a:xfrm>
+            <a:off x="457200" y="274638"/>
+            <a:ext cx="8229600" cy="1143000"/>
+          </a:xfrm>
+        </p:spPr>
+        <p:txBody>
+          <a:bodyPr/>
+          <a:lstStyle>
+            <a:lvl1pPr>
+              <a:defRPr/>
+            </a:lvl1pPr>
+          </a:lstStyle>
+          <a:p>
+            <a:r>
+              <a:rPr lang="en-US" smtClean="0"/>
+              <a:t>Click to edit Master title style</a:t>
+            </a:r>
+            <a:endParaRPr lang="en-US"/>
+          </a:p>
+        </p:txBody>
+      </p:sp>
+      <p:sp>
+        <p:nvSpPr>
+          <p:cNvPr id="3" name="Text Placeholder 2"/>
+          <p:cNvSpPr>
+            <a:spLocks noGrp="1"/>
+          </p:cNvSpPr>
+          <p:nvPr>
+            <p:ph type="body" idx="1"/>
+          </p:nvPr>
+        </p:nvSpPr>
+        <p:spPr>
+          <a:xfrm>
+            <a:off x="457200" y="1535113"/>
+            <a:ext cx="4040188" cy="639762"/>
+          </a:xfrm>
+        </p:spPr>
+        <p:txBody>
+          <a:bodyPr anchor="b"/>
+          <a:lstStyle>
+            <a:lvl1pPr marL="0" indent="0">
+              <a:buNone/>
+              <a:defRPr sz="2400" b="1"/>
+            </a:lvl1pPr>
+            <a:lvl2pPr marL="457200" indent="0">
+              <a:buNone/>
+              <a:defRPr sz="2000" b="1"/>
+            </a:lvl2pPr>
+            <a:lvl3pPr marL="914400" indent="0">
+              <a:buNone/>
+              <a:defRPr sz="1800" b="1"/>
+            </a:lvl3pPr>
+            <a:lvl4pPr marL="1371600" indent="0">
+              <a:buNone/>
+              <a:defRPr sz="1600" b="1"/>
+            </a:lvl4pPr>
+            <a:lvl5pPr marL="1828800" indent="0">
+              <a:buNone/>
+              <a:defRPr sz="1600" b="1"/>
+            </a:lvl5pPr>
+            <a:lvl6pPr marL="2286000" indent="0">
+              <a:buNone/>
+              <a:defRPr sz="1600" b="1"/>
+            </a:lvl6pPr>
+            <a:lvl7pPr marL="2743200" indent="0">
+              <a:buNone/>
+              <a:defRPr sz="1600" b="1"/>
+            </a:lvl7pPr>
+            <a:lvl8pPr marL="3200400" indent="0">
+              <a:buNone/>
+              <a:defRPr sz="1600" b="1"/>
+            </a:lvl8pPr>
+            <a:lvl9pPr marL="3657600" indent="0">
+              <a:buNone/>
+              <a:defRPr sz="1600" b="1"/>
+            </a:lvl9pPr>
+          </a:lstStyle>
+          <a:p>
+            <a:pPr lvl="0"/>
+            <a:r>
+              <a:rPr lang="en-US" smtClean="0"/>
+              <a:t>Click to edit Master text styles</a:t>
+            </a:r>
+          </a:p>
+        </p:txBody>
+      </p:sp>
+      <p:sp>
+        <p:nvSpPr>
+          <p:cNvPr id="4" name="Content Placeholder 3"/>
+          <p:cNvSpPr>
+            <a:spLocks noGrp="1"/>
+          </p:cNvSpPr>
+          <p:nvPr>
+            <p:ph sz="half" idx="2"/>
+          </p:nvPr>
+        </p:nvSpPr>
+        <p:spPr>
+          <a:xfrm>
+            <a:off x="457200" y="2174875"/>
+            <a:ext cx="4040188" cy="3951288"/>
+          </a:xfrm>
+        </p:spPr>
+        <p:txBody>
+          <a:bodyPr/>
+          <a:lstStyle>
+            <a:lvl1pPr>
+              <a:defRPr sz="2400"/>
+            </a:lvl1pPr>
+            <a:lvl2pPr>
+              <a:defRPr sz="2000"/>
+            </a:lvl2pPr>
+            <a:lvl3pPr>
+              <a:defRPr sz="1800"/>
+            </a:lvl3pPr>
+            <a:lvl4pPr>
+              <a:defRPr sz="1600"/>
+            </a:lvl4pPr>
+            <a:lvl5pPr>
+              <a:defRPr sz="1600"/>
+            </a:lvl5pPr>
+            <a:lvl6pPr>
+              <a:defRPr sz="1600"/>
+            </a:lvl6pPr>
+            <a:lvl7pPr>
+              <a:defRPr sz="1600"/>
+            </a:lvl7pPr>
+            <a:lvl8pPr>
+              <a:defRPr sz="1600"/>
+            </a:lvl8pPr>
+            <a:lvl9pPr>
+              <a:defRPr sz="1600"/>
+            </a:lvl9pPr>
+          </a:lstStyle>
+          <a:p>
+            <a:pPr lvl="0"/>
+            <a:r>
+              <a:rPr lang="en-US" smtClean="0"/>
+              <a:t>Click to edit Master text styles</a:t>
+            </a:r>
+          </a:p>
+          <a:p>
+            <a:pPr lvl="1"/>
+            <a:r>
+              <a:rPr lang="en-US" smtClean="0"/>
+              <a:t>Second level</a:t>
+            </a:r>
+          </a:p>
+          <a:p>
+            <a:pPr lvl="2"/>
+            <a:r>
+              <a:rPr lang="en-US" smtClean="0"/>
+              <a:t>Third level</a:t>
+            </a:r>
+          </a:p>
+          <a:p>
+            <a:pPr lvl="3"/>
+            <a:r>
+              <a:rPr lang="en-US" smtClean="0"/>
+              <a:t>Fourth level</a:t>
+            </a:r>
+          </a:p>
+          <a:p>
+            <a:pPr lvl="4"/>
+            <a:r>
+              <a:rPr lang="en-US" smtClean="0"/>
+              <a:t>Fifth level</a:t>
+            </a:r>
+            <a:endParaRPr lang="en-US"/>
+          </a:p>
+        </p:txBody>
+      </p:sp>
+      <p:sp>
+        <p:nvSpPr>
+          <p:cNvPr id="5" name="Text Placeholder 4"/>
+          <p:cNvSpPr>
+            <a:spLocks noGrp="1"/>
+          </p:cNvSpPr>
+          <p:nvPr>
+            <p:ph type="body" sz="quarter" idx="3"/>
+          </p:nvPr>
+        </p:nvSpPr>
+        <p:spPr>
+          <a:xfrm>
+            <a:off x="4645025" y="1535113"/>
+            <a:ext cx="4041775" cy="639762"/>
+          </a:xfrm>
+        </p:spPr>
+        <p:txBody>
+          <a:bodyPr anchor="b"/>
+          <a:lstStyle>
+            <a:lvl1pPr marL="0" indent="0">
+              <a:buNone/>
+              <a:defRPr sz="2400" b="1"/>
+            </a:lvl1pPr>
+            <a:lvl2pPr marL="457200" indent="0">
+              <a:buNone/>
+              <a:defRPr sz="2000" b="1"/>
+            </a:lvl2pPr>
+            <a:lvl3pPr marL="914400" indent="0">
+              <a:buNone/>
+              <a:defRPr sz="1800" b="1"/>
+            </a:lvl3pPr>
+            <a:lvl4pPr marL="1371600" indent="0">
+              <a:buNone/>
+              <a:defRPr sz="1600" b="1"/>
+            </a:lvl4pPr>
+            <a:lvl5pPr marL="1828800" indent="0">
+              <a:buNone/>
+              <a:defRPr sz="1600" b="1"/>
+            </a:lvl5pPr>
+            <a:lvl6pPr marL="2286000" indent="0">
+              <a:buNone/>
+              <a:defRPr sz="1600" b="1"/>
+            </a:lvl6pPr>
+            <a:lvl7pPr marL="2743200" indent="0">
+              <a:buNone/>
+              <a:defRPr sz="1600" b="1"/>
+            </a:lvl7pPr>
+            <a:lvl8pPr marL="3200400" indent="0">
+              <a:buNone/>
+              <a:defRPr sz="1600" b="1"/>
+            </a:lvl8pPr>
+            <a:lvl9pPr marL="3657600" indent="0">
+              <a:buNone/>
+              <a:defRPr sz="1600" b="1"/>
+            </a:lvl9pPr>
+          </a:lstStyle>
+          <a:p>
+            <a:pPr lvl="0"/>
+            <a:r>
+              <a:rPr lang="en-US" smtClean="0"/>
+              <a:t>Click to edit Master text styles</a:t>
+            </a:r>
+          </a:p>
+        </p:txBody>
+      </p:sp>
+      <p:sp>
+        <p:nvSpPr>
+          <p:cNvPr id="6" name="Content Placeholder 5"/>
+          <p:cNvSpPr>
+            <a:spLocks noGrp="1"/>
+          </p:cNvSpPr>
+          <p:nvPr>
+            <p:ph sz="quarter" idx="4"/>
+          </p:nvPr>
+        </p:nvSpPr>
+        <p:spPr>
+          <a:xfrm>
+            <a:off x="4645025" y="2174875"/>
+            <a:ext cx="4041775" cy="3951288"/>
+          </a:xfrm>
+        </p:spPr>
+        <p:txBody>
+          <a:bodyPr/>
+          <a:lstStyle>
+            <a:lvl1pPr>
+              <a:defRPr sz="2400"/>
+            </a:lvl1pPr>
+            <a:lvl2pPr>
+              <a:defRPr sz="2000"/>
+            </a:lvl2pPr>
+            <a:lvl3pPr>
+              <a:defRPr sz="1800"/>
+            </a:lvl3pPr>
+            <a:lvl4pPr>
+              <a:defRPr sz="1600"/>
+            </a:lvl4pPr>
+            <a:lvl5pPr>
+              <a:defRPr sz="1600"/>
+            </a:lvl5pPr>
+            <a:lvl6pPr>
+              <a:defRPr sz="1600"/>
+            </a:lvl6pPr>
+            <a:lvl7pPr>
+              <a:defRPr sz="1600"/>
+            </a:lvl7pPr>
+            <a:lvl8pPr>
+              <a:defRPr sz="1600"/>
+            </a:lvl8pPr>
+            <a:lvl9pPr>
+              <a:defRPr sz="1600"/>
+            </a:lvl9pPr>
+          </a:lstStyle>
+          <a:p>
+            <a:pPr lvl="0"/>
+            <a:r>
+              <a:rPr lang="en-US" smtClean="0"/>
+              <a:t>Click to edit Master text styles</a:t>
+            </a:r>
+          </a:p>
+          <a:p>
+            <a:pPr lvl="1"/>
+            <a:r>
+              <a:rPr lang="en-US" smtClean="0"/>
+              <a:t>Second level</a:t>
+            </a:r>
+          </a:p>
+          <a:p>
+            <a:pPr lvl="2"/>
+            <a:r>
+              <a:rPr lang="en-US" smtClean="0"/>
+              <a:t>Third level</a:t>
+            </a:r>
+          </a:p>
+          <a:p>
+            <a:pPr lvl="3"/>
+            <a:r>
+              <a:rPr lang="en-US" smtClean="0"/>
+              <a:t>Fourth level</a:t>
+            </a:r>
+          </a:p>
+          <a:p>
+            <a:pPr lvl="4"/>
+            <a:r>
+              <a:rPr lang="en-US" smtClean="0"/>
+              <a:t>Fifth level</a:t>
+            </a:r>
+            <a:endParaRPr lang="en-US"/>
+          </a:p>
+        </p:txBody>
+      </p:sp>
+    </p:spTree>
+    <p:extLst>
+      <p:ext uri="{BB962C8B-B14F-4D97-AF65-F5344CB8AC3E}">
+        <p14:creationId xmlns:p14="http://schemas.microsoft.com/office/powerpoint/2010/main" val="797214911"/>
+      </p:ext>
+    </p:extLst>
+  </p:cSld>
+  <p:clrMapOvr>
+    <a:masterClrMapping/>
+  </p:clrMapOvr>
+</p:sldLayout>
+</file>
+
+<file path=ppt/slideLayouts/slideLayout6.xml><?xml version="1.0" encoding="utf-8"?>
+<p:sldLayout xmlns:a="http://schemas.openxmlformats.org/drawingml/2006/main" xmlns:r="http://schemas.openxmlformats.org/officeDocument/2006/relationships" xmlns:p="http://schemas.openxmlformats.org/presentationml/2006/main" type="titleOnly" preserve="1">
+  <p:cSld name="Title Only">
+    <p:spTree>
+      <p:nvGrpSpPr>
+        <p:cNvPr id="1" name=""/>
+        <p:cNvGrpSpPr/>
+        <p:nvPr/>
+      </p:nvGrpSpPr>
+      <p:grpSpPr>
+        <a:xfrm>
+          <a:off x="0" y="0"/>
+          <a:ext cx="0" cy="0"/>
+          <a:chOff x="0" y="0"/>
+          <a:chExt cx="0" cy="0"/>
+        </a:xfrm>
+      </p:grpSpPr>
+      <p:sp>
+        <p:nvSpPr>
+          <p:cNvPr id="2" name="Title 1"/>
+          <p:cNvSpPr>
+            <a:spLocks noGrp="1"/>
+          </p:cNvSpPr>
+          <p:nvPr>
+            <p:ph type="title"/>
+          </p:nvPr>
+        </p:nvSpPr>
+        <p:spPr/>
+        <p:txBody>
+          <a:bodyPr/>
+          <a:lstStyle/>
+          <a:p>
+            <a:r>
+              <a:rPr lang="en-US" smtClean="0"/>
+              <a:t>Click to edit Master title style</a:t>
+            </a:r>
+            <a:endParaRPr lang="en-US"/>
+          </a:p>
+        </p:txBody>
+      </p:sp>
+    </p:spTree>
+    <p:extLst>
+      <p:ext uri="{BB962C8B-B14F-4D97-AF65-F5344CB8AC3E}">
+        <p14:creationId xmlns:p14="http://schemas.microsoft.com/office/powerpoint/2010/main" val="3008305158"/>
+      </p:ext>
+    </p:extLst>
+  </p:cSld>
+  <p:clrMapOvr>
+    <a:masterClrMapping/>
+  </p:clrMapOvr>
+</p:sldLayout>
+</file>
+
+<file path=ppt/slideLayouts/slideLayout7.xml><?xml version="1.0" encoding="utf-8"?>
+<p:sldLayout xmlns:a="http://schemas.openxmlformats.org/drawingml/2006/main" xmlns:r="http://schemas.openxmlformats.org/officeDocument/2006/relationships" xmlns:p="http://schemas.openxmlformats.org/presentationml/2006/main" type="blank" preserve="1">
+  <p:cSld name="Blank">
+    <p:spTree>
+      <p:nvGrpSpPr>
+        <p:cNvPr id="1" name=""/>
+        <p:cNvGrpSpPr/>
+        <p:nvPr/>
+      </p:nvGrpSpPr>
+      <p:grpSpPr>
+        <a:xfrm>
+          <a:off x="0" y="0"/>
+          <a:ext cx="0" cy="0"/>
+          <a:chOff x="0" y="0"/>
+          <a:chExt cx="0" cy="0"/>
+        </a:xfrm>
+      </p:grpSpPr>
+    </p:spTree>
+    <p:extLst>
+      <p:ext uri="{BB962C8B-B14F-4D97-AF65-F5344CB8AC3E}">
+        <p14:creationId xmlns:p14="http://schemas.microsoft.com/office/powerpoint/2010/main" val="3858122383"/>
+      </p:ext>
+    </p:extLst>
+  </p:cSld>
+  <p:clrMapOvr>
+    <a:masterClrMapping/>
+  </p:clrMapOvr>
+</p:sldLayout>
+</file>
+
+<file path=ppt/slideLayouts/slideLayout8.xml><?xml version="1.0" encoding="utf-8"?>
+<p:sldLayout xmlns:a="http://schemas.openxmlformats.org/drawingml/2006/main" xmlns:r="http://schemas.openxmlformats.org/officeDocument/2006/relationships" xmlns:p="http://schemas.openxmlformats.org/presentationml/2006/main" type="objTx" preserve="1">
+  <p:cSld name="Content with Caption">
+    <p:spTree>
+      <p:nvGrpSpPr>
+        <p:cNvPr id="1" name=""/>
+        <p:cNvGrpSpPr/>
+        <p:nvPr/>
+      </p:nvGrpSpPr>
+      <p:grpSpPr>
+        <a:xfrm>
+          <a:off x="0" y="0"/>
+          <a:ext cx="0" cy="0"/>
+          <a:chOff x="0" y="0"/>
+          <a:chExt cx="0" cy="0"/>
+        </a:xfrm>
+      </p:grpSpPr>
+      <p:sp>
+        <p:nvSpPr>
+          <p:cNvPr id="2" name="Title 1"/>
+          <p:cNvSpPr>
+            <a:spLocks noGrp="1"/>
+          </p:cNvSpPr>
+          <p:nvPr>
+            <p:ph type="title"/>
+          </p:nvPr>
+        </p:nvSpPr>
+        <p:spPr>
+          <a:xfrm>
+            <a:off x="457200" y="273050"/>
+            <a:ext cx="3008313" cy="1162050"/>
+          </a:xfrm>
+        </p:spPr>
+        <p:txBody>
+          <a:bodyPr anchor="b"/>
+          <a:lstStyle>
+            <a:lvl1pPr algn="l">
+              <a:defRPr sz="2000" b="1"/>
+            </a:lvl1pPr>
+          </a:lstStyle>
+          <a:p>
+            <a:r>
+              <a:rPr lang="en-US" smtClean="0"/>
+              <a:t>Click to edit Master title style</a:t>
+            </a:r>
+            <a:endParaRPr lang="en-US"/>
+          </a:p>
+        </p:txBody>
+      </p:sp>
+      <p:sp>
+        <p:nvSpPr>
+          <p:cNvPr id="3" name="Content Placeholder 2"/>
+          <p:cNvSpPr>
+            <a:spLocks noGrp="1"/>
+          </p:cNvSpPr>
+          <p:nvPr>
+            <p:ph idx="1"/>
+          </p:nvPr>
+        </p:nvSpPr>
+        <p:spPr>
+          <a:xfrm>
+            <a:off x="3575050" y="273050"/>
+            <a:ext cx="5111750" cy="5853113"/>
+          </a:xfrm>
+        </p:spPr>
+        <p:txBody>
+          <a:bodyPr/>
+          <a:lstStyle>
+            <a:lvl1pPr>
+              <a:defRPr sz="3200"/>
+            </a:lvl1pPr>
+            <a:lvl2pPr>
+              <a:defRPr sz="2800"/>
+            </a:lvl2pPr>
+            <a:lvl3pPr>
+              <a:defRPr sz="2400"/>
+            </a:lvl3pPr>
+            <a:lvl4pPr>
+              <a:defRPr sz="2000"/>
+            </a:lvl4pPr>
+            <a:lvl5pPr>
+              <a:defRPr sz="2000"/>
+            </a:lvl5pPr>
+            <a:lvl6pPr>
+              <a:defRPr sz="2000"/>
+            </a:lvl6pPr>
+            <a:lvl7pPr>
+              <a:defRPr sz="2000"/>
+            </a:lvl7pPr>
+            <a:lvl8pPr>
+              <a:defRPr sz="2000"/>
+            </a:lvl8pPr>
+            <a:lvl9pPr>
+              <a:defRPr sz="2000"/>
+            </a:lvl9pPr>
+          </a:lstStyle>
+          <a:p>
+            <a:pPr lvl="0"/>
+            <a:r>
+              <a:rPr lang="en-US" smtClean="0"/>
+              <a:t>Click to edit Master text styles</a:t>
+            </a:r>
+          </a:p>
+          <a:p>
+            <a:pPr lvl="1"/>
+            <a:r>
+              <a:rPr lang="en-US" smtClean="0"/>
+              <a:t>Second level</a:t>
+            </a:r>
+          </a:p>
+          <a:p>
+            <a:pPr lvl="2"/>
+            <a:r>
+              <a:rPr lang="en-US" smtClean="0"/>
+              <a:t>Third level</a:t>
+            </a:r>
+          </a:p>
+          <a:p>
+            <a:pPr lvl="3"/>
+            <a:r>
+              <a:rPr lang="en-US" smtClean="0"/>
+              <a:t>Fourth level</a:t>
+            </a:r>
+          </a:p>
+          <a:p>
+            <a:pPr lvl="4"/>
+            <a:r>
+              <a:rPr lang="en-US" smtClean="0"/>
+              <a:t>Fifth level</a:t>
+            </a:r>
+            <a:endParaRPr lang="en-US"/>
+          </a:p>
+        </p:txBody>
+      </p:sp>
+      <p:sp>
+        <p:nvSpPr>
+          <p:cNvPr id="4" name="Text Placeholder 3"/>
+          <p:cNvSpPr>
+            <a:spLocks noGrp="1"/>
+          </p:cNvSpPr>
+          <p:nvPr>
+            <p:ph type="body" sz="half" idx="2"/>
+          </p:nvPr>
+        </p:nvSpPr>
+        <p:spPr>
+          <a:xfrm>
+            <a:off x="457200" y="1435100"/>
+            <a:ext cx="3008313" cy="4691063"/>
+          </a:xfrm>
+        </p:spPr>
+        <p:txBody>
+          <a:bodyPr/>
+          <a:lstStyle>
+            <a:lvl1pPr marL="0" indent="0">
+              <a:buNone/>
+              <a:defRPr sz="1400"/>
+            </a:lvl1pPr>
+            <a:lvl2pPr marL="457200" indent="0">
+              <a:buNone/>
+              <a:defRPr sz="1200"/>
+            </a:lvl2pPr>
+            <a:lvl3pPr marL="914400" indent="0">
+              <a:buNone/>
+              <a:defRPr sz="1000"/>
+            </a:lvl3pPr>
+            <a:lvl4pPr marL="1371600" indent="0">
+              <a:buNone/>
+              <a:defRPr sz="900"/>
+            </a:lvl4pPr>
+            <a:lvl5pPr marL="1828800" indent="0">
+              <a:buNone/>
+              <a:defRPr sz="900"/>
+            </a:lvl5pPr>
+            <a:lvl6pPr marL="2286000" indent="0">
+              <a:buNone/>
+              <a:defRPr sz="900"/>
+            </a:lvl6pPr>
+            <a:lvl7pPr marL="2743200" indent="0">
+              <a:buNone/>
+              <a:defRPr sz="900"/>
+            </a:lvl7pPr>
+            <a:lvl8pPr marL="3200400" indent="0">
+              <a:buNone/>
+              <a:defRPr sz="900"/>
+            </a:lvl8pPr>
+            <a:lvl9pPr marL="3657600" indent="0">
+              <a:buNone/>
+              <a:defRPr sz="900"/>
+            </a:lvl9pPr>
+          </a:lstStyle>
+          <a:p>
+            <a:pPr lvl="0"/>
+            <a:r>
+              <a:rPr lang="en-US" smtClean="0"/>
+              <a:t>Click to edit Master text styles</a:t>
+            </a:r>
+          </a:p>
+        </p:txBody>
+      </p:sp>
+    </p:spTree>
+    <p:extLst>
+      <p:ext uri="{BB962C8B-B14F-4D97-AF65-F5344CB8AC3E}">
+        <p14:creationId xmlns:p14="http://schemas.microsoft.com/office/powerpoint/2010/main" val="2096950123"/>
+      </p:ext>
+    </p:extLst>
   </p:cSld>
   <p:clrMapOvr>
     <a:masterClrMapping/>
@@ -2388,7 +4129,11 @@
             </a:lvl9pPr>
           </a:lstStyle>
           <a:p>
-            <a:endParaRPr lang="en-US"/>
+            <a:r>
+              <a:rPr lang="en-US" dirty="0" smtClean="0"/>
+              <a:t>Click icon to add picture</a:t>
+            </a:r>
+            <a:endParaRPr lang="en-US" dirty="0"/>
           </a:p>
         </p:txBody>
       </p:sp>
@@ -2457,74 +4202,12 @@
           </a:p>
         </p:txBody>
       </p:sp>
-      <p:sp>
-        <p:nvSpPr>
-          <p:cNvPr id="5" name="Date Placeholder 4"/>
-          <p:cNvSpPr>
-            <a:spLocks noGrp="1"/>
-          </p:cNvSpPr>
-          <p:nvPr>
-            <p:ph type="dt" sz="half" idx="10"/>
-          </p:nvPr>
-        </p:nvSpPr>
-        <p:spPr/>
-        <p:txBody>
-          <a:bodyPr/>
-          <a:lstStyle/>
-          <a:p>
-            <a:fld id="{1D8BD707-D9CF-40AE-B4C6-C98DA3205C09}" type="datetimeFigureOut">
-              <a:rPr lang="en-US" smtClean="0"/>
-              <a:pPr/>
-              <a:t>9/18/2006</a:t>
-            </a:fld>
-            <a:endParaRPr lang="en-US"/>
-          </a:p>
-        </p:txBody>
-      </p:sp>
-      <p:sp>
-        <p:nvSpPr>
-          <p:cNvPr id="6" name="Footer Placeholder 5"/>
-          <p:cNvSpPr>
-            <a:spLocks noGrp="1"/>
-          </p:cNvSpPr>
-          <p:nvPr>
-            <p:ph type="ftr" sz="quarter" idx="11"/>
-          </p:nvPr>
-        </p:nvSpPr>
-        <p:spPr/>
-        <p:txBody>
-          <a:bodyPr/>
-          <a:lstStyle/>
-          <a:p>
-            <a:endParaRPr lang="en-US"/>
-          </a:p>
-        </p:txBody>
-      </p:sp>
-      <p:sp>
-        <p:nvSpPr>
-          <p:cNvPr id="7" name="Slide Number Placeholder 6"/>
-          <p:cNvSpPr>
-            <a:spLocks noGrp="1"/>
-          </p:cNvSpPr>
-          <p:nvPr>
-            <p:ph type="sldNum" sz="quarter" idx="12"/>
-          </p:nvPr>
-        </p:nvSpPr>
-        <p:spPr/>
-        <p:txBody>
-          <a:bodyPr/>
-          <a:lstStyle/>
-          <a:p>
-            <a:fld id="{B6F15528-21DE-4FAA-801E-634DDDAF4B2B}" type="slidenum">
-              <a:rPr lang="en-US" smtClean="0"/>
-              <a:pPr/>
-              <a:t>‹#›</a:t>
-            </a:fld>
-            <a:endParaRPr lang="en-US"/>
-          </a:p>
-        </p:txBody>
-      </p:sp>
     </p:spTree>
+    <p:extLst>
+      <p:ext uri="{BB962C8B-B14F-4D97-AF65-F5344CB8AC3E}">
+        <p14:creationId xmlns:p14="http://schemas.microsoft.com/office/powerpoint/2010/main" val="964410929"/>
+      </p:ext>
+    </p:extLst>
   </p:cSld>
   <p:clrMapOvr>
     <a:masterClrMapping/>
@@ -2533,12 +4216,19 @@
 </file>
 
 <file path=ppt/slideMasters/slideMaster1.xml><?xml version="1.0" encoding="utf-8"?>
-<p:sldMaster xmlns:a="http://schemas.openxmlformats.org/drawingml/2006/main" xmlns:r="http://schemas.openxmlformats.org/officeDocument/2006/relationships" xmlns:p="http://schemas.openxmlformats.org/presentationml/2006/main">
+<p:sldMaster xmlns:a="http://schemas.openxmlformats.org/drawingml/2006/main" xmlns:r="http://schemas.openxmlformats.org/officeDocument/2006/relationships" xmlns:p="http://schemas.openxmlformats.org/presentationml/2006/main" preserve="1">
   <p:cSld>
     <p:bg>
-      <p:bgRef idx="1001">
-        <a:schemeClr val="bg1"/>
-      </p:bgRef>
+      <p:bgPr>
+        <a:blipFill dpi="0" rotWithShape="0">
+          <a:blip r:embed="rId13"/>
+          <a:srcRect/>
+          <a:stretch>
+            <a:fillRect/>
+          </a:stretch>
+        </a:blipFill>
+        <a:effectLst/>
+      </p:bgPr>
     </p:bg>
     <p:spTree>
       <p:nvGrpSpPr>
@@ -2556,59 +4246,130 @@
       </p:grpSpPr>
       <p:sp>
         <p:nvSpPr>
-          <p:cNvPr id="2" name="Title Placeholder 1"/>
+          <p:cNvPr id="1026" name="Rectangle 2"/>
           <p:cNvSpPr>
-            <a:spLocks noGrp="1"/>
+            <a:spLocks noGrp="1" noChangeArrowheads="1"/>
           </p:cNvSpPr>
           <p:nvPr>
             <p:ph type="title"/>
           </p:nvPr>
         </p:nvSpPr>
-        <p:spPr>
+        <p:spPr bwMode="auto">
           <a:xfrm>
-            <a:off x="457200" y="274638"/>
-            <a:ext cx="8229600" cy="1143000"/>
+            <a:off x="833438" y="404813"/>
+            <a:ext cx="7921625" cy="935037"/>
           </a:xfrm>
           <a:prstGeom prst="rect">
             <a:avLst/>
           </a:prstGeom>
+          <a:noFill/>
+          <a:ln>
+            <a:noFill/>
+          </a:ln>
+          <a:effectLst/>
+          <a:extLst>
+            <a:ext uri="{909E8E84-426E-40DD-AFC4-6F175D3DCCD1}">
+              <a14:hiddenFill xmlns:a14="http://schemas.microsoft.com/office/drawing/2010/main">
+                <a:solidFill>
+                  <a:schemeClr val="accent1"/>
+                </a:solidFill>
+              </a14:hiddenFill>
+            </a:ext>
+            <a:ext uri="{91240B29-F687-4F45-9708-019B960494DF}">
+              <a14:hiddenLine xmlns:a14="http://schemas.microsoft.com/office/drawing/2010/main" w="9525">
+                <a:solidFill>
+                  <a:schemeClr val="tx1"/>
+                </a:solidFill>
+                <a:miter lim="800000"/>
+                <a:headEnd/>
+                <a:tailEnd/>
+              </a14:hiddenLine>
+            </a:ext>
+            <a:ext uri="{AF507438-7753-43E0-B8FC-AC1667EBCBE1}">
+              <a14:hiddenEffects xmlns:a14="http://schemas.microsoft.com/office/drawing/2010/main">
+                <a:effectLst>
+                  <a:outerShdw dist="17961" dir="2700000" algn="ctr" rotWithShape="0">
+                    <a:schemeClr val="bg2"/>
+                  </a:outerShdw>
+                </a:effectLst>
+              </a14:hiddenEffects>
+            </a:ext>
+          </a:extLst>
         </p:spPr>
         <p:txBody>
-          <a:bodyPr vert="horz" lIns="91440" tIns="45720" rIns="91440" bIns="45720" rtlCol="0" anchor="ctr">
-            <a:normAutofit/>
+          <a:bodyPr vert="horz" wrap="square" lIns="91440" tIns="45720" rIns="91440" bIns="45720" numCol="1" anchor="ctr" anchorCtr="0" compatLnSpc="1">
+            <a:prstTxWarp prst="textNoShape">
+              <a:avLst/>
+            </a:prstTxWarp>
           </a:bodyPr>
           <a:lstStyle/>
           <a:p>
+            <a:pPr lvl="0"/>
             <a:r>
               <a:rPr lang="en-US" smtClean="0"/>
               <a:t>Click to edit Master title style</a:t>
             </a:r>
-            <a:endParaRPr lang="en-US"/>
-          </a:p>
-        </p:txBody>
-      </p:sp>
-      <p:sp>
-        <p:nvSpPr>
-          <p:cNvPr id="3" name="Text Placeholder 2"/>
+            <a:endParaRPr lang="ru-RU" smtClean="0"/>
+          </a:p>
+        </p:txBody>
+      </p:sp>
+      <p:sp>
+        <p:nvSpPr>
+          <p:cNvPr id="1027" name="Rectangle 3"/>
           <p:cNvSpPr>
-            <a:spLocks noGrp="1"/>
+            <a:spLocks noGrp="1" noChangeArrowheads="1"/>
           </p:cNvSpPr>
           <p:nvPr>
             <p:ph type="body" idx="1"/>
           </p:nvPr>
         </p:nvSpPr>
-        <p:spPr>
+        <p:spPr bwMode="auto">
           <a:xfrm>
-            <a:off x="457200" y="1600200"/>
-            <a:ext cx="8229600" cy="4525963"/>
+            <a:off x="827088" y="1557338"/>
+            <a:ext cx="7921625" cy="4895850"/>
           </a:xfrm>
           <a:prstGeom prst="rect">
             <a:avLst/>
           </a:prstGeom>
+          <a:noFill/>
+          <a:ln>
+            <a:noFill/>
+          </a:ln>
+          <a:effectLst/>
+          <a:extLst>
+            <a:ext uri="{909E8E84-426E-40DD-AFC4-6F175D3DCCD1}">
+              <a14:hiddenFill xmlns:a14="http://schemas.microsoft.com/office/drawing/2010/main">
+                <a:solidFill>
+                  <a:schemeClr val="accent1"/>
+                </a:solidFill>
+              </a14:hiddenFill>
+            </a:ext>
+            <a:ext uri="{91240B29-F687-4F45-9708-019B960494DF}">
+              <a14:hiddenLine xmlns:a14="http://schemas.microsoft.com/office/drawing/2010/main" w="9525">
+                <a:solidFill>
+                  <a:schemeClr val="tx1"/>
+                </a:solidFill>
+                <a:miter lim="800000"/>
+                <a:headEnd/>
+                <a:tailEnd/>
+              </a14:hiddenLine>
+            </a:ext>
+            <a:ext uri="{AF507438-7753-43E0-B8FC-AC1667EBCBE1}">
+              <a14:hiddenEffects xmlns:a14="http://schemas.microsoft.com/office/drawing/2010/main">
+                <a:effectLst>
+                  <a:outerShdw dist="35921" dir="2700000" algn="ctr" rotWithShape="0">
+                    <a:schemeClr val="bg2"/>
+                  </a:outerShdw>
+                </a:effectLst>
+              </a14:hiddenEffects>
+            </a:ext>
+          </a:extLst>
         </p:spPr>
         <p:txBody>
-          <a:bodyPr vert="horz" lIns="91440" tIns="45720" rIns="91440" bIns="45720" rtlCol="0">
-            <a:normAutofit/>
+          <a:bodyPr vert="horz" wrap="square" lIns="91440" tIns="45720" rIns="91440" bIns="45720" numCol="1" anchor="t" anchorCtr="0" compatLnSpc="1">
+            <a:prstTxWarp prst="textNoShape">
+              <a:avLst/>
+            </a:prstTxWarp>
           </a:bodyPr>
           <a:lstStyle/>
           <a:p>
@@ -2645,128 +4406,7 @@
               <a:rPr lang="en-US" smtClean="0"/>
               <a:t>Fifth level</a:t>
             </a:r>
-            <a:endParaRPr lang="en-US"/>
-          </a:p>
-        </p:txBody>
-      </p:sp>
-      <p:sp>
-        <p:nvSpPr>
-          <p:cNvPr id="4" name="Date Placeholder 3"/>
-          <p:cNvSpPr>
-            <a:spLocks noGrp="1"/>
-          </p:cNvSpPr>
-          <p:nvPr>
-            <p:ph type="dt" sz="half" idx="2"/>
-          </p:nvPr>
-        </p:nvSpPr>
-        <p:spPr>
-          <a:xfrm>
-            <a:off x="457200" y="6356350"/>
-            <a:ext cx="2133600" cy="365125"/>
-          </a:xfrm>
-          <a:prstGeom prst="rect">
-            <a:avLst/>
-          </a:prstGeom>
-        </p:spPr>
-        <p:txBody>
-          <a:bodyPr vert="horz" lIns="91440" tIns="45720" rIns="91440" bIns="45720" rtlCol="0" anchor="ctr"/>
-          <a:lstStyle>
-            <a:lvl1pPr algn="l">
-              <a:defRPr sz="1200">
-                <a:solidFill>
-                  <a:schemeClr val="tx1">
-                    <a:tint val="75000"/>
-                  </a:schemeClr>
-                </a:solidFill>
-              </a:defRPr>
-            </a:lvl1pPr>
-          </a:lstStyle>
-          <a:p>
-            <a:fld id="{1D8BD707-D9CF-40AE-B4C6-C98DA3205C09}" type="datetimeFigureOut">
-              <a:rPr lang="en-US" smtClean="0"/>
-              <a:pPr/>
-              <a:t>9/18/2006</a:t>
-            </a:fld>
-            <a:endParaRPr lang="en-US"/>
-          </a:p>
-        </p:txBody>
-      </p:sp>
-      <p:sp>
-        <p:nvSpPr>
-          <p:cNvPr id="5" name="Footer Placeholder 4"/>
-          <p:cNvSpPr>
-            <a:spLocks noGrp="1"/>
-          </p:cNvSpPr>
-          <p:nvPr>
-            <p:ph type="ftr" sz="quarter" idx="3"/>
-          </p:nvPr>
-        </p:nvSpPr>
-        <p:spPr>
-          <a:xfrm>
-            <a:off x="3124200" y="6356350"/>
-            <a:ext cx="2895600" cy="365125"/>
-          </a:xfrm>
-          <a:prstGeom prst="rect">
-            <a:avLst/>
-          </a:prstGeom>
-        </p:spPr>
-        <p:txBody>
-          <a:bodyPr vert="horz" lIns="91440" tIns="45720" rIns="91440" bIns="45720" rtlCol="0" anchor="ctr"/>
-          <a:lstStyle>
-            <a:lvl1pPr algn="ctr">
-              <a:defRPr sz="1200">
-                <a:solidFill>
-                  <a:schemeClr val="tx1">
-                    <a:tint val="75000"/>
-                  </a:schemeClr>
-                </a:solidFill>
-              </a:defRPr>
-            </a:lvl1pPr>
-          </a:lstStyle>
-          <a:p>
-            <a:endParaRPr lang="en-US"/>
-          </a:p>
-        </p:txBody>
-      </p:sp>
-      <p:sp>
-        <p:nvSpPr>
-          <p:cNvPr id="6" name="Slide Number Placeholder 5"/>
-          <p:cNvSpPr>
-            <a:spLocks noGrp="1"/>
-          </p:cNvSpPr>
-          <p:nvPr>
-            <p:ph type="sldNum" sz="quarter" idx="4"/>
-          </p:nvPr>
-        </p:nvSpPr>
-        <p:spPr>
-          <a:xfrm>
-            <a:off x="6553200" y="6356350"/>
-            <a:ext cx="2133600" cy="365125"/>
-          </a:xfrm>
-          <a:prstGeom prst="rect">
-            <a:avLst/>
-          </a:prstGeom>
-        </p:spPr>
-        <p:txBody>
-          <a:bodyPr vert="horz" lIns="91440" tIns="45720" rIns="91440" bIns="45720" rtlCol="0" anchor="ctr"/>
-          <a:lstStyle>
-            <a:lvl1pPr algn="r">
-              <a:defRPr sz="1200">
-                <a:solidFill>
-                  <a:schemeClr val="tx1">
-                    <a:tint val="75000"/>
-                  </a:schemeClr>
-                </a:solidFill>
-              </a:defRPr>
-            </a:lvl1pPr>
-          </a:lstStyle>
-          <a:p>
-            <a:fld id="{B6F15528-21DE-4FAA-801E-634DDDAF4B2B}" type="slidenum">
-              <a:rPr lang="en-US" smtClean="0"/>
-              <a:pPr/>
-              <a:t>‹#›</a:t>
-            </a:fld>
-            <a:endParaRPr lang="en-US"/>
+            <a:endParaRPr lang="ru-RU" smtClean="0"/>
           </a:p>
         </p:txBody>
       </p:sp>
@@ -2774,169 +4414,285 @@
   </p:cSld>
   <p:clrMap bg1="lt1" tx1="dk1" bg2="lt2" tx2="dk2" accent1="accent1" accent2="accent2" accent3="accent3" accent4="accent4" accent5="accent5" accent6="accent6" hlink="hlink" folHlink="folHlink"/>
   <p:sldLayoutIdLst>
-    <p:sldLayoutId id="2147483649" r:id="rId1"/>
-    <p:sldLayoutId id="2147483650" r:id="rId2"/>
-    <p:sldLayoutId id="2147483651" r:id="rId3"/>
-    <p:sldLayoutId id="2147483652" r:id="rId4"/>
-    <p:sldLayoutId id="2147483653" r:id="rId5"/>
-    <p:sldLayoutId id="2147483654" r:id="rId6"/>
-    <p:sldLayoutId id="2147483655" r:id="rId7"/>
-    <p:sldLayoutId id="2147483656" r:id="rId8"/>
-    <p:sldLayoutId id="2147483657" r:id="rId9"/>
-    <p:sldLayoutId id="2147483658" r:id="rId10"/>
-    <p:sldLayoutId id="2147483659" r:id="rId11"/>
+    <p:sldLayoutId id="2147483661" r:id="rId1"/>
+    <p:sldLayoutId id="2147483662" r:id="rId2"/>
+    <p:sldLayoutId id="2147483663" r:id="rId3"/>
+    <p:sldLayoutId id="2147483664" r:id="rId4"/>
+    <p:sldLayoutId id="2147483665" r:id="rId5"/>
+    <p:sldLayoutId id="2147483666" r:id="rId6"/>
+    <p:sldLayoutId id="2147483667" r:id="rId7"/>
+    <p:sldLayoutId id="2147483668" r:id="rId8"/>
+    <p:sldLayoutId id="2147483669" r:id="rId9"/>
+    <p:sldLayoutId id="2147483670" r:id="rId10"/>
+    <p:sldLayoutId id="2147483671" r:id="rId11"/>
   </p:sldLayoutIdLst>
   <p:txStyles>
     <p:titleStyle>
-      <a:lvl1pPr algn="ctr" defTabSz="914400" rtl="0" eaLnBrk="1" latinLnBrk="0" hangingPunct="1">
+      <a:lvl1pPr algn="l" rtl="0" eaLnBrk="1" fontAlgn="base" hangingPunct="1">
         <a:spcBef>
           <a:spcPct val="0"/>
         </a:spcBef>
-        <a:buNone/>
-        <a:defRPr sz="4400" kern="1200">
-          <a:solidFill>
-            <a:schemeClr val="tx1"/>
+        <a:spcAft>
+          <a:spcPct val="0"/>
+        </a:spcAft>
+        <a:defRPr sz="3600">
+          <a:solidFill>
+            <a:schemeClr val="bg1"/>
           </a:solidFill>
           <a:latin typeface="+mj-lt"/>
           <a:ea typeface="+mj-ea"/>
           <a:cs typeface="+mj-cs"/>
         </a:defRPr>
       </a:lvl1pPr>
+      <a:lvl2pPr algn="l" rtl="0" eaLnBrk="1" fontAlgn="base" hangingPunct="1">
+        <a:spcBef>
+          <a:spcPct val="0"/>
+        </a:spcBef>
+        <a:spcAft>
+          <a:spcPct val="0"/>
+        </a:spcAft>
+        <a:defRPr sz="3600">
+          <a:solidFill>
+            <a:schemeClr val="bg1"/>
+          </a:solidFill>
+          <a:latin typeface="Futura LT Book" pitchFamily="2" charset="0"/>
+        </a:defRPr>
+      </a:lvl2pPr>
+      <a:lvl3pPr algn="l" rtl="0" eaLnBrk="1" fontAlgn="base" hangingPunct="1">
+        <a:spcBef>
+          <a:spcPct val="0"/>
+        </a:spcBef>
+        <a:spcAft>
+          <a:spcPct val="0"/>
+        </a:spcAft>
+        <a:defRPr sz="3600">
+          <a:solidFill>
+            <a:schemeClr val="bg1"/>
+          </a:solidFill>
+          <a:latin typeface="Futura LT Book" pitchFamily="2" charset="0"/>
+        </a:defRPr>
+      </a:lvl3pPr>
+      <a:lvl4pPr algn="l" rtl="0" eaLnBrk="1" fontAlgn="base" hangingPunct="1">
+        <a:spcBef>
+          <a:spcPct val="0"/>
+        </a:spcBef>
+        <a:spcAft>
+          <a:spcPct val="0"/>
+        </a:spcAft>
+        <a:defRPr sz="3600">
+          <a:solidFill>
+            <a:schemeClr val="bg1"/>
+          </a:solidFill>
+          <a:latin typeface="Futura LT Book" pitchFamily="2" charset="0"/>
+        </a:defRPr>
+      </a:lvl4pPr>
+      <a:lvl5pPr algn="l" rtl="0" eaLnBrk="1" fontAlgn="base" hangingPunct="1">
+        <a:spcBef>
+          <a:spcPct val="0"/>
+        </a:spcBef>
+        <a:spcAft>
+          <a:spcPct val="0"/>
+        </a:spcAft>
+        <a:defRPr sz="3600">
+          <a:solidFill>
+            <a:schemeClr val="bg1"/>
+          </a:solidFill>
+          <a:latin typeface="Futura LT Book" pitchFamily="2" charset="0"/>
+        </a:defRPr>
+      </a:lvl5pPr>
+      <a:lvl6pPr marL="457200" algn="l" rtl="0" eaLnBrk="1" fontAlgn="base" hangingPunct="1">
+        <a:spcBef>
+          <a:spcPct val="0"/>
+        </a:spcBef>
+        <a:spcAft>
+          <a:spcPct val="0"/>
+        </a:spcAft>
+        <a:defRPr sz="3600">
+          <a:solidFill>
+            <a:schemeClr val="bg1"/>
+          </a:solidFill>
+          <a:latin typeface="Futura LT Book" pitchFamily="2" charset="0"/>
+        </a:defRPr>
+      </a:lvl6pPr>
+      <a:lvl7pPr marL="914400" algn="l" rtl="0" eaLnBrk="1" fontAlgn="base" hangingPunct="1">
+        <a:spcBef>
+          <a:spcPct val="0"/>
+        </a:spcBef>
+        <a:spcAft>
+          <a:spcPct val="0"/>
+        </a:spcAft>
+        <a:defRPr sz="3600">
+          <a:solidFill>
+            <a:schemeClr val="bg1"/>
+          </a:solidFill>
+          <a:latin typeface="Futura LT Book" pitchFamily="2" charset="0"/>
+        </a:defRPr>
+      </a:lvl7pPr>
+      <a:lvl8pPr marL="1371600" algn="l" rtl="0" eaLnBrk="1" fontAlgn="base" hangingPunct="1">
+        <a:spcBef>
+          <a:spcPct val="0"/>
+        </a:spcBef>
+        <a:spcAft>
+          <a:spcPct val="0"/>
+        </a:spcAft>
+        <a:defRPr sz="3600">
+          <a:solidFill>
+            <a:schemeClr val="bg1"/>
+          </a:solidFill>
+          <a:latin typeface="Futura LT Book" pitchFamily="2" charset="0"/>
+        </a:defRPr>
+      </a:lvl8pPr>
+      <a:lvl9pPr marL="1828800" algn="l" rtl="0" eaLnBrk="1" fontAlgn="base" hangingPunct="1">
+        <a:spcBef>
+          <a:spcPct val="0"/>
+        </a:spcBef>
+        <a:spcAft>
+          <a:spcPct val="0"/>
+        </a:spcAft>
+        <a:defRPr sz="3600">
+          <a:solidFill>
+            <a:schemeClr val="bg1"/>
+          </a:solidFill>
+          <a:latin typeface="Futura LT Book" pitchFamily="2" charset="0"/>
+        </a:defRPr>
+      </a:lvl9pPr>
     </p:titleStyle>
     <p:bodyStyle>
-      <a:lvl1pPr marL="342900" indent="-342900" algn="l" defTabSz="914400" rtl="0" eaLnBrk="1" latinLnBrk="0" hangingPunct="1">
+      <a:lvl1pPr marL="342900" indent="-342900" algn="l" rtl="0" eaLnBrk="1" fontAlgn="base" hangingPunct="1">
         <a:spcBef>
           <a:spcPct val="20000"/>
         </a:spcBef>
-        <a:buFont typeface="Arial" pitchFamily="34" charset="0"/>
+        <a:spcAft>
+          <a:spcPct val="0"/>
+        </a:spcAft>
         <a:buChar char="•"/>
-        <a:defRPr sz="3200" kern="1200">
-          <a:solidFill>
-            <a:schemeClr val="tx1"/>
+        <a:defRPr sz="2000">
+          <a:solidFill>
+            <a:schemeClr val="bg1"/>
           </a:solidFill>
           <a:latin typeface="+mn-lt"/>
           <a:ea typeface="+mn-ea"/>
           <a:cs typeface="+mn-cs"/>
         </a:defRPr>
       </a:lvl1pPr>
-      <a:lvl2pPr marL="742950" indent="-285750" algn="l" defTabSz="914400" rtl="0" eaLnBrk="1" latinLnBrk="0" hangingPunct="1">
+      <a:lvl2pPr marL="742950" indent="-285750" algn="l" rtl="0" eaLnBrk="1" fontAlgn="base" hangingPunct="1">
         <a:spcBef>
           <a:spcPct val="20000"/>
         </a:spcBef>
-        <a:buFont typeface="Arial" pitchFamily="34" charset="0"/>
+        <a:spcAft>
+          <a:spcPct val="0"/>
+        </a:spcAft>
         <a:buChar char="–"/>
-        <a:defRPr sz="2800" kern="1200">
-          <a:solidFill>
-            <a:schemeClr val="tx1"/>
+        <a:defRPr sz="2000">
+          <a:solidFill>
+            <a:schemeClr val="bg1"/>
           </a:solidFill>
           <a:latin typeface="+mn-lt"/>
-          <a:ea typeface="+mn-ea"/>
-          <a:cs typeface="+mn-cs"/>
         </a:defRPr>
       </a:lvl2pPr>
-      <a:lvl3pPr marL="1143000" indent="-228600" algn="l" defTabSz="914400" rtl="0" eaLnBrk="1" latinLnBrk="0" hangingPunct="1">
+      <a:lvl3pPr marL="1143000" indent="-228600" algn="l" rtl="0" eaLnBrk="1" fontAlgn="base" hangingPunct="1">
         <a:spcBef>
           <a:spcPct val="20000"/>
         </a:spcBef>
-        <a:buFont typeface="Arial" pitchFamily="34" charset="0"/>
+        <a:spcAft>
+          <a:spcPct val="0"/>
+        </a:spcAft>
         <a:buChar char="•"/>
-        <a:defRPr sz="2400" kern="1200">
-          <a:solidFill>
-            <a:schemeClr val="tx1"/>
+        <a:defRPr sz="2000">
+          <a:solidFill>
+            <a:schemeClr val="bg1"/>
           </a:solidFill>
           <a:latin typeface="+mn-lt"/>
-          <a:ea typeface="+mn-ea"/>
-          <a:cs typeface="+mn-cs"/>
         </a:defRPr>
       </a:lvl3pPr>
-      <a:lvl4pPr marL="1600200" indent="-228600" algn="l" defTabSz="914400" rtl="0" eaLnBrk="1" latinLnBrk="0" hangingPunct="1">
+      <a:lvl4pPr marL="1600200" indent="-228600" algn="l" rtl="0" eaLnBrk="1" fontAlgn="base" hangingPunct="1">
         <a:spcBef>
           <a:spcPct val="20000"/>
         </a:spcBef>
-        <a:buFont typeface="Arial" pitchFamily="34" charset="0"/>
+        <a:spcAft>
+          <a:spcPct val="0"/>
+        </a:spcAft>
         <a:buChar char="–"/>
-        <a:defRPr sz="2000" kern="1200">
-          <a:solidFill>
-            <a:schemeClr val="tx1"/>
+        <a:defRPr sz="2000">
+          <a:solidFill>
+            <a:schemeClr val="bg1"/>
           </a:solidFill>
           <a:latin typeface="+mn-lt"/>
-          <a:ea typeface="+mn-ea"/>
-          <a:cs typeface="+mn-cs"/>
         </a:defRPr>
       </a:lvl4pPr>
-      <a:lvl5pPr marL="2057400" indent="-228600" algn="l" defTabSz="914400" rtl="0" eaLnBrk="1" latinLnBrk="0" hangingPunct="1">
+      <a:lvl5pPr marL="2057400" indent="-228600" algn="l" rtl="0" eaLnBrk="1" fontAlgn="base" hangingPunct="1">
         <a:spcBef>
           <a:spcPct val="20000"/>
         </a:spcBef>
-        <a:buFont typeface="Arial" pitchFamily="34" charset="0"/>
+        <a:spcAft>
+          <a:spcPct val="0"/>
+        </a:spcAft>
         <a:buChar char="»"/>
-        <a:defRPr sz="2000" kern="1200">
-          <a:solidFill>
-            <a:schemeClr val="tx1"/>
+        <a:defRPr sz="2000">
+          <a:solidFill>
+            <a:schemeClr val="bg1"/>
           </a:solidFill>
           <a:latin typeface="+mn-lt"/>
-          <a:ea typeface="+mn-ea"/>
-          <a:cs typeface="+mn-cs"/>
         </a:defRPr>
       </a:lvl5pPr>
-      <a:lvl6pPr marL="2514600" indent="-228600" algn="l" defTabSz="914400" rtl="0" eaLnBrk="1" latinLnBrk="0" hangingPunct="1">
+      <a:lvl6pPr marL="2514600" indent="-228600" algn="l" rtl="0" eaLnBrk="1" fontAlgn="base" hangingPunct="1">
         <a:spcBef>
           <a:spcPct val="20000"/>
         </a:spcBef>
-        <a:buFont typeface="Arial" pitchFamily="34" charset="0"/>
-        <a:buChar char="•"/>
-        <a:defRPr sz="2000" kern="1200">
-          <a:solidFill>
-            <a:schemeClr val="tx1"/>
+        <a:spcAft>
+          <a:spcPct val="0"/>
+        </a:spcAft>
+        <a:buChar char="»"/>
+        <a:defRPr sz="2000">
+          <a:solidFill>
+            <a:schemeClr val="bg1"/>
           </a:solidFill>
           <a:latin typeface="+mn-lt"/>
-          <a:ea typeface="+mn-ea"/>
-          <a:cs typeface="+mn-cs"/>
         </a:defRPr>
       </a:lvl6pPr>
-      <a:lvl7pPr marL="2971800" indent="-228600" algn="l" defTabSz="914400" rtl="0" eaLnBrk="1" latinLnBrk="0" hangingPunct="1">
+      <a:lvl7pPr marL="2971800" indent="-228600" algn="l" rtl="0" eaLnBrk="1" fontAlgn="base" hangingPunct="1">
         <a:spcBef>
           <a:spcPct val="20000"/>
         </a:spcBef>
-        <a:buFont typeface="Arial" pitchFamily="34" charset="0"/>
-        <a:buChar char="•"/>
-        <a:defRPr sz="2000" kern="1200">
-          <a:solidFill>
-            <a:schemeClr val="tx1"/>
+        <a:spcAft>
+          <a:spcPct val="0"/>
+        </a:spcAft>
+        <a:buChar char="»"/>
+        <a:defRPr sz="2000">
+          <a:solidFill>
+            <a:schemeClr val="bg1"/>
           </a:solidFill>
           <a:latin typeface="+mn-lt"/>
-          <a:ea typeface="+mn-ea"/>
-          <a:cs typeface="+mn-cs"/>
         </a:defRPr>
       </a:lvl7pPr>
-      <a:lvl8pPr marL="3429000" indent="-228600" algn="l" defTabSz="914400" rtl="0" eaLnBrk="1" latinLnBrk="0" hangingPunct="1">
+      <a:lvl8pPr marL="3429000" indent="-228600" algn="l" rtl="0" eaLnBrk="1" fontAlgn="base" hangingPunct="1">
         <a:spcBef>
           <a:spcPct val="20000"/>
         </a:spcBef>
-        <a:buFont typeface="Arial" pitchFamily="34" charset="0"/>
-        <a:buChar char="•"/>
-        <a:defRPr sz="2000" kern="1200">
-          <a:solidFill>
-            <a:schemeClr val="tx1"/>
+        <a:spcAft>
+          <a:spcPct val="0"/>
+        </a:spcAft>
+        <a:buChar char="»"/>
+        <a:defRPr sz="2000">
+          <a:solidFill>
+            <a:schemeClr val="bg1"/>
           </a:solidFill>
           <a:latin typeface="+mn-lt"/>
-          <a:ea typeface="+mn-ea"/>
-          <a:cs typeface="+mn-cs"/>
         </a:defRPr>
       </a:lvl8pPr>
-      <a:lvl9pPr marL="3886200" indent="-228600" algn="l" defTabSz="914400" rtl="0" eaLnBrk="1" latinLnBrk="0" hangingPunct="1">
+      <a:lvl9pPr marL="3886200" indent="-228600" algn="l" rtl="0" eaLnBrk="1" fontAlgn="base" hangingPunct="1">
         <a:spcBef>
           <a:spcPct val="20000"/>
         </a:spcBef>
-        <a:buFont typeface="Arial" pitchFamily="34" charset="0"/>
-        <a:buChar char="•"/>
-        <a:defRPr sz="2000" kern="1200">
-          <a:solidFill>
-            <a:schemeClr val="tx1"/>
+        <a:spcAft>
+          <a:spcPct val="0"/>
+        </a:spcAft>
+        <a:buChar char="»"/>
+        <a:defRPr sz="2000">
+          <a:solidFill>
+            <a:schemeClr val="bg1"/>
           </a:solidFill>
           <a:latin typeface="+mn-lt"/>
-          <a:ea typeface="+mn-ea"/>
-          <a:cs typeface="+mn-cs"/>
         </a:defRPr>
       </a:lvl9pPr>
     </p:bodyStyle>
@@ -3039,115 +4795,3817 @@
 </p:sldMaster>
 </file>
 
+<file path=ppt/slideMasters/slideMaster2.xml><?xml version="1.0" encoding="utf-8"?>
+<p:sldMaster xmlns:a="http://schemas.openxmlformats.org/drawingml/2006/main" xmlns:r="http://schemas.openxmlformats.org/officeDocument/2006/relationships" xmlns:p="http://schemas.openxmlformats.org/presentationml/2006/main" preserve="1">
+  <p:cSld>
+    <p:bg>
+      <p:bgPr>
+        <a:blipFill dpi="0" rotWithShape="0">
+          <a:blip r:embed="rId13"/>
+          <a:srcRect/>
+          <a:stretch>
+            <a:fillRect/>
+          </a:stretch>
+        </a:blipFill>
+        <a:effectLst/>
+      </p:bgPr>
+    </p:bg>
+    <p:spTree>
+      <p:nvGrpSpPr>
+        <p:cNvPr id="1" name=""/>
+        <p:cNvGrpSpPr/>
+        <p:nvPr/>
+      </p:nvGrpSpPr>
+      <p:grpSpPr>
+        <a:xfrm>
+          <a:off x="0" y="0"/>
+          <a:ext cx="0" cy="0"/>
+          <a:chOff x="0" y="0"/>
+          <a:chExt cx="0" cy="0"/>
+        </a:xfrm>
+      </p:grpSpPr>
+      <p:sp>
+        <p:nvSpPr>
+          <p:cNvPr id="190466" name="Rectangle 2"/>
+          <p:cNvSpPr>
+            <a:spLocks noGrp="1" noChangeArrowheads="1"/>
+          </p:cNvSpPr>
+          <p:nvPr>
+            <p:ph type="title"/>
+          </p:nvPr>
+        </p:nvSpPr>
+        <p:spPr bwMode="auto">
+          <a:xfrm>
+            <a:off x="1908175" y="274638"/>
+            <a:ext cx="6767513" cy="1143000"/>
+          </a:xfrm>
+          <a:prstGeom prst="rect">
+            <a:avLst/>
+          </a:prstGeom>
+          <a:noFill/>
+          <a:ln>
+            <a:noFill/>
+          </a:ln>
+          <a:effectLst/>
+          <a:extLst>
+            <a:ext uri="{909E8E84-426E-40DD-AFC4-6F175D3DCCD1}">
+              <a14:hiddenFill xmlns:a14="http://schemas.microsoft.com/office/drawing/2010/main">
+                <a:solidFill>
+                  <a:schemeClr val="accent1"/>
+                </a:solidFill>
+              </a14:hiddenFill>
+            </a:ext>
+            <a:ext uri="{91240B29-F687-4F45-9708-019B960494DF}">
+              <a14:hiddenLine xmlns:a14="http://schemas.microsoft.com/office/drawing/2010/main" w="9525">
+                <a:solidFill>
+                  <a:schemeClr val="tx1"/>
+                </a:solidFill>
+                <a:miter lim="800000"/>
+                <a:headEnd/>
+                <a:tailEnd/>
+              </a14:hiddenLine>
+            </a:ext>
+            <a:ext uri="{AF507438-7753-43E0-B8FC-AC1667EBCBE1}">
+              <a14:hiddenEffects xmlns:a14="http://schemas.microsoft.com/office/drawing/2010/main">
+                <a:effectLst>
+                  <a:outerShdw dist="35921" dir="2700000" algn="ctr" rotWithShape="0">
+                    <a:schemeClr val="bg2"/>
+                  </a:outerShdw>
+                </a:effectLst>
+              </a14:hiddenEffects>
+            </a:ext>
+          </a:extLst>
+        </p:spPr>
+        <p:txBody>
+          <a:bodyPr vert="horz" wrap="square" lIns="91440" tIns="45720" rIns="91440" bIns="45720" numCol="1" anchor="ctr" anchorCtr="0" compatLnSpc="1">
+            <a:prstTxWarp prst="textNoShape">
+              <a:avLst/>
+            </a:prstTxWarp>
+          </a:bodyPr>
+          <a:lstStyle/>
+          <a:p>
+            <a:pPr lvl="0"/>
+            <a:r>
+              <a:rPr lang="en-US" smtClean="0"/>
+              <a:t>Click to edit Master title style</a:t>
+            </a:r>
+            <a:endParaRPr lang="ru-RU" smtClean="0"/>
+          </a:p>
+        </p:txBody>
+      </p:sp>
+      <p:sp>
+        <p:nvSpPr>
+          <p:cNvPr id="190467" name="Rectangle 3"/>
+          <p:cNvSpPr>
+            <a:spLocks noGrp="1" noChangeArrowheads="1"/>
+          </p:cNvSpPr>
+          <p:nvPr>
+            <p:ph type="body" idx="1"/>
+          </p:nvPr>
+        </p:nvSpPr>
+        <p:spPr bwMode="auto">
+          <a:xfrm>
+            <a:off x="1908175" y="1600200"/>
+            <a:ext cx="6778625" cy="4525963"/>
+          </a:xfrm>
+          <a:prstGeom prst="rect">
+            <a:avLst/>
+          </a:prstGeom>
+          <a:noFill/>
+          <a:ln>
+            <a:noFill/>
+          </a:ln>
+          <a:effectLst/>
+          <a:extLst>
+            <a:ext uri="{909E8E84-426E-40DD-AFC4-6F175D3DCCD1}">
+              <a14:hiddenFill xmlns:a14="http://schemas.microsoft.com/office/drawing/2010/main">
+                <a:solidFill>
+                  <a:schemeClr val="accent1"/>
+                </a:solidFill>
+              </a14:hiddenFill>
+            </a:ext>
+            <a:ext uri="{91240B29-F687-4F45-9708-019B960494DF}">
+              <a14:hiddenLine xmlns:a14="http://schemas.microsoft.com/office/drawing/2010/main" w="9525">
+                <a:solidFill>
+                  <a:schemeClr val="tx1"/>
+                </a:solidFill>
+                <a:miter lim="800000"/>
+                <a:headEnd/>
+                <a:tailEnd/>
+              </a14:hiddenLine>
+            </a:ext>
+            <a:ext uri="{AF507438-7753-43E0-B8FC-AC1667EBCBE1}">
+              <a14:hiddenEffects xmlns:a14="http://schemas.microsoft.com/office/drawing/2010/main">
+                <a:effectLst>
+                  <a:outerShdw dist="35921" dir="2700000" algn="ctr" rotWithShape="0">
+                    <a:schemeClr val="bg2"/>
+                  </a:outerShdw>
+                </a:effectLst>
+              </a14:hiddenEffects>
+            </a:ext>
+          </a:extLst>
+        </p:spPr>
+        <p:txBody>
+          <a:bodyPr vert="horz" wrap="square" lIns="91440" tIns="45720" rIns="91440" bIns="45720" numCol="1" anchor="t" anchorCtr="0" compatLnSpc="1">
+            <a:prstTxWarp prst="textNoShape">
+              <a:avLst/>
+            </a:prstTxWarp>
+          </a:bodyPr>
+          <a:lstStyle/>
+          <a:p>
+            <a:pPr lvl="0"/>
+            <a:r>
+              <a:rPr lang="en-US" smtClean="0"/>
+              <a:t>Click to edit Master text styles</a:t>
+            </a:r>
+          </a:p>
+          <a:p>
+            <a:pPr lvl="1"/>
+            <a:r>
+              <a:rPr lang="en-US" smtClean="0"/>
+              <a:t>Second level</a:t>
+            </a:r>
+          </a:p>
+          <a:p>
+            <a:pPr lvl="2"/>
+            <a:r>
+              <a:rPr lang="en-US" smtClean="0"/>
+              <a:t>Third level</a:t>
+            </a:r>
+          </a:p>
+          <a:p>
+            <a:pPr lvl="3"/>
+            <a:r>
+              <a:rPr lang="en-US" smtClean="0"/>
+              <a:t>Fourth level</a:t>
+            </a:r>
+          </a:p>
+          <a:p>
+            <a:pPr lvl="4"/>
+            <a:r>
+              <a:rPr lang="en-US" smtClean="0"/>
+              <a:t>Fifth level</a:t>
+            </a:r>
+            <a:endParaRPr lang="ru-RU" smtClean="0"/>
+          </a:p>
+        </p:txBody>
+      </p:sp>
+      <p:sp>
+        <p:nvSpPr>
+          <p:cNvPr id="190468" name="Rectangle 4"/>
+          <p:cNvSpPr>
+            <a:spLocks noGrp="1" noChangeArrowheads="1"/>
+          </p:cNvSpPr>
+          <p:nvPr>
+            <p:ph type="dt" sz="half" idx="2"/>
+          </p:nvPr>
+        </p:nvSpPr>
+        <p:spPr bwMode="auto">
+          <a:xfrm>
+            <a:off x="457200" y="6245225"/>
+            <a:ext cx="2133600" cy="476250"/>
+          </a:xfrm>
+          <a:prstGeom prst="rect">
+            <a:avLst/>
+          </a:prstGeom>
+          <a:noFill/>
+          <a:ln>
+            <a:noFill/>
+          </a:ln>
+          <a:effectLst/>
+          <a:extLst>
+            <a:ext uri="{909E8E84-426E-40DD-AFC4-6F175D3DCCD1}">
+              <a14:hiddenFill xmlns:a14="http://schemas.microsoft.com/office/drawing/2010/main">
+                <a:solidFill>
+                  <a:schemeClr val="accent1"/>
+                </a:solidFill>
+              </a14:hiddenFill>
+            </a:ext>
+            <a:ext uri="{91240B29-F687-4F45-9708-019B960494DF}">
+              <a14:hiddenLine xmlns:a14="http://schemas.microsoft.com/office/drawing/2010/main" w="9525">
+                <a:solidFill>
+                  <a:schemeClr val="tx1"/>
+                </a:solidFill>
+                <a:miter lim="800000"/>
+                <a:headEnd/>
+                <a:tailEnd/>
+              </a14:hiddenLine>
+            </a:ext>
+            <a:ext uri="{AF507438-7753-43E0-B8FC-AC1667EBCBE1}">
+              <a14:hiddenEffects xmlns:a14="http://schemas.microsoft.com/office/drawing/2010/main">
+                <a:effectLst>
+                  <a:outerShdw dist="35921" dir="2700000" algn="ctr" rotWithShape="0">
+                    <a:schemeClr val="bg2"/>
+                  </a:outerShdw>
+                </a:effectLst>
+              </a14:hiddenEffects>
+            </a:ext>
+          </a:extLst>
+        </p:spPr>
+        <p:txBody>
+          <a:bodyPr vert="horz" wrap="square" lIns="91440" tIns="45720" rIns="91440" bIns="45720" numCol="1" anchor="t" anchorCtr="0" compatLnSpc="1">
+            <a:prstTxWarp prst="textNoShape">
+              <a:avLst/>
+            </a:prstTxWarp>
+          </a:bodyPr>
+          <a:lstStyle>
+            <a:lvl1pPr>
+              <a:defRPr sz="1400" b="0"/>
+            </a:lvl1pPr>
+          </a:lstStyle>
+          <a:p>
+            <a:endParaRPr lang="ru-RU"/>
+          </a:p>
+        </p:txBody>
+      </p:sp>
+      <p:sp>
+        <p:nvSpPr>
+          <p:cNvPr id="190469" name="Rectangle 5"/>
+          <p:cNvSpPr>
+            <a:spLocks noGrp="1" noChangeArrowheads="1"/>
+          </p:cNvSpPr>
+          <p:nvPr>
+            <p:ph type="ftr" sz="quarter" idx="3"/>
+          </p:nvPr>
+        </p:nvSpPr>
+        <p:spPr bwMode="auto">
+          <a:xfrm>
+            <a:off x="3124200" y="6245225"/>
+            <a:ext cx="2895600" cy="476250"/>
+          </a:xfrm>
+          <a:prstGeom prst="rect">
+            <a:avLst/>
+          </a:prstGeom>
+          <a:noFill/>
+          <a:ln>
+            <a:noFill/>
+          </a:ln>
+          <a:effectLst/>
+          <a:extLst>
+            <a:ext uri="{909E8E84-426E-40DD-AFC4-6F175D3DCCD1}">
+              <a14:hiddenFill xmlns:a14="http://schemas.microsoft.com/office/drawing/2010/main">
+                <a:solidFill>
+                  <a:schemeClr val="accent1"/>
+                </a:solidFill>
+              </a14:hiddenFill>
+            </a:ext>
+            <a:ext uri="{91240B29-F687-4F45-9708-019B960494DF}">
+              <a14:hiddenLine xmlns:a14="http://schemas.microsoft.com/office/drawing/2010/main" w="9525">
+                <a:solidFill>
+                  <a:schemeClr val="tx1"/>
+                </a:solidFill>
+                <a:miter lim="800000"/>
+                <a:headEnd/>
+                <a:tailEnd/>
+              </a14:hiddenLine>
+            </a:ext>
+            <a:ext uri="{AF507438-7753-43E0-B8FC-AC1667EBCBE1}">
+              <a14:hiddenEffects xmlns:a14="http://schemas.microsoft.com/office/drawing/2010/main">
+                <a:effectLst>
+                  <a:outerShdw dist="35921" dir="2700000" algn="ctr" rotWithShape="0">
+                    <a:schemeClr val="bg2"/>
+                  </a:outerShdw>
+                </a:effectLst>
+              </a14:hiddenEffects>
+            </a:ext>
+          </a:extLst>
+        </p:spPr>
+        <p:txBody>
+          <a:bodyPr vert="horz" wrap="square" lIns="91440" tIns="45720" rIns="91440" bIns="45720" numCol="1" anchor="t" anchorCtr="0" compatLnSpc="1">
+            <a:prstTxWarp prst="textNoShape">
+              <a:avLst/>
+            </a:prstTxWarp>
+          </a:bodyPr>
+          <a:lstStyle>
+            <a:lvl1pPr algn="ctr">
+              <a:defRPr sz="1400" b="0"/>
+            </a:lvl1pPr>
+          </a:lstStyle>
+          <a:p>
+            <a:endParaRPr lang="ru-RU"/>
+          </a:p>
+        </p:txBody>
+      </p:sp>
+      <p:sp>
+        <p:nvSpPr>
+          <p:cNvPr id="190470" name="Rectangle 6"/>
+          <p:cNvSpPr>
+            <a:spLocks noGrp="1" noChangeArrowheads="1"/>
+          </p:cNvSpPr>
+          <p:nvPr>
+            <p:ph type="sldNum" sz="quarter" idx="4"/>
+          </p:nvPr>
+        </p:nvSpPr>
+        <p:spPr bwMode="auto">
+          <a:xfrm>
+            <a:off x="6553200" y="6245225"/>
+            <a:ext cx="2133600" cy="476250"/>
+          </a:xfrm>
+          <a:prstGeom prst="rect">
+            <a:avLst/>
+          </a:prstGeom>
+          <a:noFill/>
+          <a:ln>
+            <a:noFill/>
+          </a:ln>
+          <a:effectLst/>
+          <a:extLst>
+            <a:ext uri="{909E8E84-426E-40DD-AFC4-6F175D3DCCD1}">
+              <a14:hiddenFill xmlns:a14="http://schemas.microsoft.com/office/drawing/2010/main">
+                <a:solidFill>
+                  <a:schemeClr val="accent1"/>
+                </a:solidFill>
+              </a14:hiddenFill>
+            </a:ext>
+            <a:ext uri="{91240B29-F687-4F45-9708-019B960494DF}">
+              <a14:hiddenLine xmlns:a14="http://schemas.microsoft.com/office/drawing/2010/main" w="9525">
+                <a:solidFill>
+                  <a:schemeClr val="tx1"/>
+                </a:solidFill>
+                <a:miter lim="800000"/>
+                <a:headEnd/>
+                <a:tailEnd/>
+              </a14:hiddenLine>
+            </a:ext>
+            <a:ext uri="{AF507438-7753-43E0-B8FC-AC1667EBCBE1}">
+              <a14:hiddenEffects xmlns:a14="http://schemas.microsoft.com/office/drawing/2010/main">
+                <a:effectLst>
+                  <a:outerShdw dist="35921" dir="2700000" algn="ctr" rotWithShape="0">
+                    <a:schemeClr val="bg2"/>
+                  </a:outerShdw>
+                </a:effectLst>
+              </a14:hiddenEffects>
+            </a:ext>
+          </a:extLst>
+        </p:spPr>
+        <p:txBody>
+          <a:bodyPr vert="horz" wrap="square" lIns="91440" tIns="45720" rIns="91440" bIns="45720" numCol="1" anchor="t" anchorCtr="0" compatLnSpc="1">
+            <a:prstTxWarp prst="textNoShape">
+              <a:avLst/>
+            </a:prstTxWarp>
+          </a:bodyPr>
+          <a:lstStyle>
+            <a:lvl1pPr algn="r">
+              <a:defRPr sz="1400" b="0"/>
+            </a:lvl1pPr>
+          </a:lstStyle>
+          <a:p>
+            <a:fld id="{5F35755B-27A0-4215-B862-F1D8DDB7CB82}" type="slidenum">
+              <a:rPr lang="ru-RU"/>
+              <a:pPr/>
+              <a:t>‹#›</a:t>
+            </a:fld>
+            <a:endParaRPr lang="ru-RU"/>
+          </a:p>
+        </p:txBody>
+      </p:sp>
+    </p:spTree>
+  </p:cSld>
+  <p:clrMap bg1="lt1" tx1="dk1" bg2="lt2" tx2="dk2" accent1="accent1" accent2="accent2" accent3="accent3" accent4="accent4" accent5="accent5" accent6="accent6" hlink="hlink" folHlink="folHlink"/>
+  <p:sldLayoutIdLst>
+    <p:sldLayoutId id="2147483673" r:id="rId1"/>
+    <p:sldLayoutId id="2147483674" r:id="rId2"/>
+    <p:sldLayoutId id="2147483675" r:id="rId3"/>
+    <p:sldLayoutId id="2147483676" r:id="rId4"/>
+    <p:sldLayoutId id="2147483677" r:id="rId5"/>
+    <p:sldLayoutId id="2147483678" r:id="rId6"/>
+    <p:sldLayoutId id="2147483679" r:id="rId7"/>
+    <p:sldLayoutId id="2147483680" r:id="rId8"/>
+    <p:sldLayoutId id="2147483681" r:id="rId9"/>
+    <p:sldLayoutId id="2147483682" r:id="rId10"/>
+    <p:sldLayoutId id="2147483683" r:id="rId11"/>
+  </p:sldLayoutIdLst>
+  <p:txStyles>
+    <p:titleStyle>
+      <a:lvl1pPr algn="l" rtl="0" eaLnBrk="1" fontAlgn="base" hangingPunct="1">
+        <a:spcBef>
+          <a:spcPct val="0"/>
+        </a:spcBef>
+        <a:spcAft>
+          <a:spcPct val="0"/>
+        </a:spcAft>
+        <a:defRPr sz="3600">
+          <a:solidFill>
+            <a:srgbClr val="666666"/>
+          </a:solidFill>
+          <a:latin typeface="+mj-lt"/>
+          <a:ea typeface="+mj-ea"/>
+          <a:cs typeface="+mj-cs"/>
+        </a:defRPr>
+      </a:lvl1pPr>
+      <a:lvl2pPr algn="l" rtl="0" eaLnBrk="1" fontAlgn="base" hangingPunct="1">
+        <a:spcBef>
+          <a:spcPct val="0"/>
+        </a:spcBef>
+        <a:spcAft>
+          <a:spcPct val="0"/>
+        </a:spcAft>
+        <a:defRPr sz="3600">
+          <a:solidFill>
+            <a:srgbClr val="666666"/>
+          </a:solidFill>
+          <a:latin typeface="Futura LT Book" pitchFamily="2" charset="0"/>
+        </a:defRPr>
+      </a:lvl2pPr>
+      <a:lvl3pPr algn="l" rtl="0" eaLnBrk="1" fontAlgn="base" hangingPunct="1">
+        <a:spcBef>
+          <a:spcPct val="0"/>
+        </a:spcBef>
+        <a:spcAft>
+          <a:spcPct val="0"/>
+        </a:spcAft>
+        <a:defRPr sz="3600">
+          <a:solidFill>
+            <a:srgbClr val="666666"/>
+          </a:solidFill>
+          <a:latin typeface="Futura LT Book" pitchFamily="2" charset="0"/>
+        </a:defRPr>
+      </a:lvl3pPr>
+      <a:lvl4pPr algn="l" rtl="0" eaLnBrk="1" fontAlgn="base" hangingPunct="1">
+        <a:spcBef>
+          <a:spcPct val="0"/>
+        </a:spcBef>
+        <a:spcAft>
+          <a:spcPct val="0"/>
+        </a:spcAft>
+        <a:defRPr sz="3600">
+          <a:solidFill>
+            <a:srgbClr val="666666"/>
+          </a:solidFill>
+          <a:latin typeface="Futura LT Book" pitchFamily="2" charset="0"/>
+        </a:defRPr>
+      </a:lvl4pPr>
+      <a:lvl5pPr algn="l" rtl="0" eaLnBrk="1" fontAlgn="base" hangingPunct="1">
+        <a:spcBef>
+          <a:spcPct val="0"/>
+        </a:spcBef>
+        <a:spcAft>
+          <a:spcPct val="0"/>
+        </a:spcAft>
+        <a:defRPr sz="3600">
+          <a:solidFill>
+            <a:srgbClr val="666666"/>
+          </a:solidFill>
+          <a:latin typeface="Futura LT Book" pitchFamily="2" charset="0"/>
+        </a:defRPr>
+      </a:lvl5pPr>
+      <a:lvl6pPr marL="457200" algn="l" rtl="0" eaLnBrk="1" fontAlgn="base" hangingPunct="1">
+        <a:spcBef>
+          <a:spcPct val="0"/>
+        </a:spcBef>
+        <a:spcAft>
+          <a:spcPct val="0"/>
+        </a:spcAft>
+        <a:defRPr sz="3600">
+          <a:solidFill>
+            <a:srgbClr val="666666"/>
+          </a:solidFill>
+          <a:latin typeface="Futura LT Book" pitchFamily="2" charset="0"/>
+        </a:defRPr>
+      </a:lvl6pPr>
+      <a:lvl7pPr marL="914400" algn="l" rtl="0" eaLnBrk="1" fontAlgn="base" hangingPunct="1">
+        <a:spcBef>
+          <a:spcPct val="0"/>
+        </a:spcBef>
+        <a:spcAft>
+          <a:spcPct val="0"/>
+        </a:spcAft>
+        <a:defRPr sz="3600">
+          <a:solidFill>
+            <a:srgbClr val="666666"/>
+          </a:solidFill>
+          <a:latin typeface="Futura LT Book" pitchFamily="2" charset="0"/>
+        </a:defRPr>
+      </a:lvl7pPr>
+      <a:lvl8pPr marL="1371600" algn="l" rtl="0" eaLnBrk="1" fontAlgn="base" hangingPunct="1">
+        <a:spcBef>
+          <a:spcPct val="0"/>
+        </a:spcBef>
+        <a:spcAft>
+          <a:spcPct val="0"/>
+        </a:spcAft>
+        <a:defRPr sz="3600">
+          <a:solidFill>
+            <a:srgbClr val="666666"/>
+          </a:solidFill>
+          <a:latin typeface="Futura LT Book" pitchFamily="2" charset="0"/>
+        </a:defRPr>
+      </a:lvl8pPr>
+      <a:lvl9pPr marL="1828800" algn="l" rtl="0" eaLnBrk="1" fontAlgn="base" hangingPunct="1">
+        <a:spcBef>
+          <a:spcPct val="0"/>
+        </a:spcBef>
+        <a:spcAft>
+          <a:spcPct val="0"/>
+        </a:spcAft>
+        <a:defRPr sz="3600">
+          <a:solidFill>
+            <a:srgbClr val="666666"/>
+          </a:solidFill>
+          <a:latin typeface="Futura LT Book" pitchFamily="2" charset="0"/>
+        </a:defRPr>
+      </a:lvl9pPr>
+    </p:titleStyle>
+    <p:bodyStyle>
+      <a:lvl1pPr marL="342900" indent="-342900" algn="l" rtl="0" eaLnBrk="1" fontAlgn="base" hangingPunct="1">
+        <a:spcBef>
+          <a:spcPct val="20000"/>
+        </a:spcBef>
+        <a:spcAft>
+          <a:spcPct val="0"/>
+        </a:spcAft>
+        <a:buChar char="•"/>
+        <a:defRPr sz="2000">
+          <a:solidFill>
+            <a:srgbClr val="666666"/>
+          </a:solidFill>
+          <a:latin typeface="+mn-lt"/>
+          <a:ea typeface="+mn-ea"/>
+          <a:cs typeface="+mn-cs"/>
+        </a:defRPr>
+      </a:lvl1pPr>
+      <a:lvl2pPr marL="742950" indent="-285750" algn="l" rtl="0" eaLnBrk="1" fontAlgn="base" hangingPunct="1">
+        <a:spcBef>
+          <a:spcPct val="20000"/>
+        </a:spcBef>
+        <a:spcAft>
+          <a:spcPct val="0"/>
+        </a:spcAft>
+        <a:buChar char="–"/>
+        <a:defRPr sz="2000">
+          <a:solidFill>
+            <a:srgbClr val="666666"/>
+          </a:solidFill>
+          <a:latin typeface="+mn-lt"/>
+        </a:defRPr>
+      </a:lvl2pPr>
+      <a:lvl3pPr marL="1143000" indent="-228600" algn="l" rtl="0" eaLnBrk="1" fontAlgn="base" hangingPunct="1">
+        <a:spcBef>
+          <a:spcPct val="20000"/>
+        </a:spcBef>
+        <a:spcAft>
+          <a:spcPct val="0"/>
+        </a:spcAft>
+        <a:buChar char="•"/>
+        <a:defRPr sz="2000">
+          <a:solidFill>
+            <a:srgbClr val="666666"/>
+          </a:solidFill>
+          <a:latin typeface="+mn-lt"/>
+        </a:defRPr>
+      </a:lvl3pPr>
+      <a:lvl4pPr marL="1600200" indent="-228600" algn="l" rtl="0" eaLnBrk="1" fontAlgn="base" hangingPunct="1">
+        <a:spcBef>
+          <a:spcPct val="20000"/>
+        </a:spcBef>
+        <a:spcAft>
+          <a:spcPct val="0"/>
+        </a:spcAft>
+        <a:buChar char="–"/>
+        <a:defRPr sz="2000">
+          <a:solidFill>
+            <a:srgbClr val="666666"/>
+          </a:solidFill>
+          <a:latin typeface="+mn-lt"/>
+        </a:defRPr>
+      </a:lvl4pPr>
+      <a:lvl5pPr marL="2057400" indent="-228600" algn="l" rtl="0" eaLnBrk="1" fontAlgn="base" hangingPunct="1">
+        <a:spcBef>
+          <a:spcPct val="20000"/>
+        </a:spcBef>
+        <a:spcAft>
+          <a:spcPct val="0"/>
+        </a:spcAft>
+        <a:buChar char="»"/>
+        <a:defRPr sz="2000">
+          <a:solidFill>
+            <a:srgbClr val="666666"/>
+          </a:solidFill>
+          <a:latin typeface="+mn-lt"/>
+        </a:defRPr>
+      </a:lvl5pPr>
+      <a:lvl6pPr marL="2514600" indent="-228600" algn="l" rtl="0" eaLnBrk="1" fontAlgn="base" hangingPunct="1">
+        <a:spcBef>
+          <a:spcPct val="20000"/>
+        </a:spcBef>
+        <a:spcAft>
+          <a:spcPct val="0"/>
+        </a:spcAft>
+        <a:buChar char="»"/>
+        <a:defRPr sz="2000">
+          <a:solidFill>
+            <a:srgbClr val="666666"/>
+          </a:solidFill>
+          <a:latin typeface="+mn-lt"/>
+        </a:defRPr>
+      </a:lvl6pPr>
+      <a:lvl7pPr marL="2971800" indent="-228600" algn="l" rtl="0" eaLnBrk="1" fontAlgn="base" hangingPunct="1">
+        <a:spcBef>
+          <a:spcPct val="20000"/>
+        </a:spcBef>
+        <a:spcAft>
+          <a:spcPct val="0"/>
+        </a:spcAft>
+        <a:buChar char="»"/>
+        <a:defRPr sz="2000">
+          <a:solidFill>
+            <a:srgbClr val="666666"/>
+          </a:solidFill>
+          <a:latin typeface="+mn-lt"/>
+        </a:defRPr>
+      </a:lvl7pPr>
+      <a:lvl8pPr marL="3429000" indent="-228600" algn="l" rtl="0" eaLnBrk="1" fontAlgn="base" hangingPunct="1">
+        <a:spcBef>
+          <a:spcPct val="20000"/>
+        </a:spcBef>
+        <a:spcAft>
+          <a:spcPct val="0"/>
+        </a:spcAft>
+        <a:buChar char="»"/>
+        <a:defRPr sz="2000">
+          <a:solidFill>
+            <a:srgbClr val="666666"/>
+          </a:solidFill>
+          <a:latin typeface="+mn-lt"/>
+        </a:defRPr>
+      </a:lvl8pPr>
+      <a:lvl9pPr marL="3886200" indent="-228600" algn="l" rtl="0" eaLnBrk="1" fontAlgn="base" hangingPunct="1">
+        <a:spcBef>
+          <a:spcPct val="20000"/>
+        </a:spcBef>
+        <a:spcAft>
+          <a:spcPct val="0"/>
+        </a:spcAft>
+        <a:buChar char="»"/>
+        <a:defRPr sz="2000">
+          <a:solidFill>
+            <a:srgbClr val="666666"/>
+          </a:solidFill>
+          <a:latin typeface="+mn-lt"/>
+        </a:defRPr>
+      </a:lvl9pPr>
+    </p:bodyStyle>
+    <p:otherStyle>
+      <a:defPPr>
+        <a:defRPr lang="en-US"/>
+      </a:defPPr>
+      <a:lvl1pPr marL="0" algn="l" defTabSz="914400" rtl="0" eaLnBrk="1" latinLnBrk="0" hangingPunct="1">
+        <a:defRPr sz="1800" kern="1200">
+          <a:solidFill>
+            <a:schemeClr val="tx1"/>
+          </a:solidFill>
+          <a:latin typeface="+mn-lt"/>
+          <a:ea typeface="+mn-ea"/>
+          <a:cs typeface="+mn-cs"/>
+        </a:defRPr>
+      </a:lvl1pPr>
+      <a:lvl2pPr marL="457200" algn="l" defTabSz="914400" rtl="0" eaLnBrk="1" latinLnBrk="0" hangingPunct="1">
+        <a:defRPr sz="1800" kern="1200">
+          <a:solidFill>
+            <a:schemeClr val="tx1"/>
+          </a:solidFill>
+          <a:latin typeface="+mn-lt"/>
+          <a:ea typeface="+mn-ea"/>
+          <a:cs typeface="+mn-cs"/>
+        </a:defRPr>
+      </a:lvl2pPr>
+      <a:lvl3pPr marL="914400" algn="l" defTabSz="914400" rtl="0" eaLnBrk="1" latinLnBrk="0" hangingPunct="1">
+        <a:defRPr sz="1800" kern="1200">
+          <a:solidFill>
+            <a:schemeClr val="tx1"/>
+          </a:solidFill>
+          <a:latin typeface="+mn-lt"/>
+          <a:ea typeface="+mn-ea"/>
+          <a:cs typeface="+mn-cs"/>
+        </a:defRPr>
+      </a:lvl3pPr>
+      <a:lvl4pPr marL="1371600" algn="l" defTabSz="914400" rtl="0" eaLnBrk="1" latinLnBrk="0" hangingPunct="1">
+        <a:defRPr sz="1800" kern="1200">
+          <a:solidFill>
+            <a:schemeClr val="tx1"/>
+          </a:solidFill>
+          <a:latin typeface="+mn-lt"/>
+          <a:ea typeface="+mn-ea"/>
+          <a:cs typeface="+mn-cs"/>
+        </a:defRPr>
+      </a:lvl4pPr>
+      <a:lvl5pPr marL="1828800" algn="l" defTabSz="914400" rtl="0" eaLnBrk="1" latinLnBrk="0" hangingPunct="1">
+        <a:defRPr sz="1800" kern="1200">
+          <a:solidFill>
+            <a:schemeClr val="tx1"/>
+          </a:solidFill>
+          <a:latin typeface="+mn-lt"/>
+          <a:ea typeface="+mn-ea"/>
+          <a:cs typeface="+mn-cs"/>
+        </a:defRPr>
+      </a:lvl5pPr>
+      <a:lvl6pPr marL="2286000" algn="l" defTabSz="914400" rtl="0" eaLnBrk="1" latinLnBrk="0" hangingPunct="1">
+        <a:defRPr sz="1800" kern="1200">
+          <a:solidFill>
+            <a:schemeClr val="tx1"/>
+          </a:solidFill>
+          <a:latin typeface="+mn-lt"/>
+          <a:ea typeface="+mn-ea"/>
+          <a:cs typeface="+mn-cs"/>
+        </a:defRPr>
+      </a:lvl6pPr>
+      <a:lvl7pPr marL="2743200" algn="l" defTabSz="914400" rtl="0" eaLnBrk="1" latinLnBrk="0" hangingPunct="1">
+        <a:defRPr sz="1800" kern="1200">
+          <a:solidFill>
+            <a:schemeClr val="tx1"/>
+          </a:solidFill>
+          <a:latin typeface="+mn-lt"/>
+          <a:ea typeface="+mn-ea"/>
+          <a:cs typeface="+mn-cs"/>
+        </a:defRPr>
+      </a:lvl7pPr>
+      <a:lvl8pPr marL="3200400" algn="l" defTabSz="914400" rtl="0" eaLnBrk="1" latinLnBrk="0" hangingPunct="1">
+        <a:defRPr sz="1800" kern="1200">
+          <a:solidFill>
+            <a:schemeClr val="tx1"/>
+          </a:solidFill>
+          <a:latin typeface="+mn-lt"/>
+          <a:ea typeface="+mn-ea"/>
+          <a:cs typeface="+mn-cs"/>
+        </a:defRPr>
+      </a:lvl8pPr>
+      <a:lvl9pPr marL="3657600" algn="l" defTabSz="914400" rtl="0" eaLnBrk="1" latinLnBrk="0" hangingPunct="1">
+        <a:defRPr sz="1800" kern="1200">
+          <a:solidFill>
+            <a:schemeClr val="tx1"/>
+          </a:solidFill>
+          <a:latin typeface="+mn-lt"/>
+          <a:ea typeface="+mn-ea"/>
+          <a:cs typeface="+mn-cs"/>
+        </a:defRPr>
+      </a:lvl9pPr>
+    </p:otherStyle>
+  </p:txStyles>
+</p:sldMaster>
+</file>
+
+<file path=ppt/slides/slide1.xml><?xml version="1.0" encoding="utf-8"?>
+<p:sld xmlns:a="http://schemas.openxmlformats.org/drawingml/2006/main" xmlns:r="http://schemas.openxmlformats.org/officeDocument/2006/relationships" xmlns:p="http://schemas.openxmlformats.org/presentationml/2006/main">
+  <p:cSld>
+    <p:spTree>
+      <p:nvGrpSpPr>
+        <p:cNvPr id="1" name=""/>
+        <p:cNvGrpSpPr/>
+        <p:nvPr/>
+      </p:nvGrpSpPr>
+      <p:grpSpPr>
+        <a:xfrm>
+          <a:off x="0" y="0"/>
+          <a:ext cx="0" cy="0"/>
+          <a:chOff x="0" y="0"/>
+          <a:chExt cx="0" cy="0"/>
+        </a:xfrm>
+      </p:grpSpPr>
+      <p:sp>
+        <p:nvSpPr>
+          <p:cNvPr id="2" name="Title 1"/>
+          <p:cNvSpPr>
+            <a:spLocks noGrp="1"/>
+          </p:cNvSpPr>
+          <p:nvPr>
+            <p:ph type="ctrTitle"/>
+          </p:nvPr>
+        </p:nvSpPr>
+        <p:spPr/>
+        <p:txBody>
+          <a:bodyPr/>
+          <a:lstStyle/>
+          <a:p>
+            <a:r>
+              <a:rPr lang="en-US" dirty="0" smtClean="0"/>
+              <a:t>Game Framework Overview</a:t>
+            </a:r>
+            <a:endParaRPr lang="en-US" dirty="0"/>
+          </a:p>
+        </p:txBody>
+      </p:sp>
+      <p:sp>
+        <p:nvSpPr>
+          <p:cNvPr id="3" name="Subtitle 2"/>
+          <p:cNvSpPr>
+            <a:spLocks noGrp="1"/>
+          </p:cNvSpPr>
+          <p:nvPr>
+            <p:ph type="subTitle" idx="1"/>
+          </p:nvPr>
+        </p:nvSpPr>
+        <p:spPr>
+          <a:xfrm>
+            <a:off x="4419600" y="6400800"/>
+            <a:ext cx="5616575" cy="649288"/>
+          </a:xfrm>
+        </p:spPr>
+        <p:txBody>
+          <a:bodyPr/>
+          <a:lstStyle/>
+          <a:p>
+            <a:r>
+              <a:rPr lang="en-US" b="1" dirty="0" smtClean="0"/>
+              <a:t>Presenter:</a:t>
+            </a:r>
+            <a:r>
+              <a:rPr lang="en-US" dirty="0" smtClean="0"/>
+              <a:t> Muhammad Safee Ullah</a:t>
+            </a:r>
+            <a:endParaRPr lang="en-US" b="1" dirty="0"/>
+          </a:p>
+        </p:txBody>
+      </p:sp>
+    </p:spTree>
+    <p:extLst>
+      <p:ext uri="{BB962C8B-B14F-4D97-AF65-F5344CB8AC3E}">
+        <p14:creationId xmlns:p14="http://schemas.microsoft.com/office/powerpoint/2010/main" val="4262754929"/>
+      </p:ext>
+    </p:extLst>
+  </p:cSld>
+  <p:clrMapOvr>
+    <a:masterClrMapping/>
+  </p:clrMapOvr>
+  <mc:AlternateContent xmlns:mc="http://schemas.openxmlformats.org/markup-compatibility/2006">
+    <mc:Choice xmlns:p14="http://schemas.microsoft.com/office/powerpoint/2010/main" Requires="p14">
+      <p:transition spd="slow" p14:dur="4000">
+        <p14:vortex dir="r"/>
+      </p:transition>
+    </mc:Choice>
+    <mc:Fallback>
+      <p:transition spd="slow">
+        <p:fade/>
+      </p:transition>
+    </mc:Fallback>
+  </mc:AlternateContent>
+  <p:timing>
+    <p:tnLst>
+      <p:par>
+        <p:cTn id="1" dur="indefinite" restart="never" nodeType="tmRoot"/>
+      </p:par>
+    </p:tnLst>
+  </p:timing>
+</p:sld>
+</file>
+
+<file path=ppt/slides/slide2.xml><?xml version="1.0" encoding="utf-8"?>
+<p:sld xmlns:a="http://schemas.openxmlformats.org/drawingml/2006/main" xmlns:r="http://schemas.openxmlformats.org/officeDocument/2006/relationships" xmlns:p="http://schemas.openxmlformats.org/presentationml/2006/main">
+  <p:cSld>
+    <p:spTree>
+      <p:nvGrpSpPr>
+        <p:cNvPr id="1" name=""/>
+        <p:cNvGrpSpPr/>
+        <p:nvPr/>
+      </p:nvGrpSpPr>
+      <p:grpSpPr>
+        <a:xfrm>
+          <a:off x="0" y="0"/>
+          <a:ext cx="0" cy="0"/>
+          <a:chOff x="0" y="0"/>
+          <a:chExt cx="0" cy="0"/>
+        </a:xfrm>
+      </p:grpSpPr>
+      <p:sp>
+        <p:nvSpPr>
+          <p:cNvPr id="4" name="Title 3"/>
+          <p:cNvSpPr>
+            <a:spLocks noGrp="1"/>
+          </p:cNvSpPr>
+          <p:nvPr>
+            <p:ph type="title"/>
+          </p:nvPr>
+        </p:nvSpPr>
+        <p:spPr/>
+        <p:txBody>
+          <a:bodyPr/>
+          <a:lstStyle/>
+          <a:p>
+            <a:r>
+              <a:rPr lang="en-US" dirty="0" smtClean="0"/>
+              <a:t>Topics:</a:t>
+            </a:r>
+            <a:endParaRPr lang="en-US" dirty="0"/>
+          </a:p>
+        </p:txBody>
+      </p:sp>
+      <p:sp>
+        <p:nvSpPr>
+          <p:cNvPr id="5" name="Content Placeholder 4"/>
+          <p:cNvSpPr>
+            <a:spLocks noGrp="1"/>
+          </p:cNvSpPr>
+          <p:nvPr>
+            <p:ph idx="1"/>
+          </p:nvPr>
+        </p:nvSpPr>
+        <p:spPr/>
+        <p:txBody>
+          <a:bodyPr/>
+          <a:lstStyle/>
+          <a:p>
+            <a:r>
+              <a:rPr lang="en-US" dirty="0" smtClean="0"/>
+              <a:t>Classes used and why</a:t>
+            </a:r>
+          </a:p>
+          <a:p>
+            <a:pPr lvl="1"/>
+            <a:r>
+              <a:rPr lang="en-US" dirty="0" smtClean="0"/>
+              <a:t>Base Classes and their responsibilities</a:t>
+            </a:r>
+          </a:p>
+          <a:p>
+            <a:pPr lvl="2"/>
+            <a:r>
+              <a:rPr lang="en-US" dirty="0" smtClean="0"/>
+              <a:t>Game class</a:t>
+            </a:r>
+          </a:p>
+          <a:p>
+            <a:pPr lvl="2"/>
+            <a:r>
+              <a:rPr lang="en-US" dirty="0" smtClean="0"/>
+              <a:t>GameObject class</a:t>
+            </a:r>
+          </a:p>
+          <a:p>
+            <a:pPr lvl="2"/>
+            <a:r>
+              <a:rPr lang="en-US" dirty="0" smtClean="0"/>
+              <a:t>Movement class</a:t>
+            </a:r>
+          </a:p>
+          <a:p>
+            <a:pPr lvl="2"/>
+            <a:r>
+              <a:rPr lang="en-US" dirty="0" smtClean="0"/>
+              <a:t>CollisionDetector class</a:t>
+            </a:r>
+          </a:p>
+          <a:p>
+            <a:pPr lvl="2"/>
+            <a:r>
+              <a:rPr lang="en-US" dirty="0" smtClean="0"/>
+              <a:t>TileGrid Class</a:t>
+            </a:r>
+            <a:endParaRPr lang="en-US" dirty="0"/>
+          </a:p>
+          <a:p>
+            <a:pPr lvl="1"/>
+            <a:r>
+              <a:rPr lang="en-US" dirty="0" smtClean="0"/>
+              <a:t>Extra Classes:</a:t>
+            </a:r>
+          </a:p>
+          <a:p>
+            <a:pPr lvl="2"/>
+            <a:r>
+              <a:rPr lang="en-US" dirty="0" smtClean="0"/>
+              <a:t>PhysicComponent class</a:t>
+            </a:r>
+          </a:p>
+          <a:p>
+            <a:pPr lvl="2"/>
+            <a:r>
+              <a:rPr lang="en-US" dirty="0" smtClean="0"/>
+              <a:t>Factory Pattern and Factory classes</a:t>
+            </a:r>
+          </a:p>
+          <a:p>
+            <a:pPr lvl="2"/>
+            <a:r>
+              <a:rPr lang="en-US" dirty="0" smtClean="0"/>
+              <a:t>Movement Factory with Object Pool</a:t>
+            </a:r>
+          </a:p>
+          <a:p>
+            <a:endParaRPr lang="en-US" dirty="0"/>
+          </a:p>
+        </p:txBody>
+      </p:sp>
+    </p:spTree>
+    <p:extLst>
+      <p:ext uri="{BB962C8B-B14F-4D97-AF65-F5344CB8AC3E}">
+        <p14:creationId xmlns:p14="http://schemas.microsoft.com/office/powerpoint/2010/main" val="449530015"/>
+      </p:ext>
+    </p:extLst>
+  </p:cSld>
+  <p:clrMapOvr>
+    <a:masterClrMapping/>
+  </p:clrMapOvr>
+  <p:transition spd="slow">
+    <p:push dir="u"/>
+  </p:transition>
+  <p:timing>
+    <p:tnLst>
+      <p:par>
+        <p:cTn id="1" dur="indefinite" restart="never" nodeType="tmRoot"/>
+      </p:par>
+    </p:tnLst>
+  </p:timing>
+</p:sld>
+</file>
+
+<file path=ppt/slides/slide3.xml><?xml version="1.0" encoding="utf-8"?>
+<p:sld xmlns:a="http://schemas.openxmlformats.org/drawingml/2006/main" xmlns:r="http://schemas.openxmlformats.org/officeDocument/2006/relationships" xmlns:p="http://schemas.openxmlformats.org/presentationml/2006/main">
+  <p:cSld>
+    <p:spTree>
+      <p:nvGrpSpPr>
+        <p:cNvPr id="1" name=""/>
+        <p:cNvGrpSpPr/>
+        <p:nvPr/>
+      </p:nvGrpSpPr>
+      <p:grpSpPr>
+        <a:xfrm>
+          <a:off x="0" y="0"/>
+          <a:ext cx="0" cy="0"/>
+          <a:chOff x="0" y="0"/>
+          <a:chExt cx="0" cy="0"/>
+        </a:xfrm>
+      </p:grpSpPr>
+      <p:sp>
+        <p:nvSpPr>
+          <p:cNvPr id="5" name="Isosceles Triangle 4"/>
+          <p:cNvSpPr/>
+          <p:nvPr/>
+        </p:nvSpPr>
+        <p:spPr>
+          <a:xfrm>
+            <a:off x="2590800" y="1874918"/>
+            <a:ext cx="4691743" cy="4373481"/>
+          </a:xfrm>
+          <a:prstGeom prst="triangle">
+            <a:avLst>
+              <a:gd name="adj" fmla="val 50295"/>
+            </a:avLst>
+          </a:prstGeom>
+          <a:solidFill>
+            <a:srgbClr val="0DE517"/>
+          </a:solidFill>
+        </p:spPr>
+        <p:style>
+          <a:lnRef idx="2">
+            <a:schemeClr val="accent1">
+              <a:shade val="50000"/>
+            </a:schemeClr>
+          </a:lnRef>
+          <a:fillRef idx="1">
+            <a:schemeClr val="accent1"/>
+          </a:fillRef>
+          <a:effectRef idx="0">
+            <a:schemeClr val="accent1"/>
+          </a:effectRef>
+          <a:fontRef idx="minor">
+            <a:schemeClr val="lt1"/>
+          </a:fontRef>
+        </p:style>
+        <p:txBody>
+          <a:bodyPr rtlCol="0" anchor="ctr"/>
+          <a:lstStyle/>
+          <a:p>
+            <a:pPr algn="ctr"/>
+            <a:endParaRPr lang="en-US" dirty="0"/>
+          </a:p>
+        </p:txBody>
+      </p:sp>
+      <p:sp>
+        <p:nvSpPr>
+          <p:cNvPr id="2" name="Title 1"/>
+          <p:cNvSpPr>
+            <a:spLocks noGrp="1"/>
+          </p:cNvSpPr>
+          <p:nvPr>
+            <p:ph type="title"/>
+          </p:nvPr>
+        </p:nvSpPr>
+        <p:spPr/>
+        <p:txBody>
+          <a:bodyPr/>
+          <a:lstStyle/>
+          <a:p>
+            <a:r>
+              <a:rPr lang="en-US" dirty="0" smtClean="0"/>
+              <a:t>Visualization of an Object:</a:t>
+            </a:r>
+            <a:endParaRPr lang="en-US" dirty="0"/>
+          </a:p>
+        </p:txBody>
+      </p:sp>
+      <p:sp>
+        <p:nvSpPr>
+          <p:cNvPr id="4" name="Oval 3"/>
+          <p:cNvSpPr/>
+          <p:nvPr/>
+        </p:nvSpPr>
+        <p:spPr>
+          <a:xfrm>
+            <a:off x="4608861" y="4965938"/>
+            <a:ext cx="655618" cy="609600"/>
+          </a:xfrm>
+          <a:prstGeom prst="ellipse">
+            <a:avLst/>
+          </a:prstGeom>
+          <a:solidFill>
+            <a:schemeClr val="tx2">
+              <a:lumMod val="95000"/>
+              <a:lumOff val="5000"/>
+            </a:schemeClr>
+          </a:solidFill>
+        </p:spPr>
+        <p:style>
+          <a:lnRef idx="2">
+            <a:schemeClr val="accent1">
+              <a:shade val="50000"/>
+            </a:schemeClr>
+          </a:lnRef>
+          <a:fillRef idx="1">
+            <a:schemeClr val="accent1"/>
+          </a:fillRef>
+          <a:effectRef idx="0">
+            <a:schemeClr val="accent1"/>
+          </a:effectRef>
+          <a:fontRef idx="minor">
+            <a:schemeClr val="lt1"/>
+          </a:fontRef>
+        </p:style>
+        <p:txBody>
+          <a:bodyPr rtlCol="0" anchor="ctr"/>
+          <a:lstStyle/>
+          <a:p>
+            <a:pPr algn="ctr"/>
+            <a:endParaRPr lang="en-US" dirty="0"/>
+          </a:p>
+        </p:txBody>
+      </p:sp>
+      <p:sp>
+        <p:nvSpPr>
+          <p:cNvPr id="6" name="Rounded Rectangle 5"/>
+          <p:cNvSpPr/>
+          <p:nvPr/>
+        </p:nvSpPr>
+        <p:spPr>
+          <a:xfrm>
+            <a:off x="4556660" y="3903424"/>
+            <a:ext cx="760021" cy="685800"/>
+          </a:xfrm>
+          <a:prstGeom prst="roundRect">
+            <a:avLst/>
+          </a:prstGeom>
+          <a:solidFill>
+            <a:schemeClr val="tx2">
+              <a:lumMod val="95000"/>
+              <a:lumOff val="5000"/>
+            </a:schemeClr>
+          </a:solidFill>
+        </p:spPr>
+        <p:style>
+          <a:lnRef idx="2">
+            <a:schemeClr val="accent1">
+              <a:shade val="50000"/>
+            </a:schemeClr>
+          </a:lnRef>
+          <a:fillRef idx="1">
+            <a:schemeClr val="accent1"/>
+          </a:fillRef>
+          <a:effectRef idx="0">
+            <a:schemeClr val="accent1"/>
+          </a:effectRef>
+          <a:fontRef idx="minor">
+            <a:schemeClr val="lt1"/>
+          </a:fontRef>
+        </p:style>
+        <p:txBody>
+          <a:bodyPr rtlCol="0" anchor="ctr"/>
+          <a:lstStyle/>
+          <a:p>
+            <a:pPr algn="ctr"/>
+            <a:endParaRPr lang="en-US" dirty="0"/>
+          </a:p>
+        </p:txBody>
+      </p:sp>
+      <p:sp>
+        <p:nvSpPr>
+          <p:cNvPr id="7" name="Rounded Rectangle 6"/>
+          <p:cNvSpPr/>
+          <p:nvPr/>
+        </p:nvSpPr>
+        <p:spPr>
+          <a:xfrm>
+            <a:off x="4617407" y="3903424"/>
+            <a:ext cx="730829" cy="694823"/>
+          </a:xfrm>
+          <a:prstGeom prst="roundRect">
+            <a:avLst/>
+          </a:prstGeom>
+          <a:solidFill>
+            <a:srgbClr val="0DE517"/>
+          </a:solidFill>
+        </p:spPr>
+        <p:style>
+          <a:lnRef idx="2">
+            <a:schemeClr val="accent1">
+              <a:shade val="50000"/>
+            </a:schemeClr>
+          </a:lnRef>
+          <a:fillRef idx="1">
+            <a:schemeClr val="accent1"/>
+          </a:fillRef>
+          <a:effectRef idx="0">
+            <a:schemeClr val="accent1"/>
+          </a:effectRef>
+          <a:fontRef idx="minor">
+            <a:schemeClr val="lt1"/>
+          </a:fontRef>
+        </p:style>
+        <p:txBody>
+          <a:bodyPr rtlCol="0" anchor="ctr"/>
+          <a:lstStyle/>
+          <a:p>
+            <a:pPr algn="ctr"/>
+            <a:endParaRPr lang="en-US" dirty="0"/>
+          </a:p>
+        </p:txBody>
+      </p:sp>
+      <p:sp>
+        <p:nvSpPr>
+          <p:cNvPr id="8" name="Oval 7"/>
+          <p:cNvSpPr/>
+          <p:nvPr/>
+        </p:nvSpPr>
+        <p:spPr>
+          <a:xfrm>
+            <a:off x="4738636" y="4965938"/>
+            <a:ext cx="609600" cy="609600"/>
+          </a:xfrm>
+          <a:prstGeom prst="ellipse">
+            <a:avLst/>
+          </a:prstGeom>
+          <a:solidFill>
+            <a:srgbClr val="0DE517"/>
+          </a:solidFill>
+        </p:spPr>
+        <p:style>
+          <a:lnRef idx="2">
+            <a:schemeClr val="accent1">
+              <a:shade val="50000"/>
+            </a:schemeClr>
+          </a:lnRef>
+          <a:fillRef idx="1">
+            <a:schemeClr val="accent1"/>
+          </a:fillRef>
+          <a:effectRef idx="0">
+            <a:schemeClr val="accent1"/>
+          </a:effectRef>
+          <a:fontRef idx="minor">
+            <a:schemeClr val="lt1"/>
+          </a:fontRef>
+        </p:style>
+        <p:txBody>
+          <a:bodyPr rtlCol="0" anchor="ctr"/>
+          <a:lstStyle/>
+          <a:p>
+            <a:pPr algn="ctr"/>
+            <a:endParaRPr lang="en-US" dirty="0"/>
+          </a:p>
+        </p:txBody>
+      </p:sp>
+      <p:sp>
+        <p:nvSpPr>
+          <p:cNvPr id="9" name="TextBox 8"/>
+          <p:cNvSpPr txBox="1"/>
+          <p:nvPr/>
+        </p:nvSpPr>
+        <p:spPr>
+          <a:xfrm>
+            <a:off x="3137515" y="5466345"/>
+            <a:ext cx="1479892" cy="369332"/>
+          </a:xfrm>
+          <a:prstGeom prst="rect">
+            <a:avLst/>
+          </a:prstGeom>
+          <a:noFill/>
+        </p:spPr>
+        <p:txBody>
+          <a:bodyPr wrap="none" rtlCol="0">
+            <a:spAutoFit/>
+          </a:bodyPr>
+          <a:lstStyle/>
+          <a:p>
+            <a:r>
+              <a:rPr lang="en-US" dirty="0" smtClean="0"/>
+              <a:t>GameObject</a:t>
+            </a:r>
+            <a:endParaRPr lang="en-US" dirty="0"/>
+          </a:p>
+        </p:txBody>
+      </p:sp>
+      <p:sp>
+        <p:nvSpPr>
+          <p:cNvPr id="10" name="TextBox 9"/>
+          <p:cNvSpPr txBox="1"/>
+          <p:nvPr/>
+        </p:nvSpPr>
+        <p:spPr>
+          <a:xfrm>
+            <a:off x="7620000" y="2362200"/>
+            <a:ext cx="1261884" cy="369332"/>
+          </a:xfrm>
+          <a:prstGeom prst="rect">
+            <a:avLst/>
+          </a:prstGeom>
+          <a:noFill/>
+        </p:spPr>
+        <p:txBody>
+          <a:bodyPr wrap="none" rtlCol="0">
+            <a:spAutoFit/>
+          </a:bodyPr>
+          <a:lstStyle/>
+          <a:p>
+            <a:r>
+              <a:rPr lang="en-US" dirty="0" smtClean="0"/>
+              <a:t>Movement</a:t>
+            </a:r>
+            <a:endParaRPr lang="en-US" dirty="0"/>
+          </a:p>
+        </p:txBody>
+      </p:sp>
+      <p:sp>
+        <p:nvSpPr>
+          <p:cNvPr id="11" name="TextBox 10"/>
+          <p:cNvSpPr txBox="1"/>
+          <p:nvPr/>
+        </p:nvSpPr>
+        <p:spPr>
+          <a:xfrm>
+            <a:off x="7741229" y="4061658"/>
+            <a:ext cx="825867" cy="369332"/>
+          </a:xfrm>
+          <a:prstGeom prst="rect">
+            <a:avLst/>
+          </a:prstGeom>
+          <a:noFill/>
+        </p:spPr>
+        <p:txBody>
+          <a:bodyPr wrap="none" rtlCol="0">
+            <a:spAutoFit/>
+          </a:bodyPr>
+          <a:lstStyle/>
+          <a:p>
+            <a:r>
+              <a:rPr lang="en-US" dirty="0" smtClean="0"/>
+              <a:t>Image</a:t>
+            </a:r>
+            <a:endParaRPr lang="en-US" dirty="0"/>
+          </a:p>
+        </p:txBody>
+      </p:sp>
+    </p:spTree>
+    <p:extLst>
+      <p:ext uri="{BB962C8B-B14F-4D97-AF65-F5344CB8AC3E}">
+        <p14:creationId xmlns:p14="http://schemas.microsoft.com/office/powerpoint/2010/main" val="2090168147"/>
+      </p:ext>
+    </p:extLst>
+  </p:cSld>
+  <p:clrMapOvr>
+    <a:masterClrMapping/>
+  </p:clrMapOvr>
+  <p:timing>
+    <p:tnLst>
+      <p:par>
+        <p:cTn id="1" dur="indefinite" restart="never" nodeType="tmRoot"/>
+      </p:par>
+    </p:tnLst>
+  </p:timing>
+</p:sld>
+</file>
+
+<file path=ppt/slides/slide4.xml><?xml version="1.0" encoding="utf-8"?>
+<p:sld xmlns:a="http://schemas.openxmlformats.org/drawingml/2006/main" xmlns:r="http://schemas.openxmlformats.org/officeDocument/2006/relationships" xmlns:p="http://schemas.openxmlformats.org/presentationml/2006/main">
+  <p:cSld>
+    <p:spTree>
+      <p:nvGrpSpPr>
+        <p:cNvPr id="1" name=""/>
+        <p:cNvGrpSpPr/>
+        <p:nvPr/>
+      </p:nvGrpSpPr>
+      <p:grpSpPr>
+        <a:xfrm>
+          <a:off x="0" y="0"/>
+          <a:ext cx="0" cy="0"/>
+          <a:chOff x="0" y="0"/>
+          <a:chExt cx="0" cy="0"/>
+        </a:xfrm>
+      </p:grpSpPr>
+      <p:sp>
+        <p:nvSpPr>
+          <p:cNvPr id="5" name="Rectangle 4"/>
+          <p:cNvSpPr/>
+          <p:nvPr/>
+        </p:nvSpPr>
+        <p:spPr bwMode="auto">
+          <a:xfrm>
+            <a:off x="1828800" y="4572000"/>
+            <a:ext cx="7162800" cy="2133600"/>
+          </a:xfrm>
+          <a:prstGeom prst="rect">
+            <a:avLst/>
+          </a:prstGeom>
+          <a:solidFill>
+            <a:schemeClr val="accent1"/>
+          </a:solidFill>
+          <a:ln w="9525" cap="flat" cmpd="sng" algn="ctr">
+            <a:solidFill>
+              <a:schemeClr val="tx1"/>
+            </a:solidFill>
+            <a:prstDash val="solid"/>
+            <a:round/>
+            <a:headEnd type="none" w="med" len="med"/>
+            <a:tailEnd type="none" w="med" len="med"/>
+          </a:ln>
+          <a:effectLst/>
+          <a:extLst>
+            <a:ext uri="{AF507438-7753-43E0-B8FC-AC1667EBCBE1}">
+              <a14:hiddenEffects xmlns:a14="http://schemas.microsoft.com/office/drawing/2010/main">
+                <a:effectLst>
+                  <a:outerShdw dist="35921" dir="2700000" algn="ctr" rotWithShape="0">
+                    <a:schemeClr val="bg2"/>
+                  </a:outerShdw>
+                </a:effectLst>
+              </a14:hiddenEffects>
+            </a:ext>
+          </a:extLst>
+        </p:spPr>
+        <p:txBody>
+          <a:bodyPr vert="horz" wrap="square" lIns="91440" tIns="45720" rIns="91440" bIns="45720" numCol="1" rtlCol="0" anchor="t" anchorCtr="0" compatLnSpc="1">
+            <a:prstTxWarp prst="textNoShape">
+              <a:avLst/>
+            </a:prstTxWarp>
+          </a:bodyPr>
+          <a:lstStyle/>
+          <a:p>
+            <a:pPr marL="0" marR="0" indent="0" algn="l" defTabSz="914400" rtl="0" eaLnBrk="1" fontAlgn="base" latinLnBrk="0" hangingPunct="1">
+              <a:lnSpc>
+                <a:spcPct val="100000"/>
+              </a:lnSpc>
+              <a:spcBef>
+                <a:spcPct val="0"/>
+              </a:spcBef>
+              <a:spcAft>
+                <a:spcPct val="0"/>
+              </a:spcAft>
+              <a:buClrTx/>
+              <a:buSzTx/>
+              <a:buFontTx/>
+              <a:buNone/>
+              <a:tabLst/>
+            </a:pPr>
+            <a:endParaRPr kumimoji="0" lang="en-US" sz="1800" b="1" i="0" u="none" strike="noStrike" cap="none" normalizeH="0" baseline="0" smtClean="0">
+              <a:ln>
+                <a:noFill/>
+              </a:ln>
+              <a:solidFill>
+                <a:schemeClr val="tx1"/>
+              </a:solidFill>
+              <a:effectLst/>
+              <a:latin typeface="Arial" charset="0"/>
+            </a:endParaRPr>
+          </a:p>
+        </p:txBody>
+      </p:sp>
+      <p:sp>
+        <p:nvSpPr>
+          <p:cNvPr id="2" name="Title 1"/>
+          <p:cNvSpPr>
+            <a:spLocks noGrp="1"/>
+          </p:cNvSpPr>
+          <p:nvPr>
+            <p:ph type="title"/>
+          </p:nvPr>
+        </p:nvSpPr>
+        <p:spPr/>
+        <p:txBody>
+          <a:bodyPr/>
+          <a:lstStyle/>
+          <a:p>
+            <a:r>
+              <a:rPr lang="en-US" dirty="0" smtClean="0"/>
+              <a:t>Collision Detector:</a:t>
+            </a:r>
+            <a:endParaRPr lang="en-US" dirty="0"/>
+          </a:p>
+        </p:txBody>
+      </p:sp>
+      <p:sp>
+        <p:nvSpPr>
+          <p:cNvPr id="4" name="Rectangle 3"/>
+          <p:cNvSpPr/>
+          <p:nvPr/>
+        </p:nvSpPr>
+        <p:spPr bwMode="auto">
+          <a:xfrm>
+            <a:off x="2209800" y="5867400"/>
+            <a:ext cx="3158836" cy="381000"/>
+          </a:xfrm>
+          <a:prstGeom prst="rect">
+            <a:avLst/>
+          </a:prstGeom>
+          <a:solidFill>
+            <a:srgbClr val="92D050"/>
+          </a:solidFill>
+          <a:ln w="9525" cap="flat" cmpd="sng" algn="ctr">
+            <a:solidFill>
+              <a:schemeClr val="tx1"/>
+            </a:solidFill>
+            <a:prstDash val="solid"/>
+            <a:round/>
+            <a:headEnd type="none" w="med" len="med"/>
+            <a:tailEnd type="none" w="med" len="med"/>
+          </a:ln>
+          <a:effectLst/>
+          <a:extLst/>
+        </p:spPr>
+        <p:txBody>
+          <a:bodyPr vert="horz" wrap="square" lIns="91440" tIns="45720" rIns="91440" bIns="45720" numCol="1" rtlCol="0" anchor="t" anchorCtr="0" compatLnSpc="1">
+            <a:prstTxWarp prst="textNoShape">
+              <a:avLst/>
+            </a:prstTxWarp>
+          </a:bodyPr>
+          <a:lstStyle/>
+          <a:p>
+            <a:pPr marL="0" marR="0" indent="0" algn="l" defTabSz="914400" rtl="0" eaLnBrk="1" fontAlgn="base" latinLnBrk="0" hangingPunct="1">
+              <a:lnSpc>
+                <a:spcPct val="100000"/>
+              </a:lnSpc>
+              <a:spcBef>
+                <a:spcPct val="0"/>
+              </a:spcBef>
+              <a:spcAft>
+                <a:spcPct val="0"/>
+              </a:spcAft>
+              <a:buClrTx/>
+              <a:buSzTx/>
+              <a:buFontTx/>
+              <a:buNone/>
+              <a:tabLst/>
+            </a:pPr>
+            <a:endParaRPr kumimoji="0" lang="en-US" sz="1800" b="1" i="0" u="none" strike="noStrike" cap="none" normalizeH="0" baseline="0" smtClean="0">
+              <a:ln>
+                <a:noFill/>
+              </a:ln>
+              <a:solidFill>
+                <a:schemeClr val="tx1"/>
+              </a:solidFill>
+              <a:effectLst/>
+              <a:latin typeface="Arial" charset="0"/>
+            </a:endParaRPr>
+          </a:p>
+        </p:txBody>
+      </p:sp>
+      <p:sp>
+        <p:nvSpPr>
+          <p:cNvPr id="20" name="Rectangle 19"/>
+          <p:cNvSpPr/>
+          <p:nvPr/>
+        </p:nvSpPr>
+        <p:spPr bwMode="auto">
+          <a:xfrm>
+            <a:off x="2133600" y="1676400"/>
+            <a:ext cx="6629400" cy="2743200"/>
+          </a:xfrm>
+          <a:prstGeom prst="rect">
+            <a:avLst/>
+          </a:prstGeom>
+          <a:solidFill>
+            <a:schemeClr val="accent1">
+              <a:lumMod val="75000"/>
+            </a:schemeClr>
+          </a:solidFill>
+          <a:ln w="9525" cap="flat" cmpd="sng" algn="ctr">
+            <a:solidFill>
+              <a:schemeClr val="tx1"/>
+            </a:solidFill>
+            <a:prstDash val="solid"/>
+            <a:round/>
+            <a:headEnd type="none" w="med" len="med"/>
+            <a:tailEnd type="none" w="med" len="med"/>
+          </a:ln>
+          <a:effectLst/>
+          <a:extLst/>
+        </p:spPr>
+        <p:txBody>
+          <a:bodyPr vert="horz" wrap="square" lIns="91440" tIns="45720" rIns="91440" bIns="45720" numCol="1" rtlCol="0" anchor="t" anchorCtr="0" compatLnSpc="1">
+            <a:prstTxWarp prst="textNoShape">
+              <a:avLst/>
+            </a:prstTxWarp>
+          </a:bodyPr>
+          <a:lstStyle/>
+          <a:p>
+            <a:pPr marL="0" marR="0" indent="0" algn="l" defTabSz="914400" rtl="0" eaLnBrk="1" fontAlgn="base" latinLnBrk="0" hangingPunct="1">
+              <a:lnSpc>
+                <a:spcPct val="100000"/>
+              </a:lnSpc>
+              <a:spcBef>
+                <a:spcPct val="0"/>
+              </a:spcBef>
+              <a:spcAft>
+                <a:spcPct val="0"/>
+              </a:spcAft>
+              <a:buClrTx/>
+              <a:buSzTx/>
+              <a:buFontTx/>
+              <a:buNone/>
+              <a:tabLst/>
+            </a:pPr>
+            <a:endParaRPr kumimoji="0" lang="en-US" sz="1800" b="1" i="0" u="none" strike="noStrike" cap="none" normalizeH="0" baseline="0" dirty="0" smtClean="0">
+              <a:ln>
+                <a:noFill/>
+              </a:ln>
+              <a:solidFill>
+                <a:schemeClr val="tx1"/>
+              </a:solidFill>
+              <a:effectLst/>
+              <a:latin typeface="Arial" charset="0"/>
+            </a:endParaRPr>
+          </a:p>
+        </p:txBody>
+      </p:sp>
+      <p:sp>
+        <p:nvSpPr>
+          <p:cNvPr id="21" name="Oval 20"/>
+          <p:cNvSpPr/>
+          <p:nvPr/>
+        </p:nvSpPr>
+        <p:spPr bwMode="auto">
+          <a:xfrm>
+            <a:off x="2909152" y="1956955"/>
+            <a:ext cx="762000" cy="762000"/>
+          </a:xfrm>
+          <a:prstGeom prst="ellipse">
+            <a:avLst/>
+          </a:prstGeom>
+          <a:solidFill>
+            <a:schemeClr val="accent1"/>
+          </a:solidFill>
+          <a:ln w="9525" cap="flat" cmpd="sng" algn="ctr">
+            <a:solidFill>
+              <a:schemeClr val="tx1"/>
+            </a:solidFill>
+            <a:prstDash val="solid"/>
+            <a:round/>
+            <a:headEnd type="none" w="med" len="med"/>
+            <a:tailEnd type="none" w="med" len="med"/>
+          </a:ln>
+          <a:effectLst/>
+          <a:extLst>
+            <a:ext uri="{AF507438-7753-43E0-B8FC-AC1667EBCBE1}">
+              <a14:hiddenEffects xmlns:a14="http://schemas.microsoft.com/office/drawing/2010/main">
+                <a:effectLst>
+                  <a:outerShdw dist="35921" dir="2700000" algn="ctr" rotWithShape="0">
+                    <a:schemeClr val="bg2"/>
+                  </a:outerShdw>
+                </a:effectLst>
+              </a14:hiddenEffects>
+            </a:ext>
+          </a:extLst>
+        </p:spPr>
+        <p:txBody>
+          <a:bodyPr vert="horz" wrap="square" lIns="91440" tIns="45720" rIns="91440" bIns="45720" numCol="1" rtlCol="0" anchor="t" anchorCtr="0" compatLnSpc="1">
+            <a:prstTxWarp prst="textNoShape">
+              <a:avLst/>
+            </a:prstTxWarp>
+          </a:bodyPr>
+          <a:lstStyle/>
+          <a:p>
+            <a:pPr marL="0" marR="0" indent="0" algn="l" defTabSz="914400" rtl="0" eaLnBrk="1" fontAlgn="base" latinLnBrk="0" hangingPunct="1">
+              <a:lnSpc>
+                <a:spcPct val="100000"/>
+              </a:lnSpc>
+              <a:spcBef>
+                <a:spcPct val="0"/>
+              </a:spcBef>
+              <a:spcAft>
+                <a:spcPct val="0"/>
+              </a:spcAft>
+              <a:buClrTx/>
+              <a:buSzTx/>
+              <a:buFontTx/>
+              <a:buNone/>
+              <a:tabLst/>
+            </a:pPr>
+            <a:endParaRPr kumimoji="0" lang="en-US" sz="1800" b="1" i="0" u="none" strike="noStrike" cap="none" normalizeH="0" baseline="0" smtClean="0">
+              <a:ln>
+                <a:noFill/>
+              </a:ln>
+              <a:solidFill>
+                <a:schemeClr val="tx1"/>
+              </a:solidFill>
+              <a:effectLst/>
+              <a:latin typeface="Arial" charset="0"/>
+            </a:endParaRPr>
+          </a:p>
+        </p:txBody>
+      </p:sp>
+      <p:sp>
+        <p:nvSpPr>
+          <p:cNvPr id="22" name="Isosceles Triangle 21"/>
+          <p:cNvSpPr/>
+          <p:nvPr/>
+        </p:nvSpPr>
+        <p:spPr bwMode="auto">
+          <a:xfrm>
+            <a:off x="4069899" y="1884219"/>
+            <a:ext cx="990600" cy="914400"/>
+          </a:xfrm>
+          <a:prstGeom prst="triangle">
+            <a:avLst/>
+          </a:prstGeom>
+          <a:solidFill>
+            <a:schemeClr val="accent1"/>
+          </a:solidFill>
+          <a:ln w="9525" cap="flat" cmpd="sng" algn="ctr">
+            <a:solidFill>
+              <a:schemeClr val="tx1"/>
+            </a:solidFill>
+            <a:prstDash val="solid"/>
+            <a:round/>
+            <a:headEnd type="none" w="med" len="med"/>
+            <a:tailEnd type="none" w="med" len="med"/>
+          </a:ln>
+          <a:effectLst/>
+          <a:extLst>
+            <a:ext uri="{AF507438-7753-43E0-B8FC-AC1667EBCBE1}">
+              <a14:hiddenEffects xmlns:a14="http://schemas.microsoft.com/office/drawing/2010/main">
+                <a:effectLst>
+                  <a:outerShdw dist="35921" dir="2700000" algn="ctr" rotWithShape="0">
+                    <a:schemeClr val="bg2"/>
+                  </a:outerShdw>
+                </a:effectLst>
+              </a14:hiddenEffects>
+            </a:ext>
+          </a:extLst>
+        </p:spPr>
+        <p:txBody>
+          <a:bodyPr vert="horz" wrap="square" lIns="91440" tIns="45720" rIns="91440" bIns="45720" numCol="1" rtlCol="0" anchor="t" anchorCtr="0" compatLnSpc="1">
+            <a:prstTxWarp prst="textNoShape">
+              <a:avLst/>
+            </a:prstTxWarp>
+          </a:bodyPr>
+          <a:lstStyle/>
+          <a:p>
+            <a:pPr marL="0" marR="0" indent="0" algn="l" defTabSz="914400" rtl="0" eaLnBrk="1" fontAlgn="base" latinLnBrk="0" hangingPunct="1">
+              <a:lnSpc>
+                <a:spcPct val="100000"/>
+              </a:lnSpc>
+              <a:spcBef>
+                <a:spcPct val="0"/>
+              </a:spcBef>
+              <a:spcAft>
+                <a:spcPct val="0"/>
+              </a:spcAft>
+              <a:buClrTx/>
+              <a:buSzTx/>
+              <a:buFontTx/>
+              <a:buNone/>
+              <a:tabLst/>
+            </a:pPr>
+            <a:endParaRPr kumimoji="0" lang="en-US" sz="1800" b="1" i="0" u="none" strike="noStrike" cap="none" normalizeH="0" baseline="0" smtClean="0">
+              <a:ln>
+                <a:noFill/>
+              </a:ln>
+              <a:solidFill>
+                <a:schemeClr val="tx1"/>
+              </a:solidFill>
+              <a:effectLst/>
+              <a:latin typeface="Arial" charset="0"/>
+            </a:endParaRPr>
+          </a:p>
+        </p:txBody>
+      </p:sp>
+      <p:sp>
+        <p:nvSpPr>
+          <p:cNvPr id="23" name="Isosceles Triangle 22"/>
+          <p:cNvSpPr/>
+          <p:nvPr/>
+        </p:nvSpPr>
+        <p:spPr bwMode="auto">
+          <a:xfrm>
+            <a:off x="5410200" y="1960419"/>
+            <a:ext cx="990600" cy="838200"/>
+          </a:xfrm>
+          <a:prstGeom prst="triangle">
+            <a:avLst/>
+          </a:prstGeom>
+          <a:solidFill>
+            <a:schemeClr val="accent1"/>
+          </a:solidFill>
+          <a:ln w="9525" cap="flat" cmpd="sng" algn="ctr">
+            <a:solidFill>
+              <a:schemeClr val="tx1"/>
+            </a:solidFill>
+            <a:prstDash val="solid"/>
+            <a:round/>
+            <a:headEnd type="none" w="med" len="med"/>
+            <a:tailEnd type="none" w="med" len="med"/>
+          </a:ln>
+          <a:effectLst/>
+          <a:extLst>
+            <a:ext uri="{AF507438-7753-43E0-B8FC-AC1667EBCBE1}">
+              <a14:hiddenEffects xmlns:a14="http://schemas.microsoft.com/office/drawing/2010/main">
+                <a:effectLst>
+                  <a:outerShdw dist="35921" dir="2700000" algn="ctr" rotWithShape="0">
+                    <a:schemeClr val="bg2"/>
+                  </a:outerShdw>
+                </a:effectLst>
+              </a14:hiddenEffects>
+            </a:ext>
+          </a:extLst>
+        </p:spPr>
+        <p:txBody>
+          <a:bodyPr vert="horz" wrap="square" lIns="91440" tIns="45720" rIns="91440" bIns="45720" numCol="1" rtlCol="0" anchor="t" anchorCtr="0" compatLnSpc="1">
+            <a:prstTxWarp prst="textNoShape">
+              <a:avLst/>
+            </a:prstTxWarp>
+          </a:bodyPr>
+          <a:lstStyle/>
+          <a:p>
+            <a:pPr marL="0" marR="0" indent="0" algn="l" defTabSz="914400" rtl="0" eaLnBrk="1" fontAlgn="base" latinLnBrk="0" hangingPunct="1">
+              <a:lnSpc>
+                <a:spcPct val="100000"/>
+              </a:lnSpc>
+              <a:spcBef>
+                <a:spcPct val="0"/>
+              </a:spcBef>
+              <a:spcAft>
+                <a:spcPct val="0"/>
+              </a:spcAft>
+              <a:buClrTx/>
+              <a:buSzTx/>
+              <a:buFontTx/>
+              <a:buNone/>
+              <a:tabLst/>
+            </a:pPr>
+            <a:endParaRPr kumimoji="0" lang="en-US" sz="1800" b="1" i="0" u="none" strike="noStrike" cap="none" normalizeH="0" baseline="0" smtClean="0">
+              <a:ln>
+                <a:noFill/>
+              </a:ln>
+              <a:solidFill>
+                <a:schemeClr val="tx1"/>
+              </a:solidFill>
+              <a:effectLst/>
+              <a:latin typeface="Arial" charset="0"/>
+            </a:endParaRPr>
+          </a:p>
+        </p:txBody>
+      </p:sp>
+      <p:cxnSp>
+        <p:nvCxnSpPr>
+          <p:cNvPr id="27" name="Straight Arrow Connector 26"/>
+          <p:cNvCxnSpPr>
+            <a:stCxn id="39" idx="0"/>
+            <a:endCxn id="21" idx="4"/>
+          </p:cNvCxnSpPr>
+          <p:nvPr/>
+        </p:nvCxnSpPr>
+        <p:spPr bwMode="auto">
+          <a:xfrm flipV="1">
+            <a:off x="2526535" y="2718955"/>
+            <a:ext cx="763617" cy="3148445"/>
+          </a:xfrm>
+          <a:prstGeom prst="straightConnector1">
+            <a:avLst/>
+          </a:prstGeom>
+          <a:solidFill>
+            <a:schemeClr val="accent1"/>
+          </a:solidFill>
+          <a:ln w="9525" cap="flat" cmpd="sng" algn="ctr">
+            <a:solidFill>
+              <a:schemeClr val="tx1"/>
+            </a:solidFill>
+            <a:prstDash val="solid"/>
+            <a:round/>
+            <a:headEnd type="none" w="med" len="med"/>
+            <a:tailEnd type="arrow"/>
+          </a:ln>
+          <a:effectLst/>
+          <a:extLst>
+            <a:ext uri="{AF507438-7753-43E0-B8FC-AC1667EBCBE1}">
+              <a14:hiddenEffects xmlns:a14="http://schemas.microsoft.com/office/drawing/2010/main">
+                <a:effectLst>
+                  <a:outerShdw dist="35921" dir="2700000" algn="ctr" rotWithShape="0">
+                    <a:schemeClr val="bg2"/>
+                  </a:outerShdw>
+                </a:effectLst>
+              </a14:hiddenEffects>
+            </a:ext>
+          </a:extLst>
+        </p:spPr>
+      </p:cxnSp>
+      <p:cxnSp>
+        <p:nvCxnSpPr>
+          <p:cNvPr id="30" name="Straight Arrow Connector 29"/>
+          <p:cNvCxnSpPr>
+            <a:stCxn id="34" idx="0"/>
+            <a:endCxn id="22" idx="3"/>
+          </p:cNvCxnSpPr>
+          <p:nvPr/>
+        </p:nvCxnSpPr>
+        <p:spPr bwMode="auto">
+          <a:xfrm flipV="1">
+            <a:off x="3138890" y="2798619"/>
+            <a:ext cx="1426309" cy="3068781"/>
+          </a:xfrm>
+          <a:prstGeom prst="straightConnector1">
+            <a:avLst/>
+          </a:prstGeom>
+          <a:solidFill>
+            <a:schemeClr val="accent1"/>
+          </a:solidFill>
+          <a:ln w="9525" cap="flat" cmpd="sng" algn="ctr">
+            <a:solidFill>
+              <a:schemeClr val="tx1"/>
+            </a:solidFill>
+            <a:prstDash val="solid"/>
+            <a:round/>
+            <a:headEnd type="none" w="med" len="med"/>
+            <a:tailEnd type="arrow"/>
+          </a:ln>
+          <a:effectLst/>
+          <a:extLst>
+            <a:ext uri="{AF507438-7753-43E0-B8FC-AC1667EBCBE1}">
+              <a14:hiddenEffects xmlns:a14="http://schemas.microsoft.com/office/drawing/2010/main">
+                <a:effectLst>
+                  <a:outerShdw dist="35921" dir="2700000" algn="ctr" rotWithShape="0">
+                    <a:schemeClr val="bg2"/>
+                  </a:outerShdw>
+                </a:effectLst>
+              </a14:hiddenEffects>
+            </a:ext>
+          </a:extLst>
+        </p:spPr>
+      </p:cxnSp>
+      <p:cxnSp>
+        <p:nvCxnSpPr>
+          <p:cNvPr id="32" name="Straight Arrow Connector 31"/>
+          <p:cNvCxnSpPr>
+            <a:stCxn id="37" idx="0"/>
+            <a:endCxn id="23" idx="3"/>
+          </p:cNvCxnSpPr>
+          <p:nvPr/>
+        </p:nvCxnSpPr>
+        <p:spPr bwMode="auto">
+          <a:xfrm flipV="1">
+            <a:off x="3752204" y="2798619"/>
+            <a:ext cx="2153296" cy="3068781"/>
+          </a:xfrm>
+          <a:prstGeom prst="straightConnector1">
+            <a:avLst/>
+          </a:prstGeom>
+          <a:solidFill>
+            <a:schemeClr val="accent1"/>
+          </a:solidFill>
+          <a:ln w="9525" cap="flat" cmpd="sng" algn="ctr">
+            <a:solidFill>
+              <a:schemeClr val="tx1"/>
+            </a:solidFill>
+            <a:prstDash val="solid"/>
+            <a:round/>
+            <a:headEnd type="none" w="med" len="med"/>
+            <a:tailEnd type="arrow"/>
+          </a:ln>
+          <a:effectLst/>
+          <a:extLst>
+            <a:ext uri="{AF507438-7753-43E0-B8FC-AC1667EBCBE1}">
+              <a14:hiddenEffects xmlns:a14="http://schemas.microsoft.com/office/drawing/2010/main">
+                <a:effectLst>
+                  <a:outerShdw dist="35921" dir="2700000" algn="ctr" rotWithShape="0">
+                    <a:schemeClr val="bg2"/>
+                  </a:outerShdw>
+                </a:effectLst>
+              </a14:hiddenEffects>
+            </a:ext>
+          </a:extLst>
+        </p:spPr>
+      </p:cxnSp>
+      <p:sp>
+        <p:nvSpPr>
+          <p:cNvPr id="34" name="Rectangle 33"/>
+          <p:cNvSpPr/>
+          <p:nvPr/>
+        </p:nvSpPr>
+        <p:spPr bwMode="auto">
+          <a:xfrm>
+            <a:off x="2843270" y="5867400"/>
+            <a:ext cx="591239" cy="381000"/>
+          </a:xfrm>
+          <a:prstGeom prst="rect">
+            <a:avLst/>
+          </a:prstGeom>
+          <a:solidFill>
+            <a:srgbClr val="92D050"/>
+          </a:solidFill>
+          <a:ln w="9525" cap="flat" cmpd="sng" algn="ctr">
+            <a:solidFill>
+              <a:schemeClr val="tx1"/>
+            </a:solidFill>
+            <a:prstDash val="solid"/>
+            <a:round/>
+            <a:headEnd type="none" w="med" len="med"/>
+            <a:tailEnd type="none" w="med" len="med"/>
+          </a:ln>
+          <a:effectLst/>
+          <a:extLst/>
+        </p:spPr>
+        <p:txBody>
+          <a:bodyPr vert="horz" wrap="square" lIns="91440" tIns="45720" rIns="91440" bIns="45720" numCol="1" rtlCol="0" anchor="t" anchorCtr="0" compatLnSpc="1">
+            <a:prstTxWarp prst="textNoShape">
+              <a:avLst/>
+            </a:prstTxWarp>
+          </a:bodyPr>
+          <a:lstStyle/>
+          <a:p>
+            <a:pPr marL="0" marR="0" indent="0" algn="l" defTabSz="914400" rtl="0" eaLnBrk="1" fontAlgn="base" latinLnBrk="0" hangingPunct="1">
+              <a:lnSpc>
+                <a:spcPct val="100000"/>
+              </a:lnSpc>
+              <a:spcBef>
+                <a:spcPct val="0"/>
+              </a:spcBef>
+              <a:spcAft>
+                <a:spcPct val="0"/>
+              </a:spcAft>
+              <a:buClrTx/>
+              <a:buSzTx/>
+              <a:buFontTx/>
+              <a:buNone/>
+              <a:tabLst/>
+            </a:pPr>
+            <a:endParaRPr kumimoji="0" lang="en-US" sz="1800" b="1" i="0" u="none" strike="noStrike" cap="none" normalizeH="0" baseline="0" smtClean="0">
+              <a:ln>
+                <a:noFill/>
+              </a:ln>
+              <a:solidFill>
+                <a:schemeClr val="tx1"/>
+              </a:solidFill>
+              <a:effectLst/>
+              <a:latin typeface="Arial" charset="0"/>
+            </a:endParaRPr>
+          </a:p>
+        </p:txBody>
+      </p:sp>
+      <p:sp>
+        <p:nvSpPr>
+          <p:cNvPr id="37" name="Rectangle 36"/>
+          <p:cNvSpPr/>
+          <p:nvPr/>
+        </p:nvSpPr>
+        <p:spPr bwMode="auto">
+          <a:xfrm>
+            <a:off x="3434509" y="5867400"/>
+            <a:ext cx="635390" cy="381000"/>
+          </a:xfrm>
+          <a:prstGeom prst="rect">
+            <a:avLst/>
+          </a:prstGeom>
+          <a:solidFill>
+            <a:srgbClr val="92D050"/>
+          </a:solidFill>
+          <a:ln w="9525" cap="flat" cmpd="sng" algn="ctr">
+            <a:solidFill>
+              <a:schemeClr val="tx1"/>
+            </a:solidFill>
+            <a:prstDash val="solid"/>
+            <a:round/>
+            <a:headEnd type="none" w="med" len="med"/>
+            <a:tailEnd type="none" w="med" len="med"/>
+          </a:ln>
+          <a:effectLst/>
+          <a:extLst/>
+        </p:spPr>
+        <p:txBody>
+          <a:bodyPr vert="horz" wrap="square" lIns="91440" tIns="45720" rIns="91440" bIns="45720" numCol="1" rtlCol="0" anchor="t" anchorCtr="0" compatLnSpc="1">
+            <a:prstTxWarp prst="textNoShape">
+              <a:avLst/>
+            </a:prstTxWarp>
+          </a:bodyPr>
+          <a:lstStyle/>
+          <a:p>
+            <a:pPr marL="0" marR="0" indent="0" algn="l" defTabSz="914400" rtl="0" eaLnBrk="1" fontAlgn="base" latinLnBrk="0" hangingPunct="1">
+              <a:lnSpc>
+                <a:spcPct val="100000"/>
+              </a:lnSpc>
+              <a:spcBef>
+                <a:spcPct val="0"/>
+              </a:spcBef>
+              <a:spcAft>
+                <a:spcPct val="0"/>
+              </a:spcAft>
+              <a:buClrTx/>
+              <a:buSzTx/>
+              <a:buFontTx/>
+              <a:buNone/>
+              <a:tabLst/>
+            </a:pPr>
+            <a:endParaRPr kumimoji="0" lang="en-US" sz="1800" b="1" i="0" u="none" strike="noStrike" cap="none" normalizeH="0" baseline="0" smtClean="0">
+              <a:ln>
+                <a:noFill/>
+              </a:ln>
+              <a:solidFill>
+                <a:schemeClr val="tx1"/>
+              </a:solidFill>
+              <a:effectLst/>
+              <a:latin typeface="Arial" charset="0"/>
+            </a:endParaRPr>
+          </a:p>
+        </p:txBody>
+      </p:sp>
+      <p:sp>
+        <p:nvSpPr>
+          <p:cNvPr id="39" name="Rectangle 38"/>
+          <p:cNvSpPr/>
+          <p:nvPr/>
+        </p:nvSpPr>
+        <p:spPr bwMode="auto">
+          <a:xfrm>
+            <a:off x="2209800" y="5867400"/>
+            <a:ext cx="633470" cy="381000"/>
+          </a:xfrm>
+          <a:prstGeom prst="rect">
+            <a:avLst/>
+          </a:prstGeom>
+          <a:solidFill>
+            <a:srgbClr val="92D050"/>
+          </a:solidFill>
+          <a:ln w="9525" cap="flat" cmpd="sng" algn="ctr">
+            <a:solidFill>
+              <a:schemeClr val="tx1"/>
+            </a:solidFill>
+            <a:prstDash val="solid"/>
+            <a:round/>
+            <a:headEnd type="none" w="med" len="med"/>
+            <a:tailEnd type="none" w="med" len="med"/>
+          </a:ln>
+          <a:effectLst/>
+          <a:extLst/>
+        </p:spPr>
+        <p:txBody>
+          <a:bodyPr vert="horz" wrap="square" lIns="91440" tIns="45720" rIns="91440" bIns="45720" numCol="1" rtlCol="0" anchor="t" anchorCtr="0" compatLnSpc="1">
+            <a:prstTxWarp prst="textNoShape">
+              <a:avLst/>
+            </a:prstTxWarp>
+          </a:bodyPr>
+          <a:lstStyle/>
+          <a:p>
+            <a:pPr marL="0" marR="0" indent="0" algn="l" defTabSz="914400" rtl="0" eaLnBrk="1" fontAlgn="base" latinLnBrk="0" hangingPunct="1">
+              <a:lnSpc>
+                <a:spcPct val="100000"/>
+              </a:lnSpc>
+              <a:spcBef>
+                <a:spcPct val="0"/>
+              </a:spcBef>
+              <a:spcAft>
+                <a:spcPct val="0"/>
+              </a:spcAft>
+              <a:buClrTx/>
+              <a:buSzTx/>
+              <a:buFontTx/>
+              <a:buNone/>
+              <a:tabLst/>
+            </a:pPr>
+            <a:endParaRPr kumimoji="0" lang="en-US" sz="1800" b="1" i="0" u="none" strike="noStrike" cap="none" normalizeH="0" baseline="0" smtClean="0">
+              <a:ln>
+                <a:noFill/>
+              </a:ln>
+              <a:solidFill>
+                <a:schemeClr val="tx1"/>
+              </a:solidFill>
+              <a:effectLst/>
+              <a:latin typeface="Arial" charset="0"/>
+            </a:endParaRPr>
+          </a:p>
+        </p:txBody>
+      </p:sp>
+      <p:sp>
+        <p:nvSpPr>
+          <p:cNvPr id="41" name="TextBox 40"/>
+          <p:cNvSpPr txBox="1"/>
+          <p:nvPr/>
+        </p:nvSpPr>
+        <p:spPr>
+          <a:xfrm>
+            <a:off x="1887078" y="4689948"/>
+            <a:ext cx="2044149" cy="369332"/>
+          </a:xfrm>
+          <a:prstGeom prst="rect">
+            <a:avLst/>
+          </a:prstGeom>
+          <a:noFill/>
+        </p:spPr>
+        <p:txBody>
+          <a:bodyPr wrap="none" rtlCol="0">
+            <a:spAutoFit/>
+          </a:bodyPr>
+          <a:lstStyle/>
+          <a:p>
+            <a:r>
+              <a:rPr lang="en-US" dirty="0" err="1" smtClean="0"/>
+              <a:t>CollissionDetector</a:t>
+            </a:r>
+            <a:endParaRPr lang="en-US" dirty="0"/>
+          </a:p>
+        </p:txBody>
+      </p:sp>
+      <p:sp>
+        <p:nvSpPr>
+          <p:cNvPr id="42" name="Rounded Rectangle 41"/>
+          <p:cNvSpPr/>
+          <p:nvPr/>
+        </p:nvSpPr>
+        <p:spPr bwMode="auto">
+          <a:xfrm>
+            <a:off x="6096000" y="4599709"/>
+            <a:ext cx="2819400" cy="952500"/>
+          </a:xfrm>
+          <a:prstGeom prst="roundRect">
+            <a:avLst/>
+          </a:prstGeom>
+          <a:solidFill>
+            <a:srgbClr val="00B050"/>
+          </a:solidFill>
+          <a:ln w="9525" cap="flat" cmpd="sng" algn="ctr">
+            <a:solidFill>
+              <a:schemeClr val="tx1"/>
+            </a:solidFill>
+            <a:prstDash val="solid"/>
+            <a:round/>
+            <a:headEnd type="none" w="med" len="med"/>
+            <a:tailEnd type="none" w="med" len="med"/>
+          </a:ln>
+          <a:effectLst/>
+          <a:extLst/>
+        </p:spPr>
+        <p:txBody>
+          <a:bodyPr vert="horz" wrap="square" lIns="91440" tIns="45720" rIns="91440" bIns="45720" numCol="1" rtlCol="0" anchor="t" anchorCtr="0" compatLnSpc="1">
+            <a:prstTxWarp prst="textNoShape">
+              <a:avLst/>
+            </a:prstTxWarp>
+          </a:bodyPr>
+          <a:lstStyle/>
+          <a:p>
+            <a:pPr marL="0" marR="0" indent="0" algn="l" defTabSz="914400" rtl="0" eaLnBrk="1" fontAlgn="base" latinLnBrk="0" hangingPunct="1">
+              <a:lnSpc>
+                <a:spcPct val="100000"/>
+              </a:lnSpc>
+              <a:spcBef>
+                <a:spcPct val="0"/>
+              </a:spcBef>
+              <a:spcAft>
+                <a:spcPct val="0"/>
+              </a:spcAft>
+              <a:buClrTx/>
+              <a:buSzTx/>
+              <a:buFontTx/>
+              <a:buNone/>
+              <a:tabLst/>
+            </a:pPr>
+            <a:endParaRPr kumimoji="0" lang="en-US" sz="1800" b="1" i="0" u="none" strike="noStrike" cap="none" normalizeH="0" baseline="0" smtClean="0">
+              <a:ln>
+                <a:noFill/>
+              </a:ln>
+              <a:solidFill>
+                <a:schemeClr val="tx1"/>
+              </a:solidFill>
+              <a:effectLst/>
+              <a:latin typeface="Arial" charset="0"/>
+            </a:endParaRPr>
+          </a:p>
+        </p:txBody>
+      </p:sp>
+      <p:sp>
+        <p:nvSpPr>
+          <p:cNvPr id="43" name="TextBox 42"/>
+          <p:cNvSpPr txBox="1"/>
+          <p:nvPr/>
+        </p:nvSpPr>
+        <p:spPr>
+          <a:xfrm>
+            <a:off x="6842082" y="4703618"/>
+            <a:ext cx="1095172" cy="369332"/>
+          </a:xfrm>
+          <a:prstGeom prst="rect">
+            <a:avLst/>
+          </a:prstGeom>
+          <a:noFill/>
+        </p:spPr>
+        <p:txBody>
+          <a:bodyPr wrap="none" rtlCol="0">
+            <a:spAutoFit/>
+          </a:bodyPr>
+          <a:lstStyle/>
+          <a:p>
+            <a:r>
+              <a:rPr lang="en-US" dirty="0" smtClean="0"/>
+              <a:t>Behavior</a:t>
+            </a:r>
+            <a:endParaRPr lang="en-US" dirty="0"/>
+          </a:p>
+        </p:txBody>
+      </p:sp>
+      <p:sp>
+        <p:nvSpPr>
+          <p:cNvPr id="53" name="Rectangle 52"/>
+          <p:cNvSpPr/>
+          <p:nvPr/>
+        </p:nvSpPr>
+        <p:spPr bwMode="auto">
+          <a:xfrm>
+            <a:off x="4081376" y="5867400"/>
+            <a:ext cx="635390" cy="381000"/>
+          </a:xfrm>
+          <a:prstGeom prst="rect">
+            <a:avLst/>
+          </a:prstGeom>
+          <a:solidFill>
+            <a:srgbClr val="92D050"/>
+          </a:solidFill>
+          <a:ln w="9525" cap="flat" cmpd="sng" algn="ctr">
+            <a:solidFill>
+              <a:schemeClr val="tx1"/>
+            </a:solidFill>
+            <a:prstDash val="solid"/>
+            <a:round/>
+            <a:headEnd type="none" w="med" len="med"/>
+            <a:tailEnd type="none" w="med" len="med"/>
+          </a:ln>
+          <a:effectLst/>
+          <a:extLst/>
+        </p:spPr>
+        <p:txBody>
+          <a:bodyPr vert="horz" wrap="square" lIns="91440" tIns="45720" rIns="91440" bIns="45720" numCol="1" rtlCol="0" anchor="t" anchorCtr="0" compatLnSpc="1">
+            <a:prstTxWarp prst="textNoShape">
+              <a:avLst/>
+            </a:prstTxWarp>
+          </a:bodyPr>
+          <a:lstStyle/>
+          <a:p>
+            <a:pPr marL="0" marR="0" indent="0" algn="l" defTabSz="914400" rtl="0" eaLnBrk="1" fontAlgn="base" latinLnBrk="0" hangingPunct="1">
+              <a:lnSpc>
+                <a:spcPct val="100000"/>
+              </a:lnSpc>
+              <a:spcBef>
+                <a:spcPct val="0"/>
+              </a:spcBef>
+              <a:spcAft>
+                <a:spcPct val="0"/>
+              </a:spcAft>
+              <a:buClrTx/>
+              <a:buSzTx/>
+              <a:buFontTx/>
+              <a:buNone/>
+              <a:tabLst/>
+            </a:pPr>
+            <a:endParaRPr kumimoji="0" lang="en-US" sz="1800" b="1" i="0" u="none" strike="noStrike" cap="none" normalizeH="0" baseline="0" smtClean="0">
+              <a:ln>
+                <a:noFill/>
+              </a:ln>
+              <a:solidFill>
+                <a:schemeClr val="tx1"/>
+              </a:solidFill>
+              <a:effectLst/>
+              <a:latin typeface="Arial" charset="0"/>
+            </a:endParaRPr>
+          </a:p>
+        </p:txBody>
+      </p:sp>
+      <p:sp>
+        <p:nvSpPr>
+          <p:cNvPr id="54" name="Rounded Rectangle 53"/>
+          <p:cNvSpPr/>
+          <p:nvPr/>
+        </p:nvSpPr>
+        <p:spPr bwMode="auto">
+          <a:xfrm>
+            <a:off x="5638800" y="5753100"/>
+            <a:ext cx="3276600" cy="876300"/>
+          </a:xfrm>
+          <a:prstGeom prst="roundRect">
+            <a:avLst/>
+          </a:prstGeom>
+          <a:solidFill>
+            <a:srgbClr val="00B0F0"/>
+          </a:solidFill>
+          <a:ln w="9525" cap="flat" cmpd="sng" algn="ctr">
+            <a:solidFill>
+              <a:schemeClr val="tx1"/>
+            </a:solidFill>
+            <a:prstDash val="solid"/>
+            <a:round/>
+            <a:headEnd type="none" w="med" len="med"/>
+            <a:tailEnd type="none" w="med" len="med"/>
+          </a:ln>
+          <a:effectLst/>
+          <a:extLst/>
+        </p:spPr>
+        <p:txBody>
+          <a:bodyPr vert="horz" wrap="square" lIns="91440" tIns="45720" rIns="91440" bIns="45720" numCol="1" rtlCol="0" anchor="t" anchorCtr="0" compatLnSpc="1">
+            <a:prstTxWarp prst="textNoShape">
+              <a:avLst/>
+            </a:prstTxWarp>
+          </a:bodyPr>
+          <a:lstStyle/>
+          <a:p>
+            <a:pPr marL="0" marR="0" indent="0" algn="l" defTabSz="914400" rtl="0" eaLnBrk="1" fontAlgn="base" latinLnBrk="0" hangingPunct="1">
+              <a:lnSpc>
+                <a:spcPct val="100000"/>
+              </a:lnSpc>
+              <a:spcBef>
+                <a:spcPct val="0"/>
+              </a:spcBef>
+              <a:spcAft>
+                <a:spcPct val="0"/>
+              </a:spcAft>
+              <a:buClrTx/>
+              <a:buSzTx/>
+              <a:buFontTx/>
+              <a:buNone/>
+              <a:tabLst/>
+            </a:pPr>
+            <a:endParaRPr kumimoji="0" lang="en-US" sz="1800" b="1" i="0" u="none" strike="noStrike" cap="none" normalizeH="0" baseline="0" smtClean="0">
+              <a:ln>
+                <a:noFill/>
+              </a:ln>
+              <a:solidFill>
+                <a:schemeClr val="tx1"/>
+              </a:solidFill>
+              <a:effectLst/>
+              <a:latin typeface="Arial" charset="0"/>
+            </a:endParaRPr>
+          </a:p>
+        </p:txBody>
+      </p:sp>
+      <p:sp>
+        <p:nvSpPr>
+          <p:cNvPr id="55" name="TextBox 54"/>
+          <p:cNvSpPr txBox="1"/>
+          <p:nvPr/>
+        </p:nvSpPr>
+        <p:spPr>
+          <a:xfrm>
+            <a:off x="6108164" y="5753100"/>
+            <a:ext cx="2634054" cy="923330"/>
+          </a:xfrm>
+          <a:prstGeom prst="rect">
+            <a:avLst/>
+          </a:prstGeom>
+          <a:noFill/>
+        </p:spPr>
+        <p:txBody>
+          <a:bodyPr wrap="none" rtlCol="0">
+            <a:spAutoFit/>
+          </a:bodyPr>
+          <a:lstStyle/>
+          <a:p>
+            <a:r>
+              <a:rPr lang="en-US" dirty="0" smtClean="0"/>
+              <a:t>Check() </a:t>
+            </a:r>
+            <a:br>
+              <a:rPr lang="en-US" dirty="0" smtClean="0"/>
+            </a:br>
+            <a:r>
+              <a:rPr lang="en-US" dirty="0" smtClean="0"/>
+              <a:t>if Object type matches:</a:t>
+            </a:r>
+            <a:br>
+              <a:rPr lang="en-US" dirty="0" smtClean="0"/>
+            </a:br>
+            <a:r>
+              <a:rPr lang="en-US" dirty="0" smtClean="0"/>
+              <a:t>	Apply behavior</a:t>
+            </a:r>
+            <a:endParaRPr lang="en-US" dirty="0"/>
+          </a:p>
+        </p:txBody>
+      </p:sp>
+      <p:cxnSp>
+        <p:nvCxnSpPr>
+          <p:cNvPr id="57" name="Elbow Connector 56"/>
+          <p:cNvCxnSpPr>
+            <a:stCxn id="4" idx="3"/>
+          </p:cNvCxnSpPr>
+          <p:nvPr/>
+        </p:nvCxnSpPr>
+        <p:spPr bwMode="auto">
+          <a:xfrm>
+            <a:off x="5368636" y="6057900"/>
+            <a:ext cx="270164" cy="12700"/>
+          </a:xfrm>
+          <a:prstGeom prst="bentConnector3">
+            <a:avLst/>
+          </a:prstGeom>
+          <a:solidFill>
+            <a:schemeClr val="accent1"/>
+          </a:solidFill>
+          <a:ln w="9525" cap="flat" cmpd="sng" algn="ctr">
+            <a:solidFill>
+              <a:schemeClr val="tx1"/>
+            </a:solidFill>
+            <a:prstDash val="solid"/>
+            <a:round/>
+            <a:headEnd type="none" w="med" len="med"/>
+            <a:tailEnd type="arrow"/>
+          </a:ln>
+          <a:effectLst/>
+          <a:extLst>
+            <a:ext uri="{AF507438-7753-43E0-B8FC-AC1667EBCBE1}">
+              <a14:hiddenEffects xmlns:a14="http://schemas.microsoft.com/office/drawing/2010/main">
+                <a:effectLst>
+                  <a:outerShdw dist="35921" dir="2700000" algn="ctr" rotWithShape="0">
+                    <a:schemeClr val="bg2"/>
+                  </a:outerShdw>
+                </a:effectLst>
+              </a14:hiddenEffects>
+            </a:ext>
+          </a:extLst>
+        </p:spPr>
+      </p:cxnSp>
+      <p:cxnSp>
+        <p:nvCxnSpPr>
+          <p:cNvPr id="59" name="Elbow Connector 58"/>
+          <p:cNvCxnSpPr>
+            <a:stCxn id="54" idx="3"/>
+            <a:endCxn id="42" idx="3"/>
+          </p:cNvCxnSpPr>
+          <p:nvPr/>
+        </p:nvCxnSpPr>
+        <p:spPr bwMode="auto">
+          <a:xfrm flipV="1">
+            <a:off x="8915400" y="5075959"/>
+            <a:ext cx="12700" cy="1115291"/>
+          </a:xfrm>
+          <a:prstGeom prst="bentConnector3">
+            <a:avLst>
+              <a:gd name="adj1" fmla="val 1800000"/>
+            </a:avLst>
+          </a:prstGeom>
+          <a:solidFill>
+            <a:schemeClr val="accent1"/>
+          </a:solidFill>
+          <a:ln w="9525" cap="flat" cmpd="sng" algn="ctr">
+            <a:solidFill>
+              <a:schemeClr val="tx1"/>
+            </a:solidFill>
+            <a:prstDash val="solid"/>
+            <a:round/>
+            <a:headEnd type="none" w="med" len="med"/>
+            <a:tailEnd type="arrow"/>
+          </a:ln>
+          <a:effectLst/>
+          <a:extLst>
+            <a:ext uri="{AF507438-7753-43E0-B8FC-AC1667EBCBE1}">
+              <a14:hiddenEffects xmlns:a14="http://schemas.microsoft.com/office/drawing/2010/main">
+                <a:effectLst>
+                  <a:outerShdw dist="35921" dir="2700000" algn="ctr" rotWithShape="0">
+                    <a:schemeClr val="bg2"/>
+                  </a:outerShdw>
+                </a:effectLst>
+              </a14:hiddenEffects>
+            </a:ext>
+          </a:extLst>
+        </p:spPr>
+      </p:cxnSp>
+    </p:spTree>
+    <p:extLst>
+      <p:ext uri="{BB962C8B-B14F-4D97-AF65-F5344CB8AC3E}">
+        <p14:creationId xmlns:p14="http://schemas.microsoft.com/office/powerpoint/2010/main" val="3817961063"/>
+      </p:ext>
+    </p:extLst>
+  </p:cSld>
+  <p:clrMapOvr>
+    <a:masterClrMapping/>
+  </p:clrMapOvr>
+  <p:timing>
+    <p:tnLst>
+      <p:par>
+        <p:cTn id="1" dur="indefinite" restart="never" nodeType="tmRoot"/>
+      </p:par>
+    </p:tnLst>
+  </p:timing>
+</p:sld>
+</file>
+
+<file path=ppt/slides/slide5.xml><?xml version="1.0" encoding="utf-8"?>
+<p:sld xmlns:a="http://schemas.openxmlformats.org/drawingml/2006/main" xmlns:r="http://schemas.openxmlformats.org/officeDocument/2006/relationships" xmlns:p="http://schemas.openxmlformats.org/presentationml/2006/main">
+  <p:cSld>
+    <p:spTree>
+      <p:nvGrpSpPr>
+        <p:cNvPr id="1" name=""/>
+        <p:cNvGrpSpPr/>
+        <p:nvPr/>
+      </p:nvGrpSpPr>
+      <p:grpSpPr>
+        <a:xfrm>
+          <a:off x="0" y="0"/>
+          <a:ext cx="0" cy="0"/>
+          <a:chOff x="0" y="0"/>
+          <a:chExt cx="0" cy="0"/>
+        </a:xfrm>
+      </p:grpSpPr>
+      <p:sp>
+        <p:nvSpPr>
+          <p:cNvPr id="22" name="Rectangle 21"/>
+          <p:cNvSpPr/>
+          <p:nvPr/>
+        </p:nvSpPr>
+        <p:spPr bwMode="auto">
+          <a:xfrm>
+            <a:off x="1752600" y="685800"/>
+            <a:ext cx="7391400" cy="6172200"/>
+          </a:xfrm>
+          <a:prstGeom prst="rect">
+            <a:avLst/>
+          </a:prstGeom>
+          <a:solidFill>
+            <a:srgbClr val="92D050"/>
+          </a:solidFill>
+          <a:ln w="9525" cap="flat" cmpd="sng" algn="ctr">
+            <a:solidFill>
+              <a:schemeClr val="tx1"/>
+            </a:solidFill>
+            <a:prstDash val="solid"/>
+            <a:round/>
+            <a:headEnd type="none" w="med" len="med"/>
+            <a:tailEnd type="none" w="med" len="med"/>
+          </a:ln>
+          <a:effectLst/>
+          <a:extLst/>
+        </p:spPr>
+        <p:txBody>
+          <a:bodyPr vert="horz" wrap="square" lIns="91440" tIns="45720" rIns="91440" bIns="45720" numCol="1" rtlCol="0" anchor="t" anchorCtr="0" compatLnSpc="1">
+            <a:prstTxWarp prst="textNoShape">
+              <a:avLst/>
+            </a:prstTxWarp>
+          </a:bodyPr>
+          <a:lstStyle/>
+          <a:p>
+            <a:pPr marL="0" marR="0" indent="0" algn="l" defTabSz="914400" rtl="0" eaLnBrk="1" fontAlgn="base" latinLnBrk="0" hangingPunct="1">
+              <a:lnSpc>
+                <a:spcPct val="100000"/>
+              </a:lnSpc>
+              <a:spcBef>
+                <a:spcPct val="0"/>
+              </a:spcBef>
+              <a:spcAft>
+                <a:spcPct val="0"/>
+              </a:spcAft>
+              <a:buClrTx/>
+              <a:buSzTx/>
+              <a:buFontTx/>
+              <a:buNone/>
+              <a:tabLst/>
+            </a:pPr>
+            <a:endParaRPr kumimoji="0" lang="en-US" sz="1800" b="1" i="0" u="none" strike="noStrike" cap="none" normalizeH="0" baseline="0" smtClean="0">
+              <a:ln>
+                <a:noFill/>
+              </a:ln>
+              <a:solidFill>
+                <a:schemeClr val="tx1"/>
+              </a:solidFill>
+              <a:effectLst/>
+              <a:latin typeface="Arial" charset="0"/>
+            </a:endParaRPr>
+          </a:p>
+        </p:txBody>
+      </p:sp>
+      <p:sp>
+        <p:nvSpPr>
+          <p:cNvPr id="2" name="Title 1"/>
+          <p:cNvSpPr>
+            <a:spLocks noGrp="1"/>
+          </p:cNvSpPr>
+          <p:nvPr>
+            <p:ph type="title"/>
+          </p:nvPr>
+        </p:nvSpPr>
+        <p:spPr>
+          <a:xfrm>
+            <a:off x="1884218" y="0"/>
+            <a:ext cx="6767513" cy="838200"/>
+          </a:xfrm>
+        </p:spPr>
+        <p:txBody>
+          <a:bodyPr/>
+          <a:lstStyle/>
+          <a:p>
+            <a:r>
+              <a:rPr lang="en-US" dirty="0" smtClean="0"/>
+              <a:t>TileGrid</a:t>
+            </a:r>
+            <a:endParaRPr lang="en-US" dirty="0"/>
+          </a:p>
+        </p:txBody>
+      </p:sp>
+      <p:sp>
+        <p:nvSpPr>
+          <p:cNvPr id="4" name="Rectangle 3"/>
+          <p:cNvSpPr/>
+          <p:nvPr/>
+        </p:nvSpPr>
+        <p:spPr bwMode="auto">
+          <a:xfrm>
+            <a:off x="1905000" y="1219200"/>
+            <a:ext cx="7086600" cy="5334000"/>
+          </a:xfrm>
+          <a:prstGeom prst="rect">
+            <a:avLst/>
+          </a:prstGeom>
+          <a:solidFill>
+            <a:schemeClr val="accent1"/>
+          </a:solidFill>
+          <a:ln w="9525" cap="flat" cmpd="sng" algn="ctr">
+            <a:solidFill>
+              <a:schemeClr val="tx1"/>
+            </a:solidFill>
+            <a:prstDash val="solid"/>
+            <a:round/>
+            <a:headEnd type="none" w="med" len="med"/>
+            <a:tailEnd type="none" w="med" len="med"/>
+          </a:ln>
+          <a:effectLst/>
+          <a:extLst>
+            <a:ext uri="{AF507438-7753-43E0-B8FC-AC1667EBCBE1}">
+              <a14:hiddenEffects xmlns:a14="http://schemas.microsoft.com/office/drawing/2010/main">
+                <a:effectLst>
+                  <a:outerShdw dist="35921" dir="2700000" algn="ctr" rotWithShape="0">
+                    <a:schemeClr val="bg2"/>
+                  </a:outerShdw>
+                </a:effectLst>
+              </a14:hiddenEffects>
+            </a:ext>
+          </a:extLst>
+        </p:spPr>
+        <p:txBody>
+          <a:bodyPr vert="horz" wrap="square" lIns="91440" tIns="45720" rIns="91440" bIns="45720" numCol="1" rtlCol="0" anchor="t" anchorCtr="0" compatLnSpc="1">
+            <a:prstTxWarp prst="textNoShape">
+              <a:avLst/>
+            </a:prstTxWarp>
+          </a:bodyPr>
+          <a:lstStyle/>
+          <a:p>
+            <a:pPr marL="0" marR="0" indent="0" algn="l" defTabSz="914400" rtl="0" eaLnBrk="1" fontAlgn="base" latinLnBrk="0" hangingPunct="1">
+              <a:lnSpc>
+                <a:spcPct val="100000"/>
+              </a:lnSpc>
+              <a:spcBef>
+                <a:spcPct val="0"/>
+              </a:spcBef>
+              <a:spcAft>
+                <a:spcPct val="0"/>
+              </a:spcAft>
+              <a:buClrTx/>
+              <a:buSzTx/>
+              <a:buFontTx/>
+              <a:buNone/>
+              <a:tabLst/>
+            </a:pPr>
+            <a:endParaRPr kumimoji="0" lang="en-US" sz="1800" b="1" i="0" u="none" strike="noStrike" cap="none" normalizeH="0" baseline="0" smtClean="0">
+              <a:ln>
+                <a:noFill/>
+              </a:ln>
+              <a:solidFill>
+                <a:schemeClr val="tx1"/>
+              </a:solidFill>
+              <a:effectLst/>
+              <a:latin typeface="Arial" charset="0"/>
+            </a:endParaRPr>
+          </a:p>
+        </p:txBody>
+      </p:sp>
+      <p:cxnSp>
+        <p:nvCxnSpPr>
+          <p:cNvPr id="6" name="Straight Connector 5"/>
+          <p:cNvCxnSpPr>
+            <a:stCxn id="4" idx="0"/>
+            <a:endCxn id="4" idx="2"/>
+          </p:cNvCxnSpPr>
+          <p:nvPr/>
+        </p:nvCxnSpPr>
+        <p:spPr bwMode="auto">
+          <a:xfrm>
+            <a:off x="5448300" y="1219200"/>
+            <a:ext cx="0" cy="5334000"/>
+          </a:xfrm>
+          <a:prstGeom prst="line">
+            <a:avLst/>
+          </a:prstGeom>
+          <a:solidFill>
+            <a:schemeClr val="accent1"/>
+          </a:solidFill>
+          <a:ln w="9525" cap="flat" cmpd="sng" algn="ctr">
+            <a:solidFill>
+              <a:schemeClr val="tx1"/>
+            </a:solidFill>
+            <a:prstDash val="solid"/>
+            <a:round/>
+            <a:headEnd type="none" w="med" len="med"/>
+            <a:tailEnd type="none" w="med" len="med"/>
+          </a:ln>
+          <a:effectLst/>
+          <a:extLst>
+            <a:ext uri="{AF507438-7753-43E0-B8FC-AC1667EBCBE1}">
+              <a14:hiddenEffects xmlns:a14="http://schemas.microsoft.com/office/drawing/2010/main">
+                <a:effectLst>
+                  <a:outerShdw dist="35921" dir="2700000" algn="ctr" rotWithShape="0">
+                    <a:schemeClr val="bg2"/>
+                  </a:outerShdw>
+                </a:effectLst>
+              </a14:hiddenEffects>
+            </a:ext>
+          </a:extLst>
+        </p:spPr>
+      </p:cxnSp>
+      <p:cxnSp>
+        <p:nvCxnSpPr>
+          <p:cNvPr id="8" name="Straight Connector 7"/>
+          <p:cNvCxnSpPr>
+            <a:stCxn id="4" idx="1"/>
+            <a:endCxn id="4" idx="3"/>
+          </p:cNvCxnSpPr>
+          <p:nvPr/>
+        </p:nvCxnSpPr>
+        <p:spPr bwMode="auto">
+          <a:xfrm>
+            <a:off x="1905000" y="3886200"/>
+            <a:ext cx="7086600" cy="0"/>
+          </a:xfrm>
+          <a:prstGeom prst="line">
+            <a:avLst/>
+          </a:prstGeom>
+          <a:solidFill>
+            <a:schemeClr val="accent1"/>
+          </a:solidFill>
+          <a:ln w="9525" cap="flat" cmpd="sng" algn="ctr">
+            <a:solidFill>
+              <a:schemeClr val="tx1"/>
+            </a:solidFill>
+            <a:prstDash val="solid"/>
+            <a:round/>
+            <a:headEnd type="none" w="med" len="med"/>
+            <a:tailEnd type="none" w="med" len="med"/>
+          </a:ln>
+          <a:effectLst/>
+          <a:extLst>
+            <a:ext uri="{AF507438-7753-43E0-B8FC-AC1667EBCBE1}">
+              <a14:hiddenEffects xmlns:a14="http://schemas.microsoft.com/office/drawing/2010/main">
+                <a:effectLst>
+                  <a:outerShdw dist="35921" dir="2700000" algn="ctr" rotWithShape="0">
+                    <a:schemeClr val="bg2"/>
+                  </a:outerShdw>
+                </a:effectLst>
+              </a14:hiddenEffects>
+            </a:ext>
+          </a:extLst>
+        </p:spPr>
+      </p:cxnSp>
+      <p:cxnSp>
+        <p:nvCxnSpPr>
+          <p:cNvPr id="10" name="Straight Connector 9"/>
+          <p:cNvCxnSpPr/>
+          <p:nvPr/>
+        </p:nvCxnSpPr>
+        <p:spPr bwMode="auto">
+          <a:xfrm>
+            <a:off x="3581400" y="1219200"/>
+            <a:ext cx="0" cy="5334000"/>
+          </a:xfrm>
+          <a:prstGeom prst="line">
+            <a:avLst/>
+          </a:prstGeom>
+          <a:solidFill>
+            <a:schemeClr val="accent1"/>
+          </a:solidFill>
+          <a:ln w="9525" cap="flat" cmpd="sng" algn="ctr">
+            <a:solidFill>
+              <a:schemeClr val="tx1"/>
+            </a:solidFill>
+            <a:prstDash val="solid"/>
+            <a:round/>
+            <a:headEnd type="none" w="med" len="med"/>
+            <a:tailEnd type="none" w="med" len="med"/>
+          </a:ln>
+          <a:effectLst/>
+          <a:extLst>
+            <a:ext uri="{AF507438-7753-43E0-B8FC-AC1667EBCBE1}">
+              <a14:hiddenEffects xmlns:a14="http://schemas.microsoft.com/office/drawing/2010/main">
+                <a:effectLst>
+                  <a:outerShdw dist="35921" dir="2700000" algn="ctr" rotWithShape="0">
+                    <a:schemeClr val="bg2"/>
+                  </a:outerShdw>
+                </a:effectLst>
+              </a14:hiddenEffects>
+            </a:ext>
+          </a:extLst>
+        </p:spPr>
+      </p:cxnSp>
+      <p:cxnSp>
+        <p:nvCxnSpPr>
+          <p:cNvPr id="12" name="Straight Connector 11"/>
+          <p:cNvCxnSpPr/>
+          <p:nvPr/>
+        </p:nvCxnSpPr>
+        <p:spPr bwMode="auto">
+          <a:xfrm>
+            <a:off x="7315200" y="1219200"/>
+            <a:ext cx="76200" cy="5334000"/>
+          </a:xfrm>
+          <a:prstGeom prst="line">
+            <a:avLst/>
+          </a:prstGeom>
+          <a:solidFill>
+            <a:schemeClr val="accent1"/>
+          </a:solidFill>
+          <a:ln w="9525" cap="flat" cmpd="sng" algn="ctr">
+            <a:solidFill>
+              <a:schemeClr val="tx1"/>
+            </a:solidFill>
+            <a:prstDash val="solid"/>
+            <a:round/>
+            <a:headEnd type="none" w="med" len="med"/>
+            <a:tailEnd type="none" w="med" len="med"/>
+          </a:ln>
+          <a:effectLst/>
+          <a:extLst>
+            <a:ext uri="{AF507438-7753-43E0-B8FC-AC1667EBCBE1}">
+              <a14:hiddenEffects xmlns:a14="http://schemas.microsoft.com/office/drawing/2010/main">
+                <a:effectLst>
+                  <a:outerShdw dist="35921" dir="2700000" algn="ctr" rotWithShape="0">
+                    <a:schemeClr val="bg2"/>
+                  </a:outerShdw>
+                </a:effectLst>
+              </a14:hiddenEffects>
+            </a:ext>
+          </a:extLst>
+        </p:spPr>
+      </p:cxnSp>
+      <p:cxnSp>
+        <p:nvCxnSpPr>
+          <p:cNvPr id="14" name="Straight Connector 13"/>
+          <p:cNvCxnSpPr/>
+          <p:nvPr/>
+        </p:nvCxnSpPr>
+        <p:spPr bwMode="auto">
+          <a:xfrm>
+            <a:off x="1905000" y="2590800"/>
+            <a:ext cx="7086600" cy="0"/>
+          </a:xfrm>
+          <a:prstGeom prst="line">
+            <a:avLst/>
+          </a:prstGeom>
+          <a:solidFill>
+            <a:schemeClr val="accent1"/>
+          </a:solidFill>
+          <a:ln w="9525" cap="flat" cmpd="sng" algn="ctr">
+            <a:solidFill>
+              <a:schemeClr val="tx1"/>
+            </a:solidFill>
+            <a:prstDash val="solid"/>
+            <a:round/>
+            <a:headEnd type="none" w="med" len="med"/>
+            <a:tailEnd type="none" w="med" len="med"/>
+          </a:ln>
+          <a:effectLst/>
+          <a:extLst>
+            <a:ext uri="{AF507438-7753-43E0-B8FC-AC1667EBCBE1}">
+              <a14:hiddenEffects xmlns:a14="http://schemas.microsoft.com/office/drawing/2010/main">
+                <a:effectLst>
+                  <a:outerShdw dist="35921" dir="2700000" algn="ctr" rotWithShape="0">
+                    <a:schemeClr val="bg2"/>
+                  </a:outerShdw>
+                </a:effectLst>
+              </a14:hiddenEffects>
+            </a:ext>
+          </a:extLst>
+        </p:spPr>
+      </p:cxnSp>
+      <p:cxnSp>
+        <p:nvCxnSpPr>
+          <p:cNvPr id="18" name="Straight Connector 17"/>
+          <p:cNvCxnSpPr/>
+          <p:nvPr/>
+        </p:nvCxnSpPr>
+        <p:spPr bwMode="auto">
+          <a:xfrm>
+            <a:off x="1905000" y="5181600"/>
+            <a:ext cx="7086600" cy="0"/>
+          </a:xfrm>
+          <a:prstGeom prst="line">
+            <a:avLst/>
+          </a:prstGeom>
+          <a:solidFill>
+            <a:schemeClr val="accent1"/>
+          </a:solidFill>
+          <a:ln w="9525" cap="flat" cmpd="sng" algn="ctr">
+            <a:solidFill>
+              <a:schemeClr val="tx1"/>
+            </a:solidFill>
+            <a:prstDash val="solid"/>
+            <a:round/>
+            <a:headEnd type="none" w="med" len="med"/>
+            <a:tailEnd type="none" w="med" len="med"/>
+          </a:ln>
+          <a:effectLst/>
+          <a:extLst>
+            <a:ext uri="{AF507438-7753-43E0-B8FC-AC1667EBCBE1}">
+              <a14:hiddenEffects xmlns:a14="http://schemas.microsoft.com/office/drawing/2010/main">
+                <a:effectLst>
+                  <a:outerShdw dist="35921" dir="2700000" algn="ctr" rotWithShape="0">
+                    <a:schemeClr val="bg2"/>
+                  </a:outerShdw>
+                </a:effectLst>
+              </a14:hiddenEffects>
+            </a:ext>
+          </a:extLst>
+        </p:spPr>
+      </p:cxnSp>
+      <p:sp>
+        <p:nvSpPr>
+          <p:cNvPr id="19" name="TextBox 18"/>
+          <p:cNvSpPr txBox="1"/>
+          <p:nvPr/>
+        </p:nvSpPr>
+        <p:spPr>
+          <a:xfrm>
+            <a:off x="1905000" y="1394751"/>
+            <a:ext cx="1828799" cy="830997"/>
+          </a:xfrm>
+          <a:prstGeom prst="rect">
+            <a:avLst/>
+          </a:prstGeom>
+          <a:noFill/>
+        </p:spPr>
+        <p:txBody>
+          <a:bodyPr wrap="square" rtlCol="0">
+            <a:spAutoFit/>
+          </a:bodyPr>
+          <a:lstStyle/>
+          <a:p>
+            <a:r>
+              <a:rPr lang="en-US" sz="1600" dirty="0" err="1" smtClean="0"/>
+              <a:t>GridPosition</a:t>
+            </a:r>
+            <a:r>
+              <a:rPr lang="en-US" sz="1600" dirty="0" smtClean="0"/>
+              <a:t>(x, y)</a:t>
+            </a:r>
+          </a:p>
+          <a:p>
+            <a:r>
+              <a:rPr lang="en-US" sz="1600" dirty="0" smtClean="0"/>
+              <a:t>Size(</a:t>
+            </a:r>
+            <a:r>
+              <a:rPr lang="en-US" sz="1600" dirty="0" err="1" smtClean="0"/>
+              <a:t>sizeX</a:t>
+            </a:r>
+            <a:r>
+              <a:rPr lang="en-US" sz="1600" dirty="0" smtClean="0"/>
+              <a:t> </a:t>
+            </a:r>
+            <a:r>
+              <a:rPr lang="en-US" sz="1600" dirty="0" err="1" smtClean="0"/>
+              <a:t>sizeY</a:t>
+            </a:r>
+            <a:r>
+              <a:rPr lang="en-US" sz="1600" dirty="0" smtClean="0"/>
+              <a:t>)</a:t>
+            </a:r>
+          </a:p>
+          <a:p>
+            <a:r>
+              <a:rPr lang="en-US" sz="1600" dirty="0" err="1" smtClean="0"/>
+              <a:t>imagePath</a:t>
+            </a:r>
+            <a:endParaRPr lang="en-US" sz="1600" dirty="0"/>
+          </a:p>
+        </p:txBody>
+      </p:sp>
+      <p:sp>
+        <p:nvSpPr>
+          <p:cNvPr id="23" name="TextBox 22"/>
+          <p:cNvSpPr txBox="1"/>
+          <p:nvPr/>
+        </p:nvSpPr>
+        <p:spPr>
+          <a:xfrm>
+            <a:off x="1981200" y="727364"/>
+            <a:ext cx="1556836" cy="369332"/>
+          </a:xfrm>
+          <a:prstGeom prst="rect">
+            <a:avLst/>
+          </a:prstGeom>
+          <a:noFill/>
+        </p:spPr>
+        <p:txBody>
+          <a:bodyPr wrap="none" rtlCol="0">
+            <a:spAutoFit/>
+          </a:bodyPr>
+          <a:lstStyle/>
+          <a:p>
+            <a:r>
+              <a:rPr lang="en-US" dirty="0" smtClean="0"/>
+              <a:t>2d List (tiles):</a:t>
+            </a:r>
+            <a:endParaRPr lang="en-US" dirty="0"/>
+          </a:p>
+        </p:txBody>
+      </p:sp>
+    </p:spTree>
+    <p:extLst>
+      <p:ext uri="{BB962C8B-B14F-4D97-AF65-F5344CB8AC3E}">
+        <p14:creationId xmlns:p14="http://schemas.microsoft.com/office/powerpoint/2010/main" val="2726199328"/>
+      </p:ext>
+    </p:extLst>
+  </p:cSld>
+  <p:clrMapOvr>
+    <a:masterClrMapping/>
+  </p:clrMapOvr>
+  <p:timing>
+    <p:tnLst>
+      <p:par>
+        <p:cTn id="1" dur="indefinite" restart="never" nodeType="tmRoot"/>
+      </p:par>
+    </p:tnLst>
+  </p:timing>
+</p:sld>
+</file>
+
+<file path=ppt/slides/slide6.xml><?xml version="1.0" encoding="utf-8"?>
+<p:sld xmlns:a="http://schemas.openxmlformats.org/drawingml/2006/main" xmlns:r="http://schemas.openxmlformats.org/officeDocument/2006/relationships" xmlns:p="http://schemas.openxmlformats.org/presentationml/2006/main">
+  <p:cSld>
+    <p:spTree>
+      <p:nvGrpSpPr>
+        <p:cNvPr id="1" name=""/>
+        <p:cNvGrpSpPr/>
+        <p:nvPr/>
+      </p:nvGrpSpPr>
+      <p:grpSpPr>
+        <a:xfrm>
+          <a:off x="0" y="0"/>
+          <a:ext cx="0" cy="0"/>
+          <a:chOff x="0" y="0"/>
+          <a:chExt cx="0" cy="0"/>
+        </a:xfrm>
+      </p:grpSpPr>
+      <p:sp>
+        <p:nvSpPr>
+          <p:cNvPr id="4" name="Rectangle 3"/>
+          <p:cNvSpPr/>
+          <p:nvPr/>
+        </p:nvSpPr>
+        <p:spPr>
+          <a:xfrm>
+            <a:off x="5947064" y="4298371"/>
+            <a:ext cx="2819400" cy="2095500"/>
+          </a:xfrm>
+          <a:prstGeom prst="rect">
+            <a:avLst/>
+          </a:prstGeom>
+          <a:solidFill>
+            <a:srgbClr val="FF0000"/>
+          </a:solidFill>
+        </p:spPr>
+        <p:style>
+          <a:lnRef idx="2">
+            <a:schemeClr val="accent1">
+              <a:shade val="50000"/>
+            </a:schemeClr>
+          </a:lnRef>
+          <a:fillRef idx="1">
+            <a:schemeClr val="accent1"/>
+          </a:fillRef>
+          <a:effectRef idx="0">
+            <a:schemeClr val="accent1"/>
+          </a:effectRef>
+          <a:fontRef idx="minor">
+            <a:schemeClr val="lt1"/>
+          </a:fontRef>
+        </p:style>
+        <p:txBody>
+          <a:bodyPr rtlCol="0" anchor="ctr"/>
+          <a:lstStyle/>
+          <a:p>
+            <a:pPr algn="ctr"/>
+            <a:endParaRPr lang="en-US" dirty="0"/>
+          </a:p>
+        </p:txBody>
+      </p:sp>
+      <p:sp>
+        <p:nvSpPr>
+          <p:cNvPr id="5" name="Rectangle 4"/>
+          <p:cNvSpPr/>
+          <p:nvPr/>
+        </p:nvSpPr>
+        <p:spPr>
+          <a:xfrm>
+            <a:off x="5947064" y="2202871"/>
+            <a:ext cx="2819400" cy="2209800"/>
+          </a:xfrm>
+          <a:prstGeom prst="rect">
+            <a:avLst/>
+          </a:prstGeom>
+          <a:solidFill>
+            <a:schemeClr val="tx2">
+              <a:lumMod val="50000"/>
+            </a:schemeClr>
+          </a:solidFill>
+        </p:spPr>
+        <p:style>
+          <a:lnRef idx="2">
+            <a:schemeClr val="accent1">
+              <a:shade val="50000"/>
+            </a:schemeClr>
+          </a:lnRef>
+          <a:fillRef idx="1">
+            <a:schemeClr val="accent1"/>
+          </a:fillRef>
+          <a:effectRef idx="0">
+            <a:schemeClr val="accent1"/>
+          </a:effectRef>
+          <a:fontRef idx="minor">
+            <a:schemeClr val="lt1"/>
+          </a:fontRef>
+        </p:style>
+        <p:txBody>
+          <a:bodyPr rtlCol="0" anchor="ctr"/>
+          <a:lstStyle/>
+          <a:p>
+            <a:pPr algn="ctr"/>
+            <a:endParaRPr lang="en-US" dirty="0"/>
+          </a:p>
+        </p:txBody>
+      </p:sp>
+      <p:sp>
+        <p:nvSpPr>
+          <p:cNvPr id="6" name="Title 1"/>
+          <p:cNvSpPr>
+            <a:spLocks noGrp="1"/>
+          </p:cNvSpPr>
+          <p:nvPr>
+            <p:ph type="title"/>
+          </p:nvPr>
+        </p:nvSpPr>
+        <p:spPr>
+          <a:xfrm>
+            <a:off x="1143000" y="0"/>
+            <a:ext cx="5334001" cy="935037"/>
+          </a:xfrm>
+        </p:spPr>
+        <p:txBody>
+          <a:bodyPr/>
+          <a:lstStyle/>
+          <a:p>
+            <a:r>
+              <a:rPr lang="en-US" dirty="0" smtClean="0"/>
+              <a:t>Object Pool Explanation:</a:t>
+            </a:r>
+            <a:endParaRPr lang="en-US" dirty="0"/>
+          </a:p>
+        </p:txBody>
+      </p:sp>
+      <p:sp>
+        <p:nvSpPr>
+          <p:cNvPr id="7" name="Rounded Rectangle 6"/>
+          <p:cNvSpPr/>
+          <p:nvPr/>
+        </p:nvSpPr>
+        <p:spPr>
+          <a:xfrm>
+            <a:off x="6860908" y="3079171"/>
+            <a:ext cx="533400" cy="457200"/>
+          </a:xfrm>
+          <a:prstGeom prst="roundRect">
+            <a:avLst/>
+          </a:prstGeom>
+          <a:solidFill>
+            <a:srgbClr val="0DE517"/>
+          </a:solidFill>
+        </p:spPr>
+        <p:style>
+          <a:lnRef idx="2">
+            <a:schemeClr val="accent1">
+              <a:shade val="50000"/>
+            </a:schemeClr>
+          </a:lnRef>
+          <a:fillRef idx="1">
+            <a:schemeClr val="accent1"/>
+          </a:fillRef>
+          <a:effectRef idx="0">
+            <a:schemeClr val="accent1"/>
+          </a:effectRef>
+          <a:fontRef idx="minor">
+            <a:schemeClr val="lt1"/>
+          </a:fontRef>
+        </p:style>
+        <p:txBody>
+          <a:bodyPr rtlCol="0" anchor="ctr"/>
+          <a:lstStyle/>
+          <a:p>
+            <a:pPr algn="ctr"/>
+            <a:endParaRPr lang="en-US" dirty="0"/>
+          </a:p>
+        </p:txBody>
+      </p:sp>
+      <p:sp>
+        <p:nvSpPr>
+          <p:cNvPr id="8" name="Oval 7"/>
+          <p:cNvSpPr/>
+          <p:nvPr/>
+        </p:nvSpPr>
+        <p:spPr>
+          <a:xfrm>
+            <a:off x="7696200" y="3146072"/>
+            <a:ext cx="609600" cy="609600"/>
+          </a:xfrm>
+          <a:prstGeom prst="ellipse">
+            <a:avLst/>
+          </a:prstGeom>
+          <a:solidFill>
+            <a:srgbClr val="0DE517"/>
+          </a:solidFill>
+        </p:spPr>
+        <p:style>
+          <a:lnRef idx="2">
+            <a:schemeClr val="accent1">
+              <a:shade val="50000"/>
+            </a:schemeClr>
+          </a:lnRef>
+          <a:fillRef idx="1">
+            <a:schemeClr val="accent1"/>
+          </a:fillRef>
+          <a:effectRef idx="0">
+            <a:schemeClr val="accent1"/>
+          </a:effectRef>
+          <a:fontRef idx="minor">
+            <a:schemeClr val="lt1"/>
+          </a:fontRef>
+        </p:style>
+        <p:txBody>
+          <a:bodyPr rtlCol="0" anchor="ctr"/>
+          <a:lstStyle/>
+          <a:p>
+            <a:pPr algn="ctr"/>
+            <a:endParaRPr lang="en-US" dirty="0"/>
+          </a:p>
+        </p:txBody>
+      </p:sp>
+      <p:sp>
+        <p:nvSpPr>
+          <p:cNvPr id="18" name="TextBox 17"/>
+          <p:cNvSpPr txBox="1"/>
+          <p:nvPr/>
+        </p:nvSpPr>
+        <p:spPr>
+          <a:xfrm>
+            <a:off x="6097340" y="2249175"/>
+            <a:ext cx="1180772" cy="369332"/>
+          </a:xfrm>
+          <a:prstGeom prst="rect">
+            <a:avLst/>
+          </a:prstGeom>
+          <a:noFill/>
+        </p:spPr>
+        <p:txBody>
+          <a:bodyPr wrap="none" rtlCol="0">
+            <a:spAutoFit/>
+          </a:bodyPr>
+          <a:lstStyle/>
+          <a:p>
+            <a:r>
+              <a:rPr lang="en-US" dirty="0" smtClean="0">
+                <a:solidFill>
+                  <a:schemeClr val="bg1"/>
+                </a:solidFill>
+              </a:rPr>
+              <a:t>Available:</a:t>
+            </a:r>
+            <a:endParaRPr lang="en-US" dirty="0">
+              <a:solidFill>
+                <a:schemeClr val="bg1"/>
+              </a:solidFill>
+            </a:endParaRPr>
+          </a:p>
+        </p:txBody>
+      </p:sp>
+      <p:sp>
+        <p:nvSpPr>
+          <p:cNvPr id="19" name="TextBox 18"/>
+          <p:cNvSpPr txBox="1"/>
+          <p:nvPr/>
+        </p:nvSpPr>
+        <p:spPr>
+          <a:xfrm>
+            <a:off x="6049819" y="4433453"/>
+            <a:ext cx="1223412" cy="369332"/>
+          </a:xfrm>
+          <a:prstGeom prst="rect">
+            <a:avLst/>
+          </a:prstGeom>
+          <a:noFill/>
+        </p:spPr>
+        <p:txBody>
+          <a:bodyPr wrap="none" rtlCol="0">
+            <a:spAutoFit/>
+          </a:bodyPr>
+          <a:lstStyle/>
+          <a:p>
+            <a:r>
+              <a:rPr lang="en-US" dirty="0" smtClean="0">
+                <a:solidFill>
+                  <a:schemeClr val="bg1"/>
+                </a:solidFill>
+              </a:rPr>
+              <a:t>Occupied:</a:t>
+            </a:r>
+            <a:endParaRPr lang="en-US" dirty="0">
+              <a:solidFill>
+                <a:schemeClr val="bg1"/>
+              </a:solidFill>
+            </a:endParaRPr>
+          </a:p>
+        </p:txBody>
+      </p:sp>
+      <p:cxnSp>
+        <p:nvCxnSpPr>
+          <p:cNvPr id="29" name="Straight Arrow Connector 28"/>
+          <p:cNvCxnSpPr/>
+          <p:nvPr/>
+        </p:nvCxnSpPr>
+        <p:spPr bwMode="auto">
+          <a:xfrm flipH="1" flipV="1">
+            <a:off x="2964873" y="2393371"/>
+            <a:ext cx="3865418" cy="914400"/>
+          </a:xfrm>
+          <a:prstGeom prst="straightConnector1">
+            <a:avLst/>
+          </a:prstGeom>
+          <a:solidFill>
+            <a:schemeClr val="accent1"/>
+          </a:solidFill>
+          <a:ln w="9525" cap="flat" cmpd="sng" algn="ctr">
+            <a:solidFill>
+              <a:schemeClr val="tx1"/>
+            </a:solidFill>
+            <a:prstDash val="solid"/>
+            <a:round/>
+            <a:headEnd type="none" w="med" len="med"/>
+            <a:tailEnd type="arrow"/>
+          </a:ln>
+          <a:effectLst/>
+          <a:extLst>
+            <a:ext uri="{AF507438-7753-43E0-B8FC-AC1667EBCBE1}">
+              <a14:hiddenEffects xmlns:a14="http://schemas.microsoft.com/office/drawing/2010/main">
+                <a:effectLst>
+                  <a:outerShdw dist="35921" dir="2700000" algn="ctr" rotWithShape="0">
+                    <a:schemeClr val="bg2"/>
+                  </a:outerShdw>
+                </a:effectLst>
+              </a14:hiddenEffects>
+            </a:ext>
+          </a:extLst>
+        </p:spPr>
+      </p:cxnSp>
+      <p:sp>
+        <p:nvSpPr>
+          <p:cNvPr id="30" name="Isosceles Triangle 29"/>
+          <p:cNvSpPr/>
+          <p:nvPr/>
+        </p:nvSpPr>
+        <p:spPr>
+          <a:xfrm>
+            <a:off x="1593273" y="1478971"/>
+            <a:ext cx="1828800" cy="1828800"/>
+          </a:xfrm>
+          <a:prstGeom prst="triangle">
+            <a:avLst/>
+          </a:prstGeom>
+          <a:solidFill>
+            <a:srgbClr val="0DE517"/>
+          </a:solidFill>
+        </p:spPr>
+        <p:style>
+          <a:lnRef idx="2">
+            <a:schemeClr val="accent1">
+              <a:shade val="50000"/>
+            </a:schemeClr>
+          </a:lnRef>
+          <a:fillRef idx="1">
+            <a:schemeClr val="accent1"/>
+          </a:fillRef>
+          <a:effectRef idx="0">
+            <a:schemeClr val="accent1"/>
+          </a:effectRef>
+          <a:fontRef idx="minor">
+            <a:schemeClr val="lt1"/>
+          </a:fontRef>
+        </p:style>
+        <p:txBody>
+          <a:bodyPr rtlCol="0" anchor="ctr"/>
+          <a:lstStyle/>
+          <a:p>
+            <a:pPr algn="ctr"/>
+            <a:endParaRPr lang="en-US" dirty="0"/>
+          </a:p>
+        </p:txBody>
+      </p:sp>
+      <p:sp>
+        <p:nvSpPr>
+          <p:cNvPr id="31" name="Rounded Rectangle 30"/>
+          <p:cNvSpPr/>
+          <p:nvPr/>
+        </p:nvSpPr>
+        <p:spPr>
+          <a:xfrm>
+            <a:off x="2240973" y="2476498"/>
+            <a:ext cx="533400" cy="457200"/>
+          </a:xfrm>
+          <a:prstGeom prst="roundRect">
+            <a:avLst/>
+          </a:prstGeom>
+          <a:solidFill>
+            <a:schemeClr val="tx2">
+              <a:lumMod val="95000"/>
+              <a:lumOff val="5000"/>
+            </a:schemeClr>
+          </a:solidFill>
+        </p:spPr>
+        <p:style>
+          <a:lnRef idx="2">
+            <a:schemeClr val="accent1">
+              <a:shade val="50000"/>
+            </a:schemeClr>
+          </a:lnRef>
+          <a:fillRef idx="1">
+            <a:schemeClr val="accent1"/>
+          </a:fillRef>
+          <a:effectRef idx="0">
+            <a:schemeClr val="accent1"/>
+          </a:effectRef>
+          <a:fontRef idx="minor">
+            <a:schemeClr val="lt1"/>
+          </a:fontRef>
+        </p:style>
+        <p:txBody>
+          <a:bodyPr rtlCol="0" anchor="ctr"/>
+          <a:lstStyle/>
+          <a:p>
+            <a:pPr algn="ctr"/>
+            <a:endParaRPr lang="en-US" dirty="0"/>
+          </a:p>
+        </p:txBody>
+      </p:sp>
+      <p:sp>
+        <p:nvSpPr>
+          <p:cNvPr id="32" name="Isosceles Triangle 31"/>
+          <p:cNvSpPr/>
+          <p:nvPr/>
+        </p:nvSpPr>
+        <p:spPr>
+          <a:xfrm>
+            <a:off x="1870364" y="2841272"/>
+            <a:ext cx="1828800" cy="1828800"/>
+          </a:xfrm>
+          <a:prstGeom prst="triangle">
+            <a:avLst/>
+          </a:prstGeom>
+          <a:solidFill>
+            <a:srgbClr val="0DE517"/>
+          </a:solidFill>
+        </p:spPr>
+        <p:style>
+          <a:lnRef idx="2">
+            <a:schemeClr val="accent1">
+              <a:shade val="50000"/>
+            </a:schemeClr>
+          </a:lnRef>
+          <a:fillRef idx="1">
+            <a:schemeClr val="accent1"/>
+          </a:fillRef>
+          <a:effectRef idx="0">
+            <a:schemeClr val="accent1"/>
+          </a:effectRef>
+          <a:fontRef idx="minor">
+            <a:schemeClr val="lt1"/>
+          </a:fontRef>
+        </p:style>
+        <p:txBody>
+          <a:bodyPr rtlCol="0" anchor="ctr"/>
+          <a:lstStyle/>
+          <a:p>
+            <a:pPr algn="ctr"/>
+            <a:endParaRPr lang="en-US" dirty="0"/>
+          </a:p>
+        </p:txBody>
+      </p:sp>
+      <p:sp>
+        <p:nvSpPr>
+          <p:cNvPr id="33" name="Rounded Rectangle 32"/>
+          <p:cNvSpPr/>
+          <p:nvPr/>
+        </p:nvSpPr>
+        <p:spPr>
+          <a:xfrm>
+            <a:off x="2518064" y="3838799"/>
+            <a:ext cx="533400" cy="457200"/>
+          </a:xfrm>
+          <a:prstGeom prst="roundRect">
+            <a:avLst/>
+          </a:prstGeom>
+          <a:solidFill>
+            <a:schemeClr val="tx2">
+              <a:lumMod val="95000"/>
+              <a:lumOff val="5000"/>
+            </a:schemeClr>
+          </a:solidFill>
+        </p:spPr>
+        <p:style>
+          <a:lnRef idx="2">
+            <a:schemeClr val="accent1">
+              <a:shade val="50000"/>
+            </a:schemeClr>
+          </a:lnRef>
+          <a:fillRef idx="1">
+            <a:schemeClr val="accent1"/>
+          </a:fillRef>
+          <a:effectRef idx="0">
+            <a:schemeClr val="accent1"/>
+          </a:effectRef>
+          <a:fontRef idx="minor">
+            <a:schemeClr val="lt1"/>
+          </a:fontRef>
+        </p:style>
+        <p:txBody>
+          <a:bodyPr rtlCol="0" anchor="ctr"/>
+          <a:lstStyle/>
+          <a:p>
+            <a:pPr algn="ctr"/>
+            <a:endParaRPr lang="en-US" dirty="0"/>
+          </a:p>
+        </p:txBody>
+      </p:sp>
+      <p:cxnSp>
+        <p:nvCxnSpPr>
+          <p:cNvPr id="35" name="Straight Arrow Connector 34"/>
+          <p:cNvCxnSpPr>
+            <a:stCxn id="7" idx="1"/>
+            <a:endCxn id="32" idx="5"/>
+          </p:cNvCxnSpPr>
+          <p:nvPr/>
+        </p:nvCxnSpPr>
+        <p:spPr bwMode="auto">
+          <a:xfrm flipH="1">
+            <a:off x="3241964" y="3307771"/>
+            <a:ext cx="3618944" cy="447901"/>
+          </a:xfrm>
+          <a:prstGeom prst="straightConnector1">
+            <a:avLst/>
+          </a:prstGeom>
+          <a:solidFill>
+            <a:schemeClr val="accent1"/>
+          </a:solidFill>
+          <a:ln w="9525" cap="flat" cmpd="sng" algn="ctr">
+            <a:solidFill>
+              <a:schemeClr val="tx1"/>
+            </a:solidFill>
+            <a:prstDash val="solid"/>
+            <a:round/>
+            <a:headEnd type="none" w="med" len="med"/>
+            <a:tailEnd type="arrow"/>
+          </a:ln>
+          <a:effectLst/>
+          <a:extLst>
+            <a:ext uri="{AF507438-7753-43E0-B8FC-AC1667EBCBE1}">
+              <a14:hiddenEffects xmlns:a14="http://schemas.microsoft.com/office/drawing/2010/main">
+                <a:effectLst>
+                  <a:outerShdw dist="35921" dir="2700000" algn="ctr" rotWithShape="0">
+                    <a:schemeClr val="bg2"/>
+                  </a:outerShdw>
+                </a:effectLst>
+              </a14:hiddenEffects>
+            </a:ext>
+          </a:extLst>
+        </p:spPr>
+      </p:cxnSp>
+    </p:spTree>
+    <p:extLst>
+      <p:ext uri="{BB962C8B-B14F-4D97-AF65-F5344CB8AC3E}">
+        <p14:creationId xmlns:p14="http://schemas.microsoft.com/office/powerpoint/2010/main" val="953930190"/>
+      </p:ext>
+    </p:extLst>
+  </p:cSld>
+  <p:clrMapOvr>
+    <a:masterClrMapping/>
+  </p:clrMapOvr>
+  <p:timing>
+    <p:tnLst>
+      <p:par>
+        <p:cTn id="1" dur="indefinite" restart="never" nodeType="tmRoot"/>
+      </p:par>
+    </p:tnLst>
+  </p:timing>
+</p:sld>
+</file>
+
 <file path=ppt/theme/theme1.xml><?xml version="1.0" encoding="utf-8"?>
-<a:theme xmlns:a="http://schemas.openxmlformats.org/drawingml/2006/main" name="Office Theme">
+<a:theme xmlns:a="http://schemas.openxmlformats.org/drawingml/2006/main" name="template">
   <a:themeElements>
-    <a:clrScheme name="Office">
+    <a:clrScheme name="template 4">
       <a:dk1>
-        <a:sysClr val="windowText" lastClr="000000"/>
+        <a:srgbClr val="4D4D4D"/>
       </a:dk1>
       <a:lt1>
-        <a:sysClr val="window" lastClr="FFFFFF"/>
+        <a:srgbClr val="FFFFFF"/>
       </a:lt1>
       <a:dk2>
-        <a:srgbClr val="1F497D"/>
+        <a:srgbClr val="000000"/>
       </a:dk2>
       <a:lt2>
-        <a:srgbClr val="EEECE1"/>
+        <a:srgbClr val="9B6902"/>
       </a:lt2>
       <a:accent1>
-        <a:srgbClr val="4F81BD"/>
+        <a:srgbClr val="C75E00"/>
       </a:accent1>
       <a:accent2>
-        <a:srgbClr val="C0504D"/>
+        <a:srgbClr val="FED416"/>
       </a:accent2>
       <a:accent3>
-        <a:srgbClr val="9BBB59"/>
+        <a:srgbClr val="FFFFFF"/>
       </a:accent3>
       <a:accent4>
-        <a:srgbClr val="8064A2"/>
+        <a:srgbClr val="404040"/>
       </a:accent4>
       <a:accent5>
-        <a:srgbClr val="4BACC6"/>
+        <a:srgbClr val="E0B6AA"/>
       </a:accent5>
       <a:accent6>
-        <a:srgbClr val="F79646"/>
+        <a:srgbClr val="E6C013"/>
       </a:accent6>
       <a:hlink>
-        <a:srgbClr val="0000FF"/>
+        <a:srgbClr val="EE6600"/>
       </a:hlink>
       <a:folHlink>
-        <a:srgbClr val="800080"/>
+        <a:srgbClr val="EAEAEA"/>
       </a:folHlink>
     </a:clrScheme>
-    <a:fontScheme name="Office">
+    <a:fontScheme name="template">
       <a:majorFont>
-        <a:latin typeface="Calibri"/>
+        <a:latin typeface="Futura LT Book"/>
         <a:ea typeface=""/>
         <a:cs typeface=""/>
-        <a:font script="Jpan" typeface="ＭＳ Ｐゴシック"/>
-        <a:font script="Hang" typeface="맑은 고딕"/>
-        <a:font script="Hans" typeface="宋体"/>
-        <a:font script="Hant" typeface="新細明體"/>
-        <a:font script="Arab" typeface="Times New Roman"/>
-        <a:font script="Hebr" typeface="Times New Roman"/>
-        <a:font script="Thai" typeface="Angsana New"/>
-        <a:font script="Ethi" typeface="Nyala"/>
-        <a:font script="Beng" typeface="Vrinda"/>
-        <a:font script="Gujr" typeface="Shruti"/>
-        <a:font script="Khmr" typeface="MoolBoran"/>
-        <a:font script="Knda" typeface="Tunga"/>
-        <a:font script="Guru" typeface="Raavi"/>
-        <a:font script="Cans" typeface="Euphemia"/>
-        <a:font script="Cher" typeface="Plantagenet Cherokee"/>
-        <a:font script="Yiii" typeface="Microsoft Yi Baiti"/>
-        <a:font script="Tibt" typeface="Microsoft Himalaya"/>
-        <a:font script="Thaa" typeface="MV Boli"/>
-        <a:font script="Deva" typeface="Mangal"/>
-        <a:font script="Telu" typeface="Gautami"/>
-        <a:font script="Taml" typeface="Latha"/>
-        <a:font script="Syrc" typeface="Estrangelo Edessa"/>
-        <a:font script="Orya" typeface="Kalinga"/>
-        <a:font script="Mlym" typeface="Kartika"/>
-        <a:font script="Laoo" typeface="DokChampa"/>
-        <a:font script="Sinh" typeface="Iskoola Pota"/>
-        <a:font script="Mong" typeface="Mongolian Baiti"/>
-        <a:font script="Viet" typeface="Times New Roman"/>
-        <a:font script="Uigh" typeface="Microsoft Uighur"/>
       </a:majorFont>
       <a:minorFont>
-        <a:latin typeface="Calibri"/>
+        <a:latin typeface="Arial"/>
         <a:ea typeface=""/>
         <a:cs typeface=""/>
-        <a:font script="Jpan" typeface="ＭＳ Ｐゴシック"/>
-        <a:font script="Hang" typeface="맑은 고딕"/>
-        <a:font script="Hans" typeface="宋体"/>
-        <a:font script="Hant" typeface="新細明體"/>
-        <a:font script="Arab" typeface="Arial"/>
-        <a:font script="Hebr" typeface="Arial"/>
-        <a:font script="Thai" typeface="Cordia New"/>
-        <a:font script="Ethi" typeface="Nyala"/>
-        <a:font script="Beng" typeface="Vrinda"/>
-        <a:font script="Gujr" typeface="Shruti"/>
-        <a:font script="Khmr" typeface="DaunPenh"/>
-        <a:font script="Knda" typeface="Tunga"/>
-        <a:font script="Guru" typeface="Raavi"/>
-        <a:font script="Cans" typeface="Euphemia"/>
-        <a:font script="Cher" typeface="Plantagenet Cherokee"/>
-        <a:font script="Yiii" typeface="Microsoft Yi Baiti"/>
-        <a:font script="Tibt" typeface="Microsoft Himalaya"/>
-        <a:font script="Thaa" typeface="MV Boli"/>
-        <a:font script="Deva" typeface="Mangal"/>
-        <a:font script="Telu" typeface="Gautami"/>
-        <a:font script="Taml" typeface="Latha"/>
-        <a:font script="Syrc" typeface="Estrangelo Edessa"/>
-        <a:font script="Orya" typeface="Kalinga"/>
-        <a:font script="Mlym" typeface="Kartika"/>
-        <a:font script="Laoo" typeface="DokChampa"/>
-        <a:font script="Sinh" typeface="Iskoola Pota"/>
-        <a:font script="Mong" typeface="Mongolian Baiti"/>
-        <a:font script="Viet" typeface="Arial"/>
-        <a:font script="Uigh" typeface="Microsoft Uighur"/>
       </a:minorFont>
     </a:fontScheme>
     <a:fmtScheme name="Office">
@@ -3317,7 +8775,1471 @@
       </a:bgFillStyleLst>
     </a:fmtScheme>
   </a:themeElements>
-  <a:objectDefaults/>
-  <a:extraClrSchemeLst/>
+  <a:objectDefaults>
+    <a:spDef>
+      <a:spPr bwMode="auto">
+        <a:xfrm>
+          <a:off x="0" y="0"/>
+          <a:ext cx="1" cy="1"/>
+        </a:xfrm>
+        <a:custGeom>
+          <a:avLst/>
+          <a:gdLst/>
+          <a:ahLst/>
+          <a:cxnLst/>
+          <a:rect l="0" t="0" r="0" b="0"/>
+          <a:pathLst/>
+        </a:custGeom>
+        <a:solidFill>
+          <a:schemeClr val="accent1"/>
+        </a:solidFill>
+        <a:ln w="9525" cap="flat" cmpd="sng" algn="ctr">
+          <a:solidFill>
+            <a:schemeClr val="tx1"/>
+          </a:solidFill>
+          <a:prstDash val="solid"/>
+          <a:round/>
+          <a:headEnd type="none" w="med" len="med"/>
+          <a:tailEnd type="none" w="med" len="med"/>
+        </a:ln>
+        <a:effectLst/>
+        <a:extLst>
+          <a:ext uri="{AF507438-7753-43E0-B8FC-AC1667EBCBE1}">
+            <a14:hiddenEffects xmlns:a14="http://schemas.microsoft.com/office/drawing/2010/main">
+              <a:effectLst>
+                <a:outerShdw dist="35921" dir="2700000" algn="ctr" rotWithShape="0">
+                  <a:schemeClr val="bg2"/>
+                </a:outerShdw>
+              </a:effectLst>
+            </a14:hiddenEffects>
+          </a:ext>
+        </a:extLst>
+      </a:spPr>
+      <a:bodyPr vert="horz" wrap="square" lIns="91440" tIns="45720" rIns="91440" bIns="45720" numCol="1" anchor="t" anchorCtr="0" compatLnSpc="1">
+        <a:prstTxWarp prst="textNoShape">
+          <a:avLst/>
+        </a:prstTxWarp>
+      </a:bodyPr>
+      <a:lstStyle>
+        <a:defPPr marL="0" marR="0" indent="0" algn="l" defTabSz="914400" rtl="0" eaLnBrk="1" fontAlgn="base" latinLnBrk="0" hangingPunct="1">
+          <a:lnSpc>
+            <a:spcPct val="100000"/>
+          </a:lnSpc>
+          <a:spcBef>
+            <a:spcPct val="0"/>
+          </a:spcBef>
+          <a:spcAft>
+            <a:spcPct val="0"/>
+          </a:spcAft>
+          <a:buClrTx/>
+          <a:buSzTx/>
+          <a:buFontTx/>
+          <a:buNone/>
+          <a:tabLst/>
+          <a:defRPr kumimoji="0" lang="ru-RU" sz="1800" b="1" i="0" u="none" strike="noStrike" cap="none" normalizeH="0" baseline="0" smtClean="0">
+            <a:ln>
+              <a:noFill/>
+            </a:ln>
+            <a:solidFill>
+              <a:schemeClr val="tx1"/>
+            </a:solidFill>
+            <a:effectLst/>
+            <a:latin typeface="Arial" charset="0"/>
+          </a:defRPr>
+        </a:defPPr>
+      </a:lstStyle>
+    </a:spDef>
+    <a:lnDef>
+      <a:spPr bwMode="auto">
+        <a:xfrm>
+          <a:off x="0" y="0"/>
+          <a:ext cx="1" cy="1"/>
+        </a:xfrm>
+        <a:custGeom>
+          <a:avLst/>
+          <a:gdLst/>
+          <a:ahLst/>
+          <a:cxnLst/>
+          <a:rect l="0" t="0" r="0" b="0"/>
+          <a:pathLst/>
+        </a:custGeom>
+        <a:solidFill>
+          <a:schemeClr val="accent1"/>
+        </a:solidFill>
+        <a:ln w="9525" cap="flat" cmpd="sng" algn="ctr">
+          <a:solidFill>
+            <a:schemeClr val="tx1"/>
+          </a:solidFill>
+          <a:prstDash val="solid"/>
+          <a:round/>
+          <a:headEnd type="none" w="med" len="med"/>
+          <a:tailEnd type="none" w="med" len="med"/>
+        </a:ln>
+        <a:effectLst/>
+        <a:extLst>
+          <a:ext uri="{AF507438-7753-43E0-B8FC-AC1667EBCBE1}">
+            <a14:hiddenEffects xmlns:a14="http://schemas.microsoft.com/office/drawing/2010/main">
+              <a:effectLst>
+                <a:outerShdw dist="35921" dir="2700000" algn="ctr" rotWithShape="0">
+                  <a:schemeClr val="bg2"/>
+                </a:outerShdw>
+              </a:effectLst>
+            </a14:hiddenEffects>
+          </a:ext>
+        </a:extLst>
+      </a:spPr>
+      <a:bodyPr vert="horz" wrap="square" lIns="91440" tIns="45720" rIns="91440" bIns="45720" numCol="1" anchor="t" anchorCtr="0" compatLnSpc="1">
+        <a:prstTxWarp prst="textNoShape">
+          <a:avLst/>
+        </a:prstTxWarp>
+      </a:bodyPr>
+      <a:lstStyle>
+        <a:defPPr marL="0" marR="0" indent="0" algn="l" defTabSz="914400" rtl="0" eaLnBrk="1" fontAlgn="base" latinLnBrk="0" hangingPunct="1">
+          <a:lnSpc>
+            <a:spcPct val="100000"/>
+          </a:lnSpc>
+          <a:spcBef>
+            <a:spcPct val="0"/>
+          </a:spcBef>
+          <a:spcAft>
+            <a:spcPct val="0"/>
+          </a:spcAft>
+          <a:buClrTx/>
+          <a:buSzTx/>
+          <a:buFontTx/>
+          <a:buNone/>
+          <a:tabLst/>
+          <a:defRPr kumimoji="0" lang="ru-RU" sz="1800" b="1" i="0" u="none" strike="noStrike" cap="none" normalizeH="0" baseline="0" smtClean="0">
+            <a:ln>
+              <a:noFill/>
+            </a:ln>
+            <a:solidFill>
+              <a:schemeClr val="tx1"/>
+            </a:solidFill>
+            <a:effectLst/>
+            <a:latin typeface="Arial" charset="0"/>
+          </a:defRPr>
+        </a:defPPr>
+      </a:lstStyle>
+    </a:lnDef>
+  </a:objectDefaults>
+  <a:extraClrSchemeLst>
+    <a:extraClrScheme>
+      <a:clrScheme name="template 1">
+        <a:dk1>
+          <a:srgbClr val="4D4D4D"/>
+        </a:dk1>
+        <a:lt1>
+          <a:srgbClr val="FFFFFF"/>
+        </a:lt1>
+        <a:dk2>
+          <a:srgbClr val="000000"/>
+        </a:dk2>
+        <a:lt2>
+          <a:srgbClr val="D5E1F3"/>
+        </a:lt2>
+        <a:accent1>
+          <a:srgbClr val="BC4417"/>
+        </a:accent1>
+        <a:accent2>
+          <a:srgbClr val="CF9C1C"/>
+        </a:accent2>
+        <a:accent3>
+          <a:srgbClr val="FFFFFF"/>
+        </a:accent3>
+        <a:accent4>
+          <a:srgbClr val="404040"/>
+        </a:accent4>
+        <a:accent5>
+          <a:srgbClr val="DAB0AB"/>
+        </a:accent5>
+        <a:accent6>
+          <a:srgbClr val="BB8D18"/>
+        </a:accent6>
+        <a:hlink>
+          <a:srgbClr val="E8C97C"/>
+        </a:hlink>
+        <a:folHlink>
+          <a:srgbClr val="EAEAEA"/>
+        </a:folHlink>
+      </a:clrScheme>
+      <a:clrMap bg1="lt1" tx1="dk1" bg2="lt2" tx2="dk2" accent1="accent1" accent2="accent2" accent3="accent3" accent4="accent4" accent5="accent5" accent6="accent6" hlink="hlink" folHlink="folHlink"/>
+    </a:extraClrScheme>
+    <a:extraClrScheme>
+      <a:clrScheme name="template 2">
+        <a:dk1>
+          <a:srgbClr val="4D4D4D"/>
+        </a:dk1>
+        <a:lt1>
+          <a:srgbClr val="FFFFFF"/>
+        </a:lt1>
+        <a:dk2>
+          <a:srgbClr val="000000"/>
+        </a:dk2>
+        <a:lt2>
+          <a:srgbClr val="986615"/>
+        </a:lt2>
+        <a:accent1>
+          <a:srgbClr val="BF4413"/>
+        </a:accent1>
+        <a:accent2>
+          <a:srgbClr val="FFAB21"/>
+        </a:accent2>
+        <a:accent3>
+          <a:srgbClr val="FFFFFF"/>
+        </a:accent3>
+        <a:accent4>
+          <a:srgbClr val="404040"/>
+        </a:accent4>
+        <a:accent5>
+          <a:srgbClr val="DCB0AA"/>
+        </a:accent5>
+        <a:accent6>
+          <a:srgbClr val="E79B1D"/>
+        </a:accent6>
+        <a:hlink>
+          <a:srgbClr val="C5A379"/>
+        </a:hlink>
+        <a:folHlink>
+          <a:srgbClr val="EAEAEA"/>
+        </a:folHlink>
+      </a:clrScheme>
+      <a:clrMap bg1="lt1" tx1="dk1" bg2="lt2" tx2="dk2" accent1="accent1" accent2="accent2" accent3="accent3" accent4="accent4" accent5="accent5" accent6="accent6" hlink="hlink" folHlink="folHlink"/>
+    </a:extraClrScheme>
+    <a:extraClrScheme>
+      <a:clrScheme name="template 3">
+        <a:dk1>
+          <a:srgbClr val="4D4D4D"/>
+        </a:dk1>
+        <a:lt1>
+          <a:srgbClr val="FFFFFF"/>
+        </a:lt1>
+        <a:dk2>
+          <a:srgbClr val="000000"/>
+        </a:dk2>
+        <a:lt2>
+          <a:srgbClr val="4A1B17"/>
+        </a:lt2>
+        <a:accent1>
+          <a:srgbClr val="C66C00"/>
+        </a:accent1>
+        <a:accent2>
+          <a:srgbClr val="FED416"/>
+        </a:accent2>
+        <a:accent3>
+          <a:srgbClr val="FFFFFF"/>
+        </a:accent3>
+        <a:accent4>
+          <a:srgbClr val="404040"/>
+        </a:accent4>
+        <a:accent5>
+          <a:srgbClr val="DFBAAA"/>
+        </a:accent5>
+        <a:accent6>
+          <a:srgbClr val="E6C013"/>
+        </a:accent6>
+        <a:hlink>
+          <a:srgbClr val="FFDE93"/>
+        </a:hlink>
+        <a:folHlink>
+          <a:srgbClr val="EAEAEA"/>
+        </a:folHlink>
+      </a:clrScheme>
+      <a:clrMap bg1="lt1" tx1="dk1" bg2="lt2" tx2="dk2" accent1="accent1" accent2="accent2" accent3="accent3" accent4="accent4" accent5="accent5" accent6="accent6" hlink="hlink" folHlink="folHlink"/>
+    </a:extraClrScheme>
+    <a:extraClrScheme>
+      <a:clrScheme name="template 4">
+        <a:dk1>
+          <a:srgbClr val="4D4D4D"/>
+        </a:dk1>
+        <a:lt1>
+          <a:srgbClr val="FFFFFF"/>
+        </a:lt1>
+        <a:dk2>
+          <a:srgbClr val="000000"/>
+        </a:dk2>
+        <a:lt2>
+          <a:srgbClr val="9B6902"/>
+        </a:lt2>
+        <a:accent1>
+          <a:srgbClr val="C75E00"/>
+        </a:accent1>
+        <a:accent2>
+          <a:srgbClr val="FED416"/>
+        </a:accent2>
+        <a:accent3>
+          <a:srgbClr val="FFFFFF"/>
+        </a:accent3>
+        <a:accent4>
+          <a:srgbClr val="404040"/>
+        </a:accent4>
+        <a:accent5>
+          <a:srgbClr val="E0B6AA"/>
+        </a:accent5>
+        <a:accent6>
+          <a:srgbClr val="E6C013"/>
+        </a:accent6>
+        <a:hlink>
+          <a:srgbClr val="EE6600"/>
+        </a:hlink>
+        <a:folHlink>
+          <a:srgbClr val="EAEAEA"/>
+        </a:folHlink>
+      </a:clrScheme>
+      <a:clrMap bg1="lt1" tx1="dk1" bg2="lt2" tx2="dk2" accent1="accent1" accent2="accent2" accent3="accent3" accent4="accent4" accent5="accent5" accent6="accent6" hlink="hlink" folHlink="folHlink"/>
+    </a:extraClrScheme>
+    <a:extraClrScheme>
+      <a:clrScheme name="template 5">
+        <a:dk1>
+          <a:srgbClr val="4D4D4D"/>
+        </a:dk1>
+        <a:lt1>
+          <a:srgbClr val="FFFFFF"/>
+        </a:lt1>
+        <a:dk2>
+          <a:srgbClr val="000000"/>
+        </a:dk2>
+        <a:lt2>
+          <a:srgbClr val="570301"/>
+        </a:lt2>
+        <a:accent1>
+          <a:srgbClr val="D37E00"/>
+        </a:accent1>
+        <a:accent2>
+          <a:srgbClr val="F5CB03"/>
+        </a:accent2>
+        <a:accent3>
+          <a:srgbClr val="FFFFFF"/>
+        </a:accent3>
+        <a:accent4>
+          <a:srgbClr val="404040"/>
+        </a:accent4>
+        <a:accent5>
+          <a:srgbClr val="E6C0AA"/>
+        </a:accent5>
+        <a:accent6>
+          <a:srgbClr val="DEB802"/>
+        </a:accent6>
+        <a:hlink>
+          <a:srgbClr val="D86001"/>
+        </a:hlink>
+        <a:folHlink>
+          <a:srgbClr val="EAEAEA"/>
+        </a:folHlink>
+      </a:clrScheme>
+      <a:clrMap bg1="lt1" tx1="dk1" bg2="lt2" tx2="dk2" accent1="accent1" accent2="accent2" accent3="accent3" accent4="accent4" accent5="accent5" accent6="accent6" hlink="hlink" folHlink="folHlink"/>
+    </a:extraClrScheme>
+    <a:extraClrScheme>
+      <a:clrScheme name="template 6">
+        <a:dk1>
+          <a:srgbClr val="4D4D4D"/>
+        </a:dk1>
+        <a:lt1>
+          <a:srgbClr val="FFFFFF"/>
+        </a:lt1>
+        <a:dk2>
+          <a:srgbClr val="000000"/>
+        </a:dk2>
+        <a:lt2>
+          <a:srgbClr val="713C0C"/>
+        </a:lt2>
+        <a:accent1>
+          <a:srgbClr val="E4B058"/>
+        </a:accent1>
+        <a:accent2>
+          <a:srgbClr val="FDD912"/>
+        </a:accent2>
+        <a:accent3>
+          <a:srgbClr val="FFFFFF"/>
+        </a:accent3>
+        <a:accent4>
+          <a:srgbClr val="404040"/>
+        </a:accent4>
+        <a:accent5>
+          <a:srgbClr val="EFD4B4"/>
+        </a:accent5>
+        <a:accent6>
+          <a:srgbClr val="E5C40F"/>
+        </a:accent6>
+        <a:hlink>
+          <a:srgbClr val="E06301"/>
+        </a:hlink>
+        <a:folHlink>
+          <a:srgbClr val="EAEAEA"/>
+        </a:folHlink>
+      </a:clrScheme>
+      <a:clrMap bg1="lt1" tx1="dk1" bg2="lt2" tx2="dk2" accent1="accent1" accent2="accent2" accent3="accent3" accent4="accent4" accent5="accent5" accent6="accent6" hlink="hlink" folHlink="folHlink"/>
+    </a:extraClrScheme>
+    <a:extraClrScheme>
+      <a:clrScheme name="template 7">
+        <a:dk1>
+          <a:srgbClr val="4D4D4D"/>
+        </a:dk1>
+        <a:lt1>
+          <a:srgbClr val="FFFFFF"/>
+        </a:lt1>
+        <a:dk2>
+          <a:srgbClr val="000000"/>
+        </a:dk2>
+        <a:lt2>
+          <a:srgbClr val="953900"/>
+        </a:lt2>
+        <a:accent1>
+          <a:srgbClr val="B65300"/>
+        </a:accent1>
+        <a:accent2>
+          <a:srgbClr val="CE6A00"/>
+        </a:accent2>
+        <a:accent3>
+          <a:srgbClr val="FFFFFF"/>
+        </a:accent3>
+        <a:accent4>
+          <a:srgbClr val="404040"/>
+        </a:accent4>
+        <a:accent5>
+          <a:srgbClr val="D7B3AA"/>
+        </a:accent5>
+        <a:accent6>
+          <a:srgbClr val="BA5F00"/>
+        </a:accent6>
+        <a:hlink>
+          <a:srgbClr val="F0A806"/>
+        </a:hlink>
+        <a:folHlink>
+          <a:srgbClr val="FFE6CD"/>
+        </a:folHlink>
+      </a:clrScheme>
+      <a:clrMap bg1="lt1" tx1="dk1" bg2="lt2" tx2="dk2" accent1="accent1" accent2="accent2" accent3="accent3" accent4="accent4" accent5="accent5" accent6="accent6" hlink="hlink" folHlink="folHlink"/>
+    </a:extraClrScheme>
+    <a:extraClrScheme>
+      <a:clrScheme name="template 8">
+        <a:dk1>
+          <a:srgbClr val="4D4D4D"/>
+        </a:dk1>
+        <a:lt1>
+          <a:srgbClr val="FFFFFF"/>
+        </a:lt1>
+        <a:dk2>
+          <a:srgbClr val="000000"/>
+        </a:dk2>
+        <a:lt2>
+          <a:srgbClr val="D87200"/>
+        </a:lt2>
+        <a:accent1>
+          <a:srgbClr val="E29B07"/>
+        </a:accent1>
+        <a:accent2>
+          <a:srgbClr val="EDBF03"/>
+        </a:accent2>
+        <a:accent3>
+          <a:srgbClr val="FFFFFF"/>
+        </a:accent3>
+        <a:accent4>
+          <a:srgbClr val="404040"/>
+        </a:accent4>
+        <a:accent5>
+          <a:srgbClr val="EECBAA"/>
+        </a:accent5>
+        <a:accent6>
+          <a:srgbClr val="D7AD02"/>
+        </a:accent6>
+        <a:hlink>
+          <a:srgbClr val="7CA43F"/>
+        </a:hlink>
+        <a:folHlink>
+          <a:srgbClr val="FFE6CD"/>
+        </a:folHlink>
+      </a:clrScheme>
+      <a:clrMap bg1="lt1" tx1="dk1" bg2="lt2" tx2="dk2" accent1="accent1" accent2="accent2" accent3="accent3" accent4="accent4" accent5="accent5" accent6="accent6" hlink="hlink" folHlink="folHlink"/>
+    </a:extraClrScheme>
+    <a:extraClrScheme>
+      <a:clrScheme name="template 9">
+        <a:dk1>
+          <a:srgbClr val="4D4D4D"/>
+        </a:dk1>
+        <a:lt1>
+          <a:srgbClr val="FFFFFF"/>
+        </a:lt1>
+        <a:dk2>
+          <a:srgbClr val="000000"/>
+        </a:dk2>
+        <a:lt2>
+          <a:srgbClr val="D24D06"/>
+        </a:lt2>
+        <a:accent1>
+          <a:srgbClr val="E59709"/>
+        </a:accent1>
+        <a:accent2>
+          <a:srgbClr val="E9AC24"/>
+        </a:accent2>
+        <a:accent3>
+          <a:srgbClr val="FFFFFF"/>
+        </a:accent3>
+        <a:accent4>
+          <a:srgbClr val="404040"/>
+        </a:accent4>
+        <a:accent5>
+          <a:srgbClr val="F0C9AA"/>
+        </a:accent5>
+        <a:accent6>
+          <a:srgbClr val="D39B20"/>
+        </a:accent6>
+        <a:hlink>
+          <a:srgbClr val="F7B80B"/>
+        </a:hlink>
+        <a:folHlink>
+          <a:srgbClr val="FFE6CD"/>
+        </a:folHlink>
+      </a:clrScheme>
+      <a:clrMap bg1="lt1" tx1="dk1" bg2="lt2" tx2="dk2" accent1="accent1" accent2="accent2" accent3="accent3" accent4="accent4" accent5="accent5" accent6="accent6" hlink="hlink" folHlink="folHlink"/>
+    </a:extraClrScheme>
+    <a:extraClrScheme>
+      <a:clrScheme name="template 10">
+        <a:dk1>
+          <a:srgbClr val="4D4D4D"/>
+        </a:dk1>
+        <a:lt1>
+          <a:srgbClr val="FFFFFF"/>
+        </a:lt1>
+        <a:dk2>
+          <a:srgbClr val="000000"/>
+        </a:dk2>
+        <a:lt2>
+          <a:srgbClr val="CD5003"/>
+        </a:lt2>
+        <a:accent1>
+          <a:srgbClr val="419DCF"/>
+        </a:accent1>
+        <a:accent2>
+          <a:srgbClr val="BC1F1F"/>
+        </a:accent2>
+        <a:accent3>
+          <a:srgbClr val="FFFFFF"/>
+        </a:accent3>
+        <a:accent4>
+          <a:srgbClr val="404040"/>
+        </a:accent4>
+        <a:accent5>
+          <a:srgbClr val="B0CCE4"/>
+        </a:accent5>
+        <a:accent6>
+          <a:srgbClr val="AA1B1B"/>
+        </a:accent6>
+        <a:hlink>
+          <a:srgbClr val="FFE42F"/>
+        </a:hlink>
+        <a:folHlink>
+          <a:srgbClr val="FFE6CD"/>
+        </a:folHlink>
+      </a:clrScheme>
+      <a:clrMap bg1="lt1" tx1="dk1" bg2="lt2" tx2="dk2" accent1="accent1" accent2="accent2" accent3="accent3" accent4="accent4" accent5="accent5" accent6="accent6" hlink="hlink" folHlink="folHlink"/>
+    </a:extraClrScheme>
+    <a:extraClrScheme>
+      <a:clrScheme name="template 11">
+        <a:dk1>
+          <a:srgbClr val="4D4D4D"/>
+        </a:dk1>
+        <a:lt1>
+          <a:srgbClr val="FFFFFF"/>
+        </a:lt1>
+        <a:dk2>
+          <a:srgbClr val="000000"/>
+        </a:dk2>
+        <a:lt2>
+          <a:srgbClr val="DF2905"/>
+        </a:lt2>
+        <a:accent1>
+          <a:srgbClr val="D05203"/>
+        </a:accent1>
+        <a:accent2>
+          <a:srgbClr val="72A3E1"/>
+        </a:accent2>
+        <a:accent3>
+          <a:srgbClr val="FFFFFF"/>
+        </a:accent3>
+        <a:accent4>
+          <a:srgbClr val="404040"/>
+        </a:accent4>
+        <a:accent5>
+          <a:srgbClr val="E4B3AA"/>
+        </a:accent5>
+        <a:accent6>
+          <a:srgbClr val="6793CC"/>
+        </a:accent6>
+        <a:hlink>
+          <a:srgbClr val="F3A105"/>
+        </a:hlink>
+        <a:folHlink>
+          <a:srgbClr val="EAEAEA"/>
+        </a:folHlink>
+      </a:clrScheme>
+      <a:clrMap bg1="lt1" tx1="dk1" bg2="lt2" tx2="dk2" accent1="accent1" accent2="accent2" accent3="accent3" accent4="accent4" accent5="accent5" accent6="accent6" hlink="hlink" folHlink="folHlink"/>
+    </a:extraClrScheme>
+  </a:extraClrSchemeLst>
+</a:theme>
+</file>
+
+<file path=ppt/theme/theme2.xml><?xml version="1.0" encoding="utf-8"?>
+<a:theme xmlns:a="http://schemas.openxmlformats.org/drawingml/2006/main" name="Custom Design">
+  <a:themeElements>
+    <a:clrScheme name="Custom Design 1">
+      <a:dk1>
+        <a:srgbClr val="000000"/>
+      </a:dk1>
+      <a:lt1>
+        <a:srgbClr val="FFFFFF"/>
+      </a:lt1>
+      <a:dk2>
+        <a:srgbClr val="000000"/>
+      </a:dk2>
+      <a:lt2>
+        <a:srgbClr val="808080"/>
+      </a:lt2>
+      <a:accent1>
+        <a:srgbClr val="BBE0E3"/>
+      </a:accent1>
+      <a:accent2>
+        <a:srgbClr val="333399"/>
+      </a:accent2>
+      <a:accent3>
+        <a:srgbClr val="FFFFFF"/>
+      </a:accent3>
+      <a:accent4>
+        <a:srgbClr val="000000"/>
+      </a:accent4>
+      <a:accent5>
+        <a:srgbClr val="DAEDEF"/>
+      </a:accent5>
+      <a:accent6>
+        <a:srgbClr val="2D2D8A"/>
+      </a:accent6>
+      <a:hlink>
+        <a:srgbClr val="009999"/>
+      </a:hlink>
+      <a:folHlink>
+        <a:srgbClr val="99CC00"/>
+      </a:folHlink>
+    </a:clrScheme>
+    <a:fontScheme name="Custom Design">
+      <a:majorFont>
+        <a:latin typeface="Futura LT Book"/>
+        <a:ea typeface=""/>
+        <a:cs typeface=""/>
+      </a:majorFont>
+      <a:minorFont>
+        <a:latin typeface="Arial"/>
+        <a:ea typeface=""/>
+        <a:cs typeface=""/>
+      </a:minorFont>
+    </a:fontScheme>
+    <a:fmtScheme name="Office">
+      <a:fillStyleLst>
+        <a:solidFill>
+          <a:schemeClr val="phClr"/>
+        </a:solidFill>
+        <a:gradFill rotWithShape="1">
+          <a:gsLst>
+            <a:gs pos="0">
+              <a:schemeClr val="phClr">
+                <a:tint val="50000"/>
+                <a:satMod val="300000"/>
+              </a:schemeClr>
+            </a:gs>
+            <a:gs pos="35000">
+              <a:schemeClr val="phClr">
+                <a:tint val="37000"/>
+                <a:satMod val="300000"/>
+              </a:schemeClr>
+            </a:gs>
+            <a:gs pos="100000">
+              <a:schemeClr val="phClr">
+                <a:tint val="15000"/>
+                <a:satMod val="350000"/>
+              </a:schemeClr>
+            </a:gs>
+          </a:gsLst>
+          <a:lin ang="16200000" scaled="1"/>
+        </a:gradFill>
+        <a:gradFill rotWithShape="1">
+          <a:gsLst>
+            <a:gs pos="0">
+              <a:schemeClr val="phClr">
+                <a:shade val="51000"/>
+                <a:satMod val="130000"/>
+              </a:schemeClr>
+            </a:gs>
+            <a:gs pos="80000">
+              <a:schemeClr val="phClr">
+                <a:shade val="93000"/>
+                <a:satMod val="130000"/>
+              </a:schemeClr>
+            </a:gs>
+            <a:gs pos="100000">
+              <a:schemeClr val="phClr">
+                <a:shade val="94000"/>
+                <a:satMod val="135000"/>
+              </a:schemeClr>
+            </a:gs>
+          </a:gsLst>
+          <a:lin ang="16200000" scaled="0"/>
+        </a:gradFill>
+      </a:fillStyleLst>
+      <a:lnStyleLst>
+        <a:ln w="9525" cap="flat" cmpd="sng" algn="ctr">
+          <a:solidFill>
+            <a:schemeClr val="phClr">
+              <a:shade val="95000"/>
+              <a:satMod val="105000"/>
+            </a:schemeClr>
+          </a:solidFill>
+          <a:prstDash val="solid"/>
+        </a:ln>
+        <a:ln w="25400" cap="flat" cmpd="sng" algn="ctr">
+          <a:solidFill>
+            <a:schemeClr val="phClr"/>
+          </a:solidFill>
+          <a:prstDash val="solid"/>
+        </a:ln>
+        <a:ln w="38100" cap="flat" cmpd="sng" algn="ctr">
+          <a:solidFill>
+            <a:schemeClr val="phClr"/>
+          </a:solidFill>
+          <a:prstDash val="solid"/>
+        </a:ln>
+      </a:lnStyleLst>
+      <a:effectStyleLst>
+        <a:effectStyle>
+          <a:effectLst>
+            <a:outerShdw blurRad="40000" dist="20000" dir="5400000" rotWithShape="0">
+              <a:srgbClr val="000000">
+                <a:alpha val="38000"/>
+              </a:srgbClr>
+            </a:outerShdw>
+          </a:effectLst>
+        </a:effectStyle>
+        <a:effectStyle>
+          <a:effectLst>
+            <a:outerShdw blurRad="40000" dist="23000" dir="5400000" rotWithShape="0">
+              <a:srgbClr val="000000">
+                <a:alpha val="35000"/>
+              </a:srgbClr>
+            </a:outerShdw>
+          </a:effectLst>
+        </a:effectStyle>
+        <a:effectStyle>
+          <a:effectLst>
+            <a:outerShdw blurRad="40000" dist="23000" dir="5400000" rotWithShape="0">
+              <a:srgbClr val="000000">
+                <a:alpha val="35000"/>
+              </a:srgbClr>
+            </a:outerShdw>
+          </a:effectLst>
+          <a:scene3d>
+            <a:camera prst="orthographicFront">
+              <a:rot lat="0" lon="0" rev="0"/>
+            </a:camera>
+            <a:lightRig rig="threePt" dir="t">
+              <a:rot lat="0" lon="0" rev="1200000"/>
+            </a:lightRig>
+          </a:scene3d>
+          <a:sp3d>
+            <a:bevelT w="63500" h="25400"/>
+          </a:sp3d>
+        </a:effectStyle>
+      </a:effectStyleLst>
+      <a:bgFillStyleLst>
+        <a:solidFill>
+          <a:schemeClr val="phClr"/>
+        </a:solidFill>
+        <a:gradFill rotWithShape="1">
+          <a:gsLst>
+            <a:gs pos="0">
+              <a:schemeClr val="phClr">
+                <a:tint val="40000"/>
+                <a:satMod val="350000"/>
+              </a:schemeClr>
+            </a:gs>
+            <a:gs pos="40000">
+              <a:schemeClr val="phClr">
+                <a:tint val="45000"/>
+                <a:shade val="99000"/>
+                <a:satMod val="350000"/>
+              </a:schemeClr>
+            </a:gs>
+            <a:gs pos="100000">
+              <a:schemeClr val="phClr">
+                <a:shade val="20000"/>
+                <a:satMod val="255000"/>
+              </a:schemeClr>
+            </a:gs>
+          </a:gsLst>
+          <a:path path="circle">
+            <a:fillToRect l="50000" t="-80000" r="50000" b="180000"/>
+          </a:path>
+        </a:gradFill>
+        <a:gradFill rotWithShape="1">
+          <a:gsLst>
+            <a:gs pos="0">
+              <a:schemeClr val="phClr">
+                <a:tint val="80000"/>
+                <a:satMod val="300000"/>
+              </a:schemeClr>
+            </a:gs>
+            <a:gs pos="100000">
+              <a:schemeClr val="phClr">
+                <a:shade val="30000"/>
+                <a:satMod val="200000"/>
+              </a:schemeClr>
+            </a:gs>
+          </a:gsLst>
+          <a:path path="circle">
+            <a:fillToRect l="50000" t="50000" r="50000" b="50000"/>
+          </a:path>
+        </a:gradFill>
+      </a:bgFillStyleLst>
+    </a:fmtScheme>
+  </a:themeElements>
+  <a:objectDefaults>
+    <a:spDef>
+      <a:spPr bwMode="auto">
+        <a:xfrm>
+          <a:off x="0" y="0"/>
+          <a:ext cx="1" cy="1"/>
+        </a:xfrm>
+        <a:custGeom>
+          <a:avLst/>
+          <a:gdLst/>
+          <a:ahLst/>
+          <a:cxnLst/>
+          <a:rect l="0" t="0" r="0" b="0"/>
+          <a:pathLst/>
+        </a:custGeom>
+        <a:solidFill>
+          <a:schemeClr val="accent1"/>
+        </a:solidFill>
+        <a:ln w="9525" cap="flat" cmpd="sng" algn="ctr">
+          <a:solidFill>
+            <a:schemeClr val="tx1"/>
+          </a:solidFill>
+          <a:prstDash val="solid"/>
+          <a:round/>
+          <a:headEnd type="none" w="med" len="med"/>
+          <a:tailEnd type="none" w="med" len="med"/>
+        </a:ln>
+        <a:effectLst/>
+        <a:extLst>
+          <a:ext uri="{AF507438-7753-43E0-B8FC-AC1667EBCBE1}">
+            <a14:hiddenEffects xmlns:a14="http://schemas.microsoft.com/office/drawing/2010/main">
+              <a:effectLst>
+                <a:outerShdw dist="35921" dir="2700000" algn="ctr" rotWithShape="0">
+                  <a:schemeClr val="bg2"/>
+                </a:outerShdw>
+              </a:effectLst>
+            </a14:hiddenEffects>
+          </a:ext>
+        </a:extLst>
+      </a:spPr>
+      <a:bodyPr vert="horz" wrap="square" lIns="91440" tIns="45720" rIns="91440" bIns="45720" numCol="1" anchor="t" anchorCtr="0" compatLnSpc="1">
+        <a:prstTxWarp prst="textNoShape">
+          <a:avLst/>
+        </a:prstTxWarp>
+      </a:bodyPr>
+      <a:lstStyle>
+        <a:defPPr marL="0" marR="0" indent="0" algn="l" defTabSz="914400" rtl="0" eaLnBrk="1" fontAlgn="base" latinLnBrk="0" hangingPunct="1">
+          <a:lnSpc>
+            <a:spcPct val="100000"/>
+          </a:lnSpc>
+          <a:spcBef>
+            <a:spcPct val="0"/>
+          </a:spcBef>
+          <a:spcAft>
+            <a:spcPct val="0"/>
+          </a:spcAft>
+          <a:buClrTx/>
+          <a:buSzTx/>
+          <a:buFontTx/>
+          <a:buNone/>
+          <a:tabLst/>
+          <a:defRPr kumimoji="0" lang="ru-RU" sz="1800" b="1" i="0" u="none" strike="noStrike" cap="none" normalizeH="0" baseline="0" smtClean="0">
+            <a:ln>
+              <a:noFill/>
+            </a:ln>
+            <a:solidFill>
+              <a:schemeClr val="tx1"/>
+            </a:solidFill>
+            <a:effectLst/>
+            <a:latin typeface="Arial" charset="0"/>
+          </a:defRPr>
+        </a:defPPr>
+      </a:lstStyle>
+    </a:spDef>
+    <a:lnDef>
+      <a:spPr bwMode="auto">
+        <a:xfrm>
+          <a:off x="0" y="0"/>
+          <a:ext cx="1" cy="1"/>
+        </a:xfrm>
+        <a:custGeom>
+          <a:avLst/>
+          <a:gdLst/>
+          <a:ahLst/>
+          <a:cxnLst/>
+          <a:rect l="0" t="0" r="0" b="0"/>
+          <a:pathLst/>
+        </a:custGeom>
+        <a:solidFill>
+          <a:schemeClr val="accent1"/>
+        </a:solidFill>
+        <a:ln w="9525" cap="flat" cmpd="sng" algn="ctr">
+          <a:solidFill>
+            <a:schemeClr val="tx1"/>
+          </a:solidFill>
+          <a:prstDash val="solid"/>
+          <a:round/>
+          <a:headEnd type="none" w="med" len="med"/>
+          <a:tailEnd type="none" w="med" len="med"/>
+        </a:ln>
+        <a:effectLst/>
+        <a:extLst>
+          <a:ext uri="{AF507438-7753-43E0-B8FC-AC1667EBCBE1}">
+            <a14:hiddenEffects xmlns:a14="http://schemas.microsoft.com/office/drawing/2010/main">
+              <a:effectLst>
+                <a:outerShdw dist="35921" dir="2700000" algn="ctr" rotWithShape="0">
+                  <a:schemeClr val="bg2"/>
+                </a:outerShdw>
+              </a:effectLst>
+            </a14:hiddenEffects>
+          </a:ext>
+        </a:extLst>
+      </a:spPr>
+      <a:bodyPr vert="horz" wrap="square" lIns="91440" tIns="45720" rIns="91440" bIns="45720" numCol="1" anchor="t" anchorCtr="0" compatLnSpc="1">
+        <a:prstTxWarp prst="textNoShape">
+          <a:avLst/>
+        </a:prstTxWarp>
+      </a:bodyPr>
+      <a:lstStyle>
+        <a:defPPr marL="0" marR="0" indent="0" algn="l" defTabSz="914400" rtl="0" eaLnBrk="1" fontAlgn="base" latinLnBrk="0" hangingPunct="1">
+          <a:lnSpc>
+            <a:spcPct val="100000"/>
+          </a:lnSpc>
+          <a:spcBef>
+            <a:spcPct val="0"/>
+          </a:spcBef>
+          <a:spcAft>
+            <a:spcPct val="0"/>
+          </a:spcAft>
+          <a:buClrTx/>
+          <a:buSzTx/>
+          <a:buFontTx/>
+          <a:buNone/>
+          <a:tabLst/>
+          <a:defRPr kumimoji="0" lang="ru-RU" sz="1800" b="1" i="0" u="none" strike="noStrike" cap="none" normalizeH="0" baseline="0" smtClean="0">
+            <a:ln>
+              <a:noFill/>
+            </a:ln>
+            <a:solidFill>
+              <a:schemeClr val="tx1"/>
+            </a:solidFill>
+            <a:effectLst/>
+            <a:latin typeface="Arial" charset="0"/>
+          </a:defRPr>
+        </a:defPPr>
+      </a:lstStyle>
+    </a:lnDef>
+  </a:objectDefaults>
+  <a:extraClrSchemeLst>
+    <a:extraClrScheme>
+      <a:clrScheme name="Custom Design 1">
+        <a:dk1>
+          <a:srgbClr val="000000"/>
+        </a:dk1>
+        <a:lt1>
+          <a:srgbClr val="FFFFFF"/>
+        </a:lt1>
+        <a:dk2>
+          <a:srgbClr val="000000"/>
+        </a:dk2>
+        <a:lt2>
+          <a:srgbClr val="808080"/>
+        </a:lt2>
+        <a:accent1>
+          <a:srgbClr val="BBE0E3"/>
+        </a:accent1>
+        <a:accent2>
+          <a:srgbClr val="333399"/>
+        </a:accent2>
+        <a:accent3>
+          <a:srgbClr val="FFFFFF"/>
+        </a:accent3>
+        <a:accent4>
+          <a:srgbClr val="000000"/>
+        </a:accent4>
+        <a:accent5>
+          <a:srgbClr val="DAEDEF"/>
+        </a:accent5>
+        <a:accent6>
+          <a:srgbClr val="2D2D8A"/>
+        </a:accent6>
+        <a:hlink>
+          <a:srgbClr val="009999"/>
+        </a:hlink>
+        <a:folHlink>
+          <a:srgbClr val="99CC00"/>
+        </a:folHlink>
+      </a:clrScheme>
+      <a:clrMap bg1="lt1" tx1="dk1" bg2="lt2" tx2="dk2" accent1="accent1" accent2="accent2" accent3="accent3" accent4="accent4" accent5="accent5" accent6="accent6" hlink="hlink" folHlink="folHlink"/>
+    </a:extraClrScheme>
+    <a:extraClrScheme>
+      <a:clrScheme name="Custom Design 2">
+        <a:dk1>
+          <a:srgbClr val="000000"/>
+        </a:dk1>
+        <a:lt1>
+          <a:srgbClr val="FFFFFF"/>
+        </a:lt1>
+        <a:dk2>
+          <a:srgbClr val="000000"/>
+        </a:dk2>
+        <a:lt2>
+          <a:srgbClr val="969696"/>
+        </a:lt2>
+        <a:accent1>
+          <a:srgbClr val="FBDF53"/>
+        </a:accent1>
+        <a:accent2>
+          <a:srgbClr val="FF9966"/>
+        </a:accent2>
+        <a:accent3>
+          <a:srgbClr val="FFFFFF"/>
+        </a:accent3>
+        <a:accent4>
+          <a:srgbClr val="000000"/>
+        </a:accent4>
+        <a:accent5>
+          <a:srgbClr val="FDECB3"/>
+        </a:accent5>
+        <a:accent6>
+          <a:srgbClr val="E78A5C"/>
+        </a:accent6>
+        <a:hlink>
+          <a:srgbClr val="CC3300"/>
+        </a:hlink>
+        <a:folHlink>
+          <a:srgbClr val="996600"/>
+        </a:folHlink>
+      </a:clrScheme>
+      <a:clrMap bg1="lt1" tx1="dk1" bg2="lt2" tx2="dk2" accent1="accent1" accent2="accent2" accent3="accent3" accent4="accent4" accent5="accent5" accent6="accent6" hlink="hlink" folHlink="folHlink"/>
+    </a:extraClrScheme>
+    <a:extraClrScheme>
+      <a:clrScheme name="Custom Design 3">
+        <a:dk1>
+          <a:srgbClr val="000000"/>
+        </a:dk1>
+        <a:lt1>
+          <a:srgbClr val="FFFFFF"/>
+        </a:lt1>
+        <a:dk2>
+          <a:srgbClr val="000000"/>
+        </a:dk2>
+        <a:lt2>
+          <a:srgbClr val="808080"/>
+        </a:lt2>
+        <a:accent1>
+          <a:srgbClr val="99CCFF"/>
+        </a:accent1>
+        <a:accent2>
+          <a:srgbClr val="CCCCFF"/>
+        </a:accent2>
+        <a:accent3>
+          <a:srgbClr val="FFFFFF"/>
+        </a:accent3>
+        <a:accent4>
+          <a:srgbClr val="000000"/>
+        </a:accent4>
+        <a:accent5>
+          <a:srgbClr val="CAE2FF"/>
+        </a:accent5>
+        <a:accent6>
+          <a:srgbClr val="B9B9E7"/>
+        </a:accent6>
+        <a:hlink>
+          <a:srgbClr val="3333CC"/>
+        </a:hlink>
+        <a:folHlink>
+          <a:srgbClr val="AF67FF"/>
+        </a:folHlink>
+      </a:clrScheme>
+      <a:clrMap bg1="lt1" tx1="dk1" bg2="lt2" tx2="dk2" accent1="accent1" accent2="accent2" accent3="accent3" accent4="accent4" accent5="accent5" accent6="accent6" hlink="hlink" folHlink="folHlink"/>
+    </a:extraClrScheme>
+    <a:extraClrScheme>
+      <a:clrScheme name="Custom Design 4">
+        <a:dk1>
+          <a:srgbClr val="000000"/>
+        </a:dk1>
+        <a:lt1>
+          <a:srgbClr val="DEF6F1"/>
+        </a:lt1>
+        <a:dk2>
+          <a:srgbClr val="000000"/>
+        </a:dk2>
+        <a:lt2>
+          <a:srgbClr val="969696"/>
+        </a:lt2>
+        <a:accent1>
+          <a:srgbClr val="FFFFFF"/>
+        </a:accent1>
+        <a:accent2>
+          <a:srgbClr val="8DC6FF"/>
+        </a:accent2>
+        <a:accent3>
+          <a:srgbClr val="ECFAF7"/>
+        </a:accent3>
+        <a:accent4>
+          <a:srgbClr val="000000"/>
+        </a:accent4>
+        <a:accent5>
+          <a:srgbClr val="FFFFFF"/>
+        </a:accent5>
+        <a:accent6>
+          <a:srgbClr val="7FB3E7"/>
+        </a:accent6>
+        <a:hlink>
+          <a:srgbClr val="0066CC"/>
+        </a:hlink>
+        <a:folHlink>
+          <a:srgbClr val="00A800"/>
+        </a:folHlink>
+      </a:clrScheme>
+      <a:clrMap bg1="lt1" tx1="dk1" bg2="lt2" tx2="dk2" accent1="accent1" accent2="accent2" accent3="accent3" accent4="accent4" accent5="accent5" accent6="accent6" hlink="hlink" folHlink="folHlink"/>
+    </a:extraClrScheme>
+    <a:extraClrScheme>
+      <a:clrScheme name="Custom Design 5">
+        <a:dk1>
+          <a:srgbClr val="000000"/>
+        </a:dk1>
+        <a:lt1>
+          <a:srgbClr val="FFFFD9"/>
+        </a:lt1>
+        <a:dk2>
+          <a:srgbClr val="000000"/>
+        </a:dk2>
+        <a:lt2>
+          <a:srgbClr val="777777"/>
+        </a:lt2>
+        <a:accent1>
+          <a:srgbClr val="FFFFF7"/>
+        </a:accent1>
+        <a:accent2>
+          <a:srgbClr val="33CCCC"/>
+        </a:accent2>
+        <a:accent3>
+          <a:srgbClr val="FFFFE9"/>
+        </a:accent3>
+        <a:accent4>
+          <a:srgbClr val="000000"/>
+        </a:accent4>
+        <a:accent5>
+          <a:srgbClr val="FFFFFA"/>
+        </a:accent5>
+        <a:accent6>
+          <a:srgbClr val="2DB9B9"/>
+        </a:accent6>
+        <a:hlink>
+          <a:srgbClr val="FF5050"/>
+        </a:hlink>
+        <a:folHlink>
+          <a:srgbClr val="FF9900"/>
+        </a:folHlink>
+      </a:clrScheme>
+      <a:clrMap bg1="lt1" tx1="dk1" bg2="lt2" tx2="dk2" accent1="accent1" accent2="accent2" accent3="accent3" accent4="accent4" accent5="accent5" accent6="accent6" hlink="hlink" folHlink="folHlink"/>
+    </a:extraClrScheme>
+    <a:extraClrScheme>
+      <a:clrScheme name="Custom Design 6">
+        <a:dk1>
+          <a:srgbClr val="005A58"/>
+        </a:dk1>
+        <a:lt1>
+          <a:srgbClr val="FFFFFF"/>
+        </a:lt1>
+        <a:dk2>
+          <a:srgbClr val="008080"/>
+        </a:dk2>
+        <a:lt2>
+          <a:srgbClr val="FFFF99"/>
+        </a:lt2>
+        <a:accent1>
+          <a:srgbClr val="006462"/>
+        </a:accent1>
+        <a:accent2>
+          <a:srgbClr val="6D6FC7"/>
+        </a:accent2>
+        <a:accent3>
+          <a:srgbClr val="AAC0C0"/>
+        </a:accent3>
+        <a:accent4>
+          <a:srgbClr val="DADADA"/>
+        </a:accent4>
+        <a:accent5>
+          <a:srgbClr val="AAB8B7"/>
+        </a:accent5>
+        <a:accent6>
+          <a:srgbClr val="6264B4"/>
+        </a:accent6>
+        <a:hlink>
+          <a:srgbClr val="00FFFF"/>
+        </a:hlink>
+        <a:folHlink>
+          <a:srgbClr val="00FF00"/>
+        </a:folHlink>
+      </a:clrScheme>
+      <a:clrMap bg1="dk2" tx1="lt1" bg2="dk1" tx2="lt2" accent1="accent1" accent2="accent2" accent3="accent3" accent4="accent4" accent5="accent5" accent6="accent6" hlink="hlink" folHlink="folHlink"/>
+    </a:extraClrScheme>
+    <a:extraClrScheme>
+      <a:clrScheme name="Custom Design 7">
+        <a:dk1>
+          <a:srgbClr val="5C1F00"/>
+        </a:dk1>
+        <a:lt1>
+          <a:srgbClr val="FFFFFF"/>
+        </a:lt1>
+        <a:dk2>
+          <a:srgbClr val="800000"/>
+        </a:dk2>
+        <a:lt2>
+          <a:srgbClr val="DFD293"/>
+        </a:lt2>
+        <a:accent1>
+          <a:srgbClr val="CC3300"/>
+        </a:accent1>
+        <a:accent2>
+          <a:srgbClr val="BE7960"/>
+        </a:accent2>
+        <a:accent3>
+          <a:srgbClr val="C0AAAA"/>
+        </a:accent3>
+        <a:accent4>
+          <a:srgbClr val="DADADA"/>
+        </a:accent4>
+        <a:accent5>
+          <a:srgbClr val="E2ADAA"/>
+        </a:accent5>
+        <a:accent6>
+          <a:srgbClr val="AC6D56"/>
+        </a:accent6>
+        <a:hlink>
+          <a:srgbClr val="FFFF99"/>
+        </a:hlink>
+        <a:folHlink>
+          <a:srgbClr val="D3A219"/>
+        </a:folHlink>
+      </a:clrScheme>
+      <a:clrMap bg1="dk2" tx1="lt1" bg2="dk1" tx2="lt2" accent1="accent1" accent2="accent2" accent3="accent3" accent4="accent4" accent5="accent5" accent6="accent6" hlink="hlink" folHlink="folHlink"/>
+    </a:extraClrScheme>
+    <a:extraClrScheme>
+      <a:clrScheme name="Custom Design 8">
+        <a:dk1>
+          <a:srgbClr val="003366"/>
+        </a:dk1>
+        <a:lt1>
+          <a:srgbClr val="FFFFFF"/>
+        </a:lt1>
+        <a:dk2>
+          <a:srgbClr val="000099"/>
+        </a:dk2>
+        <a:lt2>
+          <a:srgbClr val="CCFFFF"/>
+        </a:lt2>
+        <a:accent1>
+          <a:srgbClr val="3366CC"/>
+        </a:accent1>
+        <a:accent2>
+          <a:srgbClr val="00B000"/>
+        </a:accent2>
+        <a:accent3>
+          <a:srgbClr val="AAAACA"/>
+        </a:accent3>
+        <a:accent4>
+          <a:srgbClr val="DADADA"/>
+        </a:accent4>
+        <a:accent5>
+          <a:srgbClr val="ADB8E2"/>
+        </a:accent5>
+        <a:accent6>
+          <a:srgbClr val="009F00"/>
+        </a:accent6>
+        <a:hlink>
+          <a:srgbClr val="66CCFF"/>
+        </a:hlink>
+        <a:folHlink>
+          <a:srgbClr val="FFE701"/>
+        </a:folHlink>
+      </a:clrScheme>
+      <a:clrMap bg1="dk2" tx1="lt1" bg2="dk1" tx2="lt2" accent1="accent1" accent2="accent2" accent3="accent3" accent4="accent4" accent5="accent5" accent6="accent6" hlink="hlink" folHlink="folHlink"/>
+    </a:extraClrScheme>
+    <a:extraClrScheme>
+      <a:clrScheme name="Custom Design 9">
+        <a:dk1>
+          <a:srgbClr val="336699"/>
+        </a:dk1>
+        <a:lt1>
+          <a:srgbClr val="FFFFFF"/>
+        </a:lt1>
+        <a:dk2>
+          <a:srgbClr val="000000"/>
+        </a:dk2>
+        <a:lt2>
+          <a:srgbClr val="E3EBF1"/>
+        </a:lt2>
+        <a:accent1>
+          <a:srgbClr val="003399"/>
+        </a:accent1>
+        <a:accent2>
+          <a:srgbClr val="468A4B"/>
+        </a:accent2>
+        <a:accent3>
+          <a:srgbClr val="AAAAAA"/>
+        </a:accent3>
+        <a:accent4>
+          <a:srgbClr val="DADADA"/>
+        </a:accent4>
+        <a:accent5>
+          <a:srgbClr val="AAADCA"/>
+        </a:accent5>
+        <a:accent6>
+          <a:srgbClr val="3F7D43"/>
+        </a:accent6>
+        <a:hlink>
+          <a:srgbClr val="66CCFF"/>
+        </a:hlink>
+        <a:folHlink>
+          <a:srgbClr val="F0E500"/>
+        </a:folHlink>
+      </a:clrScheme>
+      <a:clrMap bg1="dk2" tx1="lt1" bg2="dk1" tx2="lt2" accent1="accent1" accent2="accent2" accent3="accent3" accent4="accent4" accent5="accent5" accent6="accent6" hlink="hlink" folHlink="folHlink"/>
+    </a:extraClrScheme>
+    <a:extraClrScheme>
+      <a:clrScheme name="Custom Design 10">
+        <a:dk1>
+          <a:srgbClr val="777777"/>
+        </a:dk1>
+        <a:lt1>
+          <a:srgbClr val="FFFFFF"/>
+        </a:lt1>
+        <a:dk2>
+          <a:srgbClr val="686B5D"/>
+        </a:dk2>
+        <a:lt2>
+          <a:srgbClr val="D1D1CB"/>
+        </a:lt2>
+        <a:accent1>
+          <a:srgbClr val="909082"/>
+        </a:accent1>
+        <a:accent2>
+          <a:srgbClr val="809EA8"/>
+        </a:accent2>
+        <a:accent3>
+          <a:srgbClr val="B9BAB6"/>
+        </a:accent3>
+        <a:accent4>
+          <a:srgbClr val="DADADA"/>
+        </a:accent4>
+        <a:accent5>
+          <a:srgbClr val="C6C6C1"/>
+        </a:accent5>
+        <a:accent6>
+          <a:srgbClr val="738F98"/>
+        </a:accent6>
+        <a:hlink>
+          <a:srgbClr val="FFCC66"/>
+        </a:hlink>
+        <a:folHlink>
+          <a:srgbClr val="E9DCB9"/>
+        </a:folHlink>
+      </a:clrScheme>
+      <a:clrMap bg1="dk2" tx1="lt1" bg2="dk1" tx2="lt2" accent1="accent1" accent2="accent2" accent3="accent3" accent4="accent4" accent5="accent5" accent6="accent6" hlink="hlink" folHlink="folHlink"/>
+    </a:extraClrScheme>
+    <a:extraClrScheme>
+      <a:clrScheme name="Custom Design 11">
+        <a:dk1>
+          <a:srgbClr val="3E3E5C"/>
+        </a:dk1>
+        <a:lt1>
+          <a:srgbClr val="FFFFFF"/>
+        </a:lt1>
+        <a:dk2>
+          <a:srgbClr val="666699"/>
+        </a:dk2>
+        <a:lt2>
+          <a:srgbClr val="FFFFFF"/>
+        </a:lt2>
+        <a:accent1>
+          <a:srgbClr val="60597B"/>
+        </a:accent1>
+        <a:accent2>
+          <a:srgbClr val="6666FF"/>
+        </a:accent2>
+        <a:accent3>
+          <a:srgbClr val="B8B8CA"/>
+        </a:accent3>
+        <a:accent4>
+          <a:srgbClr val="DADADA"/>
+        </a:accent4>
+        <a:accent5>
+          <a:srgbClr val="B6B5BF"/>
+        </a:accent5>
+        <a:accent6>
+          <a:srgbClr val="5C5CE7"/>
+        </a:accent6>
+        <a:hlink>
+          <a:srgbClr val="99CCFF"/>
+        </a:hlink>
+        <a:folHlink>
+          <a:srgbClr val="FFFF99"/>
+        </a:folHlink>
+      </a:clrScheme>
+      <a:clrMap bg1="dk2" tx1="lt1" bg2="dk1" tx2="lt2" accent1="accent1" accent2="accent2" accent3="accent3" accent4="accent4" accent5="accent5" accent6="accent6" hlink="hlink" folHlink="folHlink"/>
+    </a:extraClrScheme>
+    <a:extraClrScheme>
+      <a:clrScheme name="Custom Design 12">
+        <a:dk1>
+          <a:srgbClr val="2D2015"/>
+        </a:dk1>
+        <a:lt1>
+          <a:srgbClr val="FFFFFF"/>
+        </a:lt1>
+        <a:dk2>
+          <a:srgbClr val="523E26"/>
+        </a:dk2>
+        <a:lt2>
+          <a:srgbClr val="DFC08D"/>
+        </a:lt2>
+        <a:accent1>
+          <a:srgbClr val="8C7B70"/>
+        </a:accent1>
+        <a:accent2>
+          <a:srgbClr val="8F5F2F"/>
+        </a:accent2>
+        <a:accent3>
+          <a:srgbClr val="B3AFAC"/>
+        </a:accent3>
+        <a:accent4>
+          <a:srgbClr val="DADADA"/>
+        </a:accent4>
+        <a:accent5>
+          <a:srgbClr val="C5BFBB"/>
+        </a:accent5>
+        <a:accent6>
+          <a:srgbClr val="81552A"/>
+        </a:accent6>
+        <a:hlink>
+          <a:srgbClr val="CCB400"/>
+        </a:hlink>
+        <a:folHlink>
+          <a:srgbClr val="8C9EA0"/>
+        </a:folHlink>
+      </a:clrScheme>
+      <a:clrMap bg1="dk2" tx1="lt1" bg2="dk1" tx2="lt2" accent1="accent1" accent2="accent2" accent3="accent3" accent4="accent4" accent5="accent5" accent6="accent6" hlink="hlink" folHlink="folHlink"/>
+    </a:extraClrScheme>
+  </a:extraClrSchemeLst>
 </a:theme>
 </file>